--- a/Slides/Lecture05 - Dependency Injection, Testing Entity Framework.pptx
+++ b/Slides/Lecture05 - Dependency Injection, Testing Entity Framework.pptx
@@ -5,10 +5,10 @@
     <p:sldMasterId id="2147484082" r:id="rId4"/>
   </p:sldMasterIdLst>
   <p:notesMasterIdLst>
-    <p:notesMasterId r:id="rId30"/>
+    <p:notesMasterId r:id="rId29"/>
   </p:notesMasterIdLst>
   <p:handoutMasterIdLst>
-    <p:handoutMasterId r:id="rId31"/>
+    <p:handoutMasterId r:id="rId30"/>
   </p:handoutMasterIdLst>
   <p:sldIdLst>
     <p:sldId id="880" r:id="rId5"/>
@@ -21,21 +21,20 @@
     <p:sldId id="891" r:id="rId12"/>
     <p:sldId id="892" r:id="rId13"/>
     <p:sldId id="893" r:id="rId14"/>
-    <p:sldId id="894" r:id="rId15"/>
-    <p:sldId id="895" r:id="rId16"/>
-    <p:sldId id="897" r:id="rId17"/>
-    <p:sldId id="908" r:id="rId18"/>
-    <p:sldId id="906" r:id="rId19"/>
-    <p:sldId id="886" r:id="rId20"/>
-    <p:sldId id="887" r:id="rId21"/>
-    <p:sldId id="888" r:id="rId22"/>
-    <p:sldId id="889" r:id="rId23"/>
-    <p:sldId id="890" r:id="rId24"/>
-    <p:sldId id="899" r:id="rId25"/>
-    <p:sldId id="900" r:id="rId26"/>
-    <p:sldId id="907" r:id="rId27"/>
-    <p:sldId id="902" r:id="rId28"/>
-    <p:sldId id="905" r:id="rId29"/>
+    <p:sldId id="895" r:id="rId15"/>
+    <p:sldId id="897" r:id="rId16"/>
+    <p:sldId id="908" r:id="rId17"/>
+    <p:sldId id="906" r:id="rId18"/>
+    <p:sldId id="886" r:id="rId19"/>
+    <p:sldId id="887" r:id="rId20"/>
+    <p:sldId id="888" r:id="rId21"/>
+    <p:sldId id="889" r:id="rId22"/>
+    <p:sldId id="890" r:id="rId23"/>
+    <p:sldId id="899" r:id="rId24"/>
+    <p:sldId id="900" r:id="rId25"/>
+    <p:sldId id="907" r:id="rId26"/>
+    <p:sldId id="902" r:id="rId27"/>
+    <p:sldId id="905" r:id="rId28"/>
   </p:sldIdLst>
   <p:sldSz cx="9326563" cy="6994525"/>
   <p:notesSz cx="6858000" cy="9144000"/>
@@ -149,7 +148,6 @@
             <p14:sldId id="891"/>
             <p14:sldId id="892"/>
             <p14:sldId id="893"/>
-            <p14:sldId id="894"/>
             <p14:sldId id="895"/>
             <p14:sldId id="897"/>
             <p14:sldId id="908"/>
@@ -378,7 +376,7 @@
               <a:rPr lang="en-US" smtClean="0">
                 <a:latin typeface="Segoe UI" pitchFamily="34" charset="0"/>
               </a:rPr>
-              <a:t>9/22/2019</a:t>
+              <a:t>9/26/2019</a:t>
             </a:fld>
             <a:endParaRPr lang="en-US" dirty="0">
               <a:latin typeface="Segoe UI" pitchFamily="34" charset="0"/>
@@ -701,7 +699,7 @@
             <a:fld id="{D51B1278-D92B-4AF3-A9C1-71DD298190CE}" type="datetimeFigureOut">
               <a:rPr lang="en-US" smtClean="0"/>
               <a:pPr/>
-              <a:t>9/22/2019</a:t>
+              <a:t>9/26/2019</a:t>
             </a:fld>
             <a:endParaRPr lang="en-US" dirty="0"/>
           </a:p>
@@ -5449,243 +5447,7 @@
           <a:p>
             <a:r>
               <a:rPr lang="da-DK" dirty="0"/>
-              <a:t>Interface </a:t>
-            </a:r>
-            <a:r>
-              <a:rPr lang="da-DK" dirty="0" err="1"/>
-              <a:t>Injection</a:t>
-            </a:r>
-            <a:r>
-              <a:rPr lang="da-DK" dirty="0"/>
-              <a:t> III</a:t>
-            </a:r>
-          </a:p>
-        </p:txBody>
-      </p:sp>
-      <p:sp>
-        <p:nvSpPr>
-          <p:cNvPr id="3" name="Rectangle 2"/>
-          <p:cNvSpPr/>
-          <p:nvPr/>
-        </p:nvSpPr>
-        <p:spPr>
-          <a:xfrm>
-            <a:off x="2377306" y="3222945"/>
-            <a:ext cx="4571950" cy="1200329"/>
-          </a:xfrm>
-          <a:prstGeom prst="rect">
-            <a:avLst/>
-          </a:prstGeom>
-        </p:spPr>
-        <p:txBody>
-          <a:bodyPr wrap="square">
-            <a:spAutoFit/>
-          </a:bodyPr>
-          <a:lstStyle/>
-          <a:p>
-            <a:r>
-              <a:rPr lang="da-DK" dirty="0">
-                <a:solidFill>
-                  <a:srgbClr val="0000FF"/>
-                </a:solidFill>
-                <a:latin typeface="Consolas" panose="020B0609020204030204" pitchFamily="49" charset="0"/>
-              </a:rPr>
-              <a:t>public</a:t>
-            </a:r>
-            <a:r>
-              <a:rPr lang="da-DK" dirty="0">
-                <a:solidFill>
-                  <a:srgbClr val="000000"/>
-                </a:solidFill>
-                <a:latin typeface="Consolas" panose="020B0609020204030204" pitchFamily="49" charset="0"/>
-              </a:rPr>
-              <a:t> </a:t>
-            </a:r>
-            <a:r>
-              <a:rPr lang="da-DK" dirty="0">
-                <a:solidFill>
-                  <a:srgbClr val="0000FF"/>
-                </a:solidFill>
-                <a:latin typeface="Consolas" panose="020B0609020204030204" pitchFamily="49" charset="0"/>
-              </a:rPr>
-              <a:t>interface</a:t>
-            </a:r>
-            <a:r>
-              <a:rPr lang="da-DK" dirty="0">
-                <a:solidFill>
-                  <a:srgbClr val="000000"/>
-                </a:solidFill>
-                <a:latin typeface="Consolas" panose="020B0609020204030204" pitchFamily="49" charset="0"/>
-              </a:rPr>
-              <a:t> </a:t>
-            </a:r>
-            <a:r>
-              <a:rPr lang="da-DK" dirty="0" err="1">
-                <a:solidFill>
-                  <a:srgbClr val="2B91AF"/>
-                </a:solidFill>
-                <a:latin typeface="Consolas" panose="020B0609020204030204" pitchFamily="49" charset="0"/>
-              </a:rPr>
-              <a:t>IServiceSetter</a:t>
-            </a:r>
-            <a:r>
-              <a:rPr lang="da-DK" dirty="0">
-                <a:solidFill>
-                  <a:srgbClr val="000000"/>
-                </a:solidFill>
-                <a:latin typeface="Consolas" panose="020B0609020204030204" pitchFamily="49" charset="0"/>
-              </a:rPr>
-              <a:t>&lt;</a:t>
-            </a:r>
-            <a:r>
-              <a:rPr lang="da-DK" dirty="0">
-                <a:solidFill>
-                  <a:srgbClr val="2B91AF"/>
-                </a:solidFill>
-                <a:latin typeface="Consolas" panose="020B0609020204030204" pitchFamily="49" charset="0"/>
-              </a:rPr>
-              <a:t>T</a:t>
-            </a:r>
-            <a:r>
-              <a:rPr lang="da-DK" dirty="0">
-                <a:solidFill>
-                  <a:srgbClr val="000000"/>
-                </a:solidFill>
-                <a:latin typeface="Consolas" panose="020B0609020204030204" pitchFamily="49" charset="0"/>
-              </a:rPr>
-              <a:t>&gt;</a:t>
-            </a:r>
-          </a:p>
-          <a:p>
-            <a:r>
-              <a:rPr lang="da-DK" dirty="0">
-                <a:solidFill>
-                  <a:srgbClr val="000000"/>
-                </a:solidFill>
-                <a:latin typeface="Consolas" panose="020B0609020204030204" pitchFamily="49" charset="0"/>
-              </a:rPr>
-              <a:t>{</a:t>
-            </a:r>
-          </a:p>
-          <a:p>
-            <a:r>
-              <a:rPr lang="da-DK" dirty="0">
-                <a:solidFill>
-                  <a:srgbClr val="000000"/>
-                </a:solidFill>
-                <a:latin typeface="Consolas" panose="020B0609020204030204" pitchFamily="49" charset="0"/>
-              </a:rPr>
-              <a:t>    </a:t>
-            </a:r>
-            <a:r>
-              <a:rPr lang="da-DK" dirty="0">
-                <a:solidFill>
-                  <a:srgbClr val="2B91AF"/>
-                </a:solidFill>
-                <a:latin typeface="Consolas" panose="020B0609020204030204" pitchFamily="49" charset="0"/>
-              </a:rPr>
-              <a:t>T</a:t>
-            </a:r>
-            <a:r>
-              <a:rPr lang="da-DK" dirty="0">
-                <a:solidFill>
-                  <a:srgbClr val="000000"/>
-                </a:solidFill>
-                <a:latin typeface="Consolas" panose="020B0609020204030204" pitchFamily="49" charset="0"/>
-              </a:rPr>
-              <a:t> Service { </a:t>
-            </a:r>
-            <a:r>
-              <a:rPr lang="da-DK" dirty="0">
-                <a:solidFill>
-                  <a:srgbClr val="0000FF"/>
-                </a:solidFill>
-                <a:latin typeface="Consolas" panose="020B0609020204030204" pitchFamily="49" charset="0"/>
-              </a:rPr>
-              <a:t>set</a:t>
-            </a:r>
-            <a:r>
-              <a:rPr lang="da-DK" dirty="0">
-                <a:solidFill>
-                  <a:srgbClr val="000000"/>
-                </a:solidFill>
-                <a:latin typeface="Consolas" panose="020B0609020204030204" pitchFamily="49" charset="0"/>
-              </a:rPr>
-              <a:t>; }</a:t>
-            </a:r>
-          </a:p>
-          <a:p>
-            <a:r>
-              <a:rPr lang="da-DK" dirty="0">
-                <a:solidFill>
-                  <a:srgbClr val="000000"/>
-                </a:solidFill>
-                <a:latin typeface="Consolas" panose="020B0609020204030204" pitchFamily="49" charset="0"/>
-              </a:rPr>
-              <a:t>}</a:t>
-            </a:r>
-          </a:p>
-        </p:txBody>
-      </p:sp>
-    </p:spTree>
-    <p:extLst>
-      <p:ext uri="{BB962C8B-B14F-4D97-AF65-F5344CB8AC3E}">
-        <p14:creationId xmlns:p14="http://schemas.microsoft.com/office/powerpoint/2010/main" val="106678809"/>
-      </p:ext>
-    </p:extLst>
-  </p:cSld>
-  <p:clrMapOvr>
-    <a:masterClrMapping/>
-  </p:clrMapOvr>
-  <p:transition>
-    <p:fade/>
-  </p:transition>
-</p:sld>
-</file>
-
-<file path=ppt/slides/slide12.xml><?xml version="1.0" encoding="utf-8"?>
-<p:sld xmlns:a="http://schemas.openxmlformats.org/drawingml/2006/main" xmlns:r="http://schemas.openxmlformats.org/officeDocument/2006/relationships" xmlns:p="http://schemas.openxmlformats.org/presentationml/2006/main">
-  <p:cSld>
-    <p:spTree>
-      <p:nvGrpSpPr>
-        <p:cNvPr id="1" name=""/>
-        <p:cNvGrpSpPr/>
-        <p:nvPr/>
-      </p:nvGrpSpPr>
-      <p:grpSpPr>
-        <a:xfrm>
-          <a:off x="0" y="0"/>
-          <a:ext cx="0" cy="0"/>
-          <a:chOff x="0" y="0"/>
-          <a:chExt cx="0" cy="0"/>
-        </a:xfrm>
-      </p:grpSpPr>
-      <p:sp>
-        <p:nvSpPr>
-          <p:cNvPr id="2" name="Title 1"/>
-          <p:cNvSpPr>
-            <a:spLocks noGrp="1"/>
-          </p:cNvSpPr>
-          <p:nvPr>
-            <p:ph type="title"/>
-          </p:nvPr>
-        </p:nvSpPr>
-        <p:spPr/>
-        <p:txBody>
-          <a:bodyPr/>
-          <a:lstStyle/>
-          <a:p>
-            <a:r>
-              <a:rPr lang="da-DK" dirty="0"/>
-              <a:t>Interface </a:t>
-            </a:r>
-            <a:r>
-              <a:rPr lang="da-DK" dirty="0" err="1"/>
-              <a:t>Injection</a:t>
-            </a:r>
-            <a:r>
-              <a:rPr lang="da-DK" dirty="0"/>
-              <a:t> IV</a:t>
+              <a:t>Interface Injection III</a:t>
             </a:r>
           </a:p>
         </p:txBody>
@@ -6292,7 +6054,7 @@
 </p:sld>
 </file>
 
-<file path=ppt/slides/slide13.xml><?xml version="1.0" encoding="utf-8"?>
+<file path=ppt/slides/slide12.xml><?xml version="1.0" encoding="utf-8"?>
 <p:sld xmlns:a="http://schemas.openxmlformats.org/drawingml/2006/main" xmlns:r="http://schemas.openxmlformats.org/officeDocument/2006/relationships" xmlns:p="http://schemas.openxmlformats.org/presentationml/2006/main">
   <p:cSld>
     <p:bg>
@@ -6747,6 +6509,94 @@
           </a:p>
         </p:txBody>
       </p:sp>
+      <p:sp>
+        <p:nvSpPr>
+          <p:cNvPr id="6" name="Speech Bubble: Rectangle 5">
+            <a:extLst>
+              <a:ext uri="{FF2B5EF4-FFF2-40B4-BE49-F238E27FC236}">
+                <a16:creationId xmlns:a16="http://schemas.microsoft.com/office/drawing/2014/main" id="{3605A0F4-0617-4A1C-9BCF-BDD39A61C36F}"/>
+              </a:ext>
+            </a:extLst>
+          </p:cNvPr>
+          <p:cNvSpPr/>
+          <p:nvPr/>
+        </p:nvSpPr>
+        <p:spPr bwMode="auto">
+          <a:xfrm>
+            <a:off x="6309183" y="5966115"/>
+            <a:ext cx="2925620" cy="914390"/>
+          </a:xfrm>
+          <a:prstGeom prst="wedgeRectCallout">
+            <a:avLst>
+              <a:gd name="adj1" fmla="val -59387"/>
+              <a:gd name="adj2" fmla="val -92771"/>
+            </a:avLst>
+          </a:prstGeom>
+          <a:solidFill>
+            <a:srgbClr val="BA141A"/>
+          </a:solidFill>
+          <a:ln>
+            <a:noFill/>
+            <a:headEnd type="none" w="med" len="med"/>
+            <a:tailEnd type="none" w="med" len="med"/>
+          </a:ln>
+          <a:effectLst/>
+        </p:spPr>
+        <p:style>
+          <a:lnRef idx="1">
+            <a:schemeClr val="accent2"/>
+          </a:lnRef>
+          <a:fillRef idx="3">
+            <a:schemeClr val="accent2"/>
+          </a:fillRef>
+          <a:effectRef idx="2">
+            <a:schemeClr val="accent2"/>
+          </a:effectRef>
+          <a:fontRef idx="minor">
+            <a:schemeClr val="lt1"/>
+          </a:fontRef>
+        </p:style>
+        <p:txBody>
+          <a:bodyPr rot="0" spcFirstLastPara="0" vertOverflow="overflow" horzOverflow="overflow" vert="horz" wrap="square" lIns="182880" tIns="146304" rIns="182880" bIns="146304" numCol="1" spcCol="0" rtlCol="0" fromWordArt="0" anchor="t" anchorCtr="0" forceAA="0" compatLnSpc="1">
+            <a:prstTxWarp prst="textNoShape">
+              <a:avLst/>
+            </a:prstTxWarp>
+            <a:noAutofit/>
+          </a:bodyPr>
+          <a:lstStyle/>
+          <a:p>
+            <a:pPr algn="ctr" defTabSz="932472" fontAlgn="base">
+              <a:lnSpc>
+                <a:spcPct val="90000"/>
+              </a:lnSpc>
+              <a:spcBef>
+                <a:spcPct val="0"/>
+              </a:spcBef>
+              <a:spcAft>
+                <a:spcPct val="0"/>
+              </a:spcAft>
+            </a:pPr>
+            <a:r>
+              <a:rPr lang="da-DK" sz="2400" dirty="0">
+                <a:gradFill>
+                  <a:gsLst>
+                    <a:gs pos="0">
+                      <a:srgbClr val="FFFFFF"/>
+                    </a:gs>
+                    <a:gs pos="100000">
+                      <a:srgbClr val="FFFFFF"/>
+                    </a:gs>
+                  </a:gsLst>
+                  <a:lin ang="5400000" scaled="0"/>
+                </a:gradFill>
+                <a:ea typeface="Segoe UI" pitchFamily="34" charset="0"/>
+                <a:cs typeface="Segoe UI" pitchFamily="34" charset="0"/>
+              </a:rPr>
+              <a:t>In a couple of weeks...</a:t>
+            </a:r>
+          </a:p>
+        </p:txBody>
+      </p:sp>
     </p:spTree>
     <p:extLst>
       <p:ext uri="{BB962C8B-B14F-4D97-AF65-F5344CB8AC3E}">
@@ -6763,7 +6613,7 @@
 </p:sld>
 </file>
 
-<file path=ppt/slides/slide14.xml><?xml version="1.0" encoding="utf-8"?>
+<file path=ppt/slides/slide13.xml><?xml version="1.0" encoding="utf-8"?>
 <p:sld xmlns:a="http://schemas.openxmlformats.org/drawingml/2006/main" xmlns:r="http://schemas.openxmlformats.org/officeDocument/2006/relationships" xmlns:p="http://schemas.openxmlformats.org/presentationml/2006/main">
   <p:cSld>
     <p:spTree>
@@ -7079,7 +6929,7 @@
 </p:sld>
 </file>
 
-<file path=ppt/slides/slide15.xml><?xml version="1.0" encoding="utf-8"?>
+<file path=ppt/slides/slide14.xml><?xml version="1.0" encoding="utf-8"?>
 <p:sld xmlns:a="http://schemas.openxmlformats.org/drawingml/2006/main" xmlns:r="http://schemas.openxmlformats.org/officeDocument/2006/relationships" xmlns:p="http://schemas.openxmlformats.org/presentationml/2006/main">
   <p:cSld>
     <p:spTree>
@@ -7187,7 +7037,7 @@
 </p:sld>
 </file>
 
-<file path=ppt/slides/slide16.xml><?xml version="1.0" encoding="utf-8"?>
+<file path=ppt/slides/slide15.xml><?xml version="1.0" encoding="utf-8"?>
 <p:sld xmlns:a="http://schemas.openxmlformats.org/drawingml/2006/main" xmlns:r="http://schemas.openxmlformats.org/officeDocument/2006/relationships" xmlns:p="http://schemas.openxmlformats.org/presentationml/2006/main">
   <p:cSld>
     <p:bg>
@@ -7642,7 +7492,7 @@
 </p:sld>
 </file>
 
-<file path=ppt/slides/slide17.xml><?xml version="1.0" encoding="utf-8"?>
+<file path=ppt/slides/slide16.xml><?xml version="1.0" encoding="utf-8"?>
 <p:sld xmlns:a="http://schemas.openxmlformats.org/drawingml/2006/main" xmlns:r="http://schemas.openxmlformats.org/officeDocument/2006/relationships" xmlns:p="http://schemas.openxmlformats.org/presentationml/2006/main">
   <p:cSld>
     <p:spTree>
@@ -8034,7 +7884,7 @@
 </p:sld>
 </file>
 
-<file path=ppt/slides/slide18.xml><?xml version="1.0" encoding="utf-8"?>
+<file path=ppt/slides/slide17.xml><?xml version="1.0" encoding="utf-8"?>
 <p:sld xmlns:a="http://schemas.openxmlformats.org/drawingml/2006/main" xmlns:r="http://schemas.openxmlformats.org/officeDocument/2006/relationships" xmlns:p="http://schemas.openxmlformats.org/presentationml/2006/main">
   <p:cSld>
     <p:spTree>
@@ -8635,7 +8485,7 @@
 </p:sld>
 </file>
 
-<file path=ppt/slides/slide19.xml><?xml version="1.0" encoding="utf-8"?>
+<file path=ppt/slides/slide18.xml><?xml version="1.0" encoding="utf-8"?>
 <p:sld xmlns:a="http://schemas.openxmlformats.org/drawingml/2006/main" xmlns:r="http://schemas.openxmlformats.org/officeDocument/2006/relationships" xmlns:p="http://schemas.openxmlformats.org/presentationml/2006/main">
   <p:cSld>
     <p:spTree>
@@ -9459,6 +9309,891 @@
     <p:extLst>
       <p:ext uri="{BB962C8B-B14F-4D97-AF65-F5344CB8AC3E}">
         <p14:creationId xmlns:p14="http://schemas.microsoft.com/office/powerpoint/2010/main" val="3544514694"/>
+      </p:ext>
+    </p:extLst>
+  </p:cSld>
+  <p:clrMapOvr>
+    <a:masterClrMapping/>
+  </p:clrMapOvr>
+  <p:transition>
+    <p:fade/>
+  </p:transition>
+</p:sld>
+</file>
+
+<file path=ppt/slides/slide19.xml><?xml version="1.0" encoding="utf-8"?>
+<p:sld xmlns:a="http://schemas.openxmlformats.org/drawingml/2006/main" xmlns:r="http://schemas.openxmlformats.org/officeDocument/2006/relationships" xmlns:p="http://schemas.openxmlformats.org/presentationml/2006/main">
+  <p:cSld>
+    <p:spTree>
+      <p:nvGrpSpPr>
+        <p:cNvPr id="1" name=""/>
+        <p:cNvGrpSpPr/>
+        <p:nvPr/>
+      </p:nvGrpSpPr>
+      <p:grpSpPr>
+        <a:xfrm>
+          <a:off x="0" y="0"/>
+          <a:ext cx="0" cy="0"/>
+          <a:chOff x="0" y="0"/>
+          <a:chExt cx="0" cy="0"/>
+        </a:xfrm>
+      </p:grpSpPr>
+      <p:sp>
+        <p:nvSpPr>
+          <p:cNvPr id="3" name="Title 2"/>
+          <p:cNvSpPr>
+            <a:spLocks noGrp="1"/>
+          </p:cNvSpPr>
+          <p:nvPr>
+            <p:ph type="title"/>
+          </p:nvPr>
+        </p:nvSpPr>
+        <p:spPr/>
+        <p:txBody>
+          <a:bodyPr/>
+          <a:lstStyle/>
+          <a:p>
+            <a:r>
+              <a:rPr lang="da-DK" dirty="0" err="1"/>
+              <a:t>Mock</a:t>
+            </a:r>
+            <a:r>
+              <a:rPr lang="da-DK" dirty="0"/>
+              <a:t> </a:t>
+            </a:r>
+            <a:r>
+              <a:rPr lang="da-DK" dirty="0" err="1"/>
+              <a:t>testing</a:t>
+            </a:r>
+            <a:r>
+              <a:rPr lang="da-DK" dirty="0"/>
+              <a:t> II</a:t>
+            </a:r>
+          </a:p>
+        </p:txBody>
+      </p:sp>
+      <p:sp>
+        <p:nvSpPr>
+          <p:cNvPr id="4" name="Rectangle 3"/>
+          <p:cNvSpPr/>
+          <p:nvPr/>
+        </p:nvSpPr>
+        <p:spPr>
+          <a:xfrm>
+            <a:off x="228651" y="1577043"/>
+            <a:ext cx="8869261" cy="4524315"/>
+          </a:xfrm>
+          <a:prstGeom prst="rect">
+            <a:avLst/>
+          </a:prstGeom>
+        </p:spPr>
+        <p:txBody>
+          <a:bodyPr wrap="square">
+            <a:spAutoFit/>
+          </a:bodyPr>
+          <a:lstStyle/>
+          <a:p>
+            <a:r>
+              <a:rPr lang="da-DK" dirty="0">
+                <a:solidFill>
+                  <a:srgbClr val="0000FF"/>
+                </a:solidFill>
+                <a:latin typeface="Consolas" panose="020B0609020204030204" pitchFamily="49" charset="0"/>
+              </a:rPr>
+              <a:t>public</a:t>
+            </a:r>
+            <a:r>
+              <a:rPr lang="da-DK" dirty="0">
+                <a:solidFill>
+                  <a:srgbClr val="000000"/>
+                </a:solidFill>
+                <a:latin typeface="Consolas" panose="020B0609020204030204" pitchFamily="49" charset="0"/>
+              </a:rPr>
+              <a:t> </a:t>
+            </a:r>
+            <a:r>
+              <a:rPr lang="da-DK" dirty="0">
+                <a:solidFill>
+                  <a:srgbClr val="0000FF"/>
+                </a:solidFill>
+                <a:latin typeface="Consolas" panose="020B0609020204030204" pitchFamily="49" charset="0"/>
+              </a:rPr>
+              <a:t>class</a:t>
+            </a:r>
+            <a:r>
+              <a:rPr lang="da-DK" dirty="0">
+                <a:solidFill>
+                  <a:srgbClr val="000000"/>
+                </a:solidFill>
+                <a:latin typeface="Consolas" panose="020B0609020204030204" pitchFamily="49" charset="0"/>
+              </a:rPr>
+              <a:t> </a:t>
+            </a:r>
+            <a:r>
+              <a:rPr lang="da-DK" dirty="0" err="1">
+                <a:solidFill>
+                  <a:srgbClr val="2B91AF"/>
+                </a:solidFill>
+                <a:latin typeface="Consolas" panose="020B0609020204030204" pitchFamily="49" charset="0"/>
+              </a:rPr>
+              <a:t>WorkerTests</a:t>
+            </a:r>
+            <a:endParaRPr lang="da-DK" dirty="0">
+              <a:solidFill>
+                <a:srgbClr val="000000"/>
+              </a:solidFill>
+              <a:latin typeface="Consolas" panose="020B0609020204030204" pitchFamily="49" charset="0"/>
+            </a:endParaRPr>
+          </a:p>
+          <a:p>
+            <a:r>
+              <a:rPr lang="da-DK" dirty="0">
+                <a:solidFill>
+                  <a:srgbClr val="000000"/>
+                </a:solidFill>
+                <a:latin typeface="Consolas" panose="020B0609020204030204" pitchFamily="49" charset="0"/>
+              </a:rPr>
+              <a:t>{</a:t>
+            </a:r>
+          </a:p>
+          <a:p>
+            <a:r>
+              <a:rPr lang="da-DK" dirty="0">
+                <a:solidFill>
+                  <a:srgbClr val="000000"/>
+                </a:solidFill>
+                <a:latin typeface="Consolas" panose="020B0609020204030204" pitchFamily="49" charset="0"/>
+              </a:rPr>
+              <a:t>    [</a:t>
+            </a:r>
+            <a:r>
+              <a:rPr lang="da-DK" dirty="0" err="1">
+                <a:solidFill>
+                  <a:srgbClr val="2B91AF"/>
+                </a:solidFill>
+                <a:latin typeface="Consolas" panose="020B0609020204030204" pitchFamily="49" charset="0"/>
+              </a:rPr>
+              <a:t>Fact</a:t>
+            </a:r>
+            <a:r>
+              <a:rPr lang="da-DK" dirty="0">
+                <a:solidFill>
+                  <a:srgbClr val="000000"/>
+                </a:solidFill>
+                <a:latin typeface="Consolas" panose="020B0609020204030204" pitchFamily="49" charset="0"/>
+              </a:rPr>
+              <a:t>]</a:t>
+            </a:r>
+          </a:p>
+          <a:p>
+            <a:r>
+              <a:rPr lang="en-US" dirty="0">
+                <a:solidFill>
+                  <a:srgbClr val="000000"/>
+                </a:solidFill>
+                <a:latin typeface="Consolas" panose="020B0609020204030204" pitchFamily="49" charset="0"/>
+              </a:rPr>
+              <a:t>    </a:t>
+            </a:r>
+            <a:r>
+              <a:rPr lang="en-US" dirty="0">
+                <a:solidFill>
+                  <a:srgbClr val="0000FF"/>
+                </a:solidFill>
+                <a:latin typeface="Consolas" panose="020B0609020204030204" pitchFamily="49" charset="0"/>
+              </a:rPr>
+              <a:t>public</a:t>
+            </a:r>
+            <a:r>
+              <a:rPr lang="en-US" dirty="0">
+                <a:solidFill>
+                  <a:srgbClr val="000000"/>
+                </a:solidFill>
+                <a:latin typeface="Consolas" panose="020B0609020204030204" pitchFamily="49" charset="0"/>
+              </a:rPr>
+              <a:t> </a:t>
+            </a:r>
+            <a:r>
+              <a:rPr lang="en-US" dirty="0">
+                <a:solidFill>
+                  <a:srgbClr val="0000FF"/>
+                </a:solidFill>
+                <a:latin typeface="Consolas" panose="020B0609020204030204" pitchFamily="49" charset="0"/>
+              </a:rPr>
+              <a:t>void</a:t>
+            </a:r>
+            <a:r>
+              <a:rPr lang="en-US" dirty="0">
+                <a:solidFill>
+                  <a:srgbClr val="000000"/>
+                </a:solidFill>
+                <a:latin typeface="Consolas" panose="020B0609020204030204" pitchFamily="49" charset="0"/>
+              </a:rPr>
+              <a:t> </a:t>
+            </a:r>
+            <a:r>
+              <a:rPr lang="en-US" dirty="0" err="1">
+                <a:solidFill>
+                  <a:srgbClr val="000000"/>
+                </a:solidFill>
+                <a:latin typeface="Consolas" panose="020B0609020204030204" pitchFamily="49" charset="0"/>
+              </a:rPr>
+              <a:t>DoWork_when_IFooService_Update_true_returns_true</a:t>
+            </a:r>
+            <a:r>
+              <a:rPr lang="en-US" dirty="0">
+                <a:solidFill>
+                  <a:srgbClr val="000000"/>
+                </a:solidFill>
+                <a:latin typeface="Consolas" panose="020B0609020204030204" pitchFamily="49" charset="0"/>
+              </a:rPr>
+              <a:t>()</a:t>
+            </a:r>
+          </a:p>
+          <a:p>
+            <a:r>
+              <a:rPr lang="da-DK" dirty="0">
+                <a:solidFill>
+                  <a:srgbClr val="000000"/>
+                </a:solidFill>
+                <a:latin typeface="Consolas" panose="020B0609020204030204" pitchFamily="49" charset="0"/>
+              </a:rPr>
+              <a:t>    {</a:t>
+            </a:r>
+          </a:p>
+          <a:p>
+            <a:r>
+              <a:rPr lang="en-US" dirty="0">
+                <a:solidFill>
+                  <a:srgbClr val="000000"/>
+                </a:solidFill>
+                <a:latin typeface="Consolas" panose="020B0609020204030204" pitchFamily="49" charset="0"/>
+              </a:rPr>
+              <a:t>        </a:t>
+            </a:r>
+            <a:r>
+              <a:rPr lang="en-US" dirty="0" err="1">
+                <a:solidFill>
+                  <a:srgbClr val="0000FF"/>
+                </a:solidFill>
+                <a:latin typeface="Consolas" panose="020B0609020204030204" pitchFamily="49" charset="0"/>
+              </a:rPr>
+              <a:t>var</a:t>
+            </a:r>
+            <a:r>
+              <a:rPr lang="en-US" dirty="0">
+                <a:solidFill>
+                  <a:srgbClr val="000000"/>
+                </a:solidFill>
+                <a:latin typeface="Consolas" panose="020B0609020204030204" pitchFamily="49" charset="0"/>
+              </a:rPr>
+              <a:t> mock = </a:t>
+            </a:r>
+            <a:r>
+              <a:rPr lang="en-US" dirty="0">
+                <a:solidFill>
+                  <a:srgbClr val="0000FF"/>
+                </a:solidFill>
+                <a:latin typeface="Consolas" panose="020B0609020204030204" pitchFamily="49" charset="0"/>
+              </a:rPr>
+              <a:t>new</a:t>
+            </a:r>
+            <a:r>
+              <a:rPr lang="en-US" dirty="0">
+                <a:solidFill>
+                  <a:srgbClr val="000000"/>
+                </a:solidFill>
+                <a:latin typeface="Consolas" panose="020B0609020204030204" pitchFamily="49" charset="0"/>
+              </a:rPr>
+              <a:t> </a:t>
+            </a:r>
+            <a:r>
+              <a:rPr lang="en-US" dirty="0">
+                <a:solidFill>
+                  <a:srgbClr val="2B91AF"/>
+                </a:solidFill>
+                <a:latin typeface="Consolas" panose="020B0609020204030204" pitchFamily="49" charset="0"/>
+              </a:rPr>
+              <a:t>Mock</a:t>
+            </a:r>
+            <a:r>
+              <a:rPr lang="en-US" dirty="0">
+                <a:solidFill>
+                  <a:srgbClr val="000000"/>
+                </a:solidFill>
+                <a:latin typeface="Consolas" panose="020B0609020204030204" pitchFamily="49" charset="0"/>
+              </a:rPr>
+              <a:t>&lt;</a:t>
+            </a:r>
+            <a:r>
+              <a:rPr lang="en-US" dirty="0" err="1">
+                <a:solidFill>
+                  <a:srgbClr val="2B91AF"/>
+                </a:solidFill>
+                <a:latin typeface="Consolas" panose="020B0609020204030204" pitchFamily="49" charset="0"/>
+              </a:rPr>
+              <a:t>IFooService</a:t>
+            </a:r>
+            <a:r>
+              <a:rPr lang="en-US" dirty="0">
+                <a:solidFill>
+                  <a:srgbClr val="000000"/>
+                </a:solidFill>
+                <a:latin typeface="Consolas" panose="020B0609020204030204" pitchFamily="49" charset="0"/>
+              </a:rPr>
+              <a:t>&gt;();</a:t>
+            </a:r>
+          </a:p>
+          <a:p>
+            <a:r>
+              <a:rPr lang="en-US" dirty="0">
+                <a:solidFill>
+                  <a:srgbClr val="000000"/>
+                </a:solidFill>
+                <a:latin typeface="Consolas" panose="020B0609020204030204" pitchFamily="49" charset="0"/>
+              </a:rPr>
+              <a:t>        </a:t>
+            </a:r>
+            <a:r>
+              <a:rPr lang="en-US" dirty="0" err="1">
+                <a:solidFill>
+                  <a:srgbClr val="000000"/>
+                </a:solidFill>
+                <a:latin typeface="Consolas" panose="020B0609020204030204" pitchFamily="49" charset="0"/>
+              </a:rPr>
+              <a:t>mock.Setup</a:t>
+            </a:r>
+            <a:r>
+              <a:rPr lang="en-US" dirty="0">
+                <a:solidFill>
+                  <a:srgbClr val="000000"/>
+                </a:solidFill>
+                <a:latin typeface="Consolas" panose="020B0609020204030204" pitchFamily="49" charset="0"/>
+              </a:rPr>
+              <a:t>(m =&gt; </a:t>
+            </a:r>
+            <a:r>
+              <a:rPr lang="en-US" dirty="0" err="1">
+                <a:solidFill>
+                  <a:srgbClr val="000000"/>
+                </a:solidFill>
+                <a:latin typeface="Consolas" panose="020B0609020204030204" pitchFamily="49" charset="0"/>
+              </a:rPr>
+              <a:t>m.Update</a:t>
+            </a:r>
+            <a:r>
+              <a:rPr lang="en-US" dirty="0">
+                <a:solidFill>
+                  <a:srgbClr val="000000"/>
+                </a:solidFill>
+                <a:latin typeface="Consolas" panose="020B0609020204030204" pitchFamily="49" charset="0"/>
+              </a:rPr>
+              <a:t>(</a:t>
+            </a:r>
+            <a:r>
+              <a:rPr lang="en-US" dirty="0" err="1">
+                <a:solidFill>
+                  <a:srgbClr val="2B91AF"/>
+                </a:solidFill>
+                <a:latin typeface="Consolas" panose="020B0609020204030204" pitchFamily="49" charset="0"/>
+              </a:rPr>
+              <a:t>It</a:t>
+            </a:r>
+            <a:r>
+              <a:rPr lang="en-US" dirty="0" err="1">
+                <a:solidFill>
+                  <a:srgbClr val="000000"/>
+                </a:solidFill>
+                <a:latin typeface="Consolas" panose="020B0609020204030204" pitchFamily="49" charset="0"/>
+              </a:rPr>
+              <a:t>.IsAny</a:t>
+            </a:r>
+            <a:r>
+              <a:rPr lang="en-US" dirty="0">
+                <a:solidFill>
+                  <a:srgbClr val="000000"/>
+                </a:solidFill>
+                <a:latin typeface="Consolas" panose="020B0609020204030204" pitchFamily="49" charset="0"/>
+              </a:rPr>
+              <a:t>&lt;</a:t>
+            </a:r>
+            <a:r>
+              <a:rPr lang="en-US" dirty="0">
+                <a:solidFill>
+                  <a:srgbClr val="2B91AF"/>
+                </a:solidFill>
+                <a:latin typeface="Consolas" panose="020B0609020204030204" pitchFamily="49" charset="0"/>
+              </a:rPr>
+              <a:t>Foo</a:t>
+            </a:r>
+            <a:r>
+              <a:rPr lang="en-US" dirty="0">
+                <a:solidFill>
+                  <a:srgbClr val="000000"/>
+                </a:solidFill>
+                <a:latin typeface="Consolas" panose="020B0609020204030204" pitchFamily="49" charset="0"/>
+              </a:rPr>
+              <a:t>&gt;())).Returns(</a:t>
+            </a:r>
+            <a:r>
+              <a:rPr lang="en-US" dirty="0">
+                <a:solidFill>
+                  <a:srgbClr val="0000FF"/>
+                </a:solidFill>
+                <a:latin typeface="Consolas" panose="020B0609020204030204" pitchFamily="49" charset="0"/>
+              </a:rPr>
+              <a:t>true</a:t>
+            </a:r>
+            <a:r>
+              <a:rPr lang="en-US" dirty="0">
+                <a:solidFill>
+                  <a:srgbClr val="000000"/>
+                </a:solidFill>
+                <a:latin typeface="Consolas" panose="020B0609020204030204" pitchFamily="49" charset="0"/>
+              </a:rPr>
+              <a:t>);</a:t>
+            </a:r>
+          </a:p>
+          <a:p>
+            <a:endParaRPr lang="da-DK" dirty="0">
+              <a:solidFill>
+                <a:srgbClr val="000000"/>
+              </a:solidFill>
+              <a:latin typeface="Consolas" panose="020B0609020204030204" pitchFamily="49" charset="0"/>
+            </a:endParaRPr>
+          </a:p>
+          <a:p>
+            <a:r>
+              <a:rPr lang="en-US" dirty="0">
+                <a:solidFill>
+                  <a:srgbClr val="000000"/>
+                </a:solidFill>
+                <a:latin typeface="Consolas" panose="020B0609020204030204" pitchFamily="49" charset="0"/>
+              </a:rPr>
+              <a:t>        </a:t>
+            </a:r>
+            <a:r>
+              <a:rPr lang="en-US" dirty="0">
+                <a:solidFill>
+                  <a:srgbClr val="0000FF"/>
+                </a:solidFill>
+                <a:latin typeface="Consolas" panose="020B0609020204030204" pitchFamily="49" charset="0"/>
+              </a:rPr>
+              <a:t>using</a:t>
+            </a:r>
+            <a:r>
+              <a:rPr lang="en-US" dirty="0">
+                <a:solidFill>
+                  <a:srgbClr val="000000"/>
+                </a:solidFill>
+                <a:latin typeface="Consolas" panose="020B0609020204030204" pitchFamily="49" charset="0"/>
+              </a:rPr>
+              <a:t> (</a:t>
+            </a:r>
+            <a:r>
+              <a:rPr lang="en-US" dirty="0" err="1">
+                <a:solidFill>
+                  <a:srgbClr val="0000FF"/>
+                </a:solidFill>
+                <a:latin typeface="Consolas" panose="020B0609020204030204" pitchFamily="49" charset="0"/>
+              </a:rPr>
+              <a:t>var</a:t>
+            </a:r>
+            <a:r>
+              <a:rPr lang="en-US" dirty="0">
+                <a:solidFill>
+                  <a:srgbClr val="000000"/>
+                </a:solidFill>
+                <a:latin typeface="Consolas" panose="020B0609020204030204" pitchFamily="49" charset="0"/>
+              </a:rPr>
+              <a:t> worker = </a:t>
+            </a:r>
+            <a:r>
+              <a:rPr lang="en-US" dirty="0">
+                <a:solidFill>
+                  <a:srgbClr val="0000FF"/>
+                </a:solidFill>
+                <a:latin typeface="Consolas" panose="020B0609020204030204" pitchFamily="49" charset="0"/>
+              </a:rPr>
+              <a:t>new</a:t>
+            </a:r>
+            <a:r>
+              <a:rPr lang="en-US" dirty="0">
+                <a:solidFill>
+                  <a:srgbClr val="000000"/>
+                </a:solidFill>
+                <a:latin typeface="Consolas" panose="020B0609020204030204" pitchFamily="49" charset="0"/>
+              </a:rPr>
+              <a:t> </a:t>
+            </a:r>
+            <a:r>
+              <a:rPr lang="en-US" dirty="0">
+                <a:solidFill>
+                  <a:srgbClr val="2B91AF"/>
+                </a:solidFill>
+                <a:latin typeface="Consolas" panose="020B0609020204030204" pitchFamily="49" charset="0"/>
+              </a:rPr>
+              <a:t>Worker</a:t>
+            </a:r>
+            <a:r>
+              <a:rPr lang="en-US" dirty="0">
+                <a:solidFill>
+                  <a:srgbClr val="000000"/>
+                </a:solidFill>
+                <a:latin typeface="Consolas" panose="020B0609020204030204" pitchFamily="49" charset="0"/>
+              </a:rPr>
+              <a:t>(</a:t>
+            </a:r>
+            <a:r>
+              <a:rPr lang="da-DK" dirty="0" err="1">
+                <a:solidFill>
+                  <a:srgbClr val="000000"/>
+                </a:solidFill>
+                <a:latin typeface="Consolas" panose="020B0609020204030204" pitchFamily="49" charset="0"/>
+              </a:rPr>
+              <a:t>mock.Object</a:t>
+            </a:r>
+            <a:r>
+              <a:rPr lang="en-US" dirty="0">
+                <a:solidFill>
+                  <a:srgbClr val="000000"/>
+                </a:solidFill>
+                <a:latin typeface="Consolas" panose="020B0609020204030204" pitchFamily="49" charset="0"/>
+              </a:rPr>
+              <a:t>))</a:t>
+            </a:r>
+          </a:p>
+          <a:p>
+            <a:r>
+              <a:rPr lang="da-DK" dirty="0">
+                <a:solidFill>
+                  <a:srgbClr val="000000"/>
+                </a:solidFill>
+                <a:latin typeface="Consolas" panose="020B0609020204030204" pitchFamily="49" charset="0"/>
+              </a:rPr>
+              <a:t>        {</a:t>
+            </a:r>
+          </a:p>
+          <a:p>
+            <a:r>
+              <a:rPr lang="en-US" dirty="0">
+                <a:solidFill>
+                  <a:srgbClr val="000000"/>
+                </a:solidFill>
+                <a:latin typeface="Consolas" panose="020B0609020204030204" pitchFamily="49" charset="0"/>
+              </a:rPr>
+              <a:t>            </a:t>
+            </a:r>
+            <a:r>
+              <a:rPr lang="en-US" dirty="0" err="1">
+                <a:solidFill>
+                  <a:srgbClr val="0000FF"/>
+                </a:solidFill>
+                <a:latin typeface="Consolas" panose="020B0609020204030204" pitchFamily="49" charset="0"/>
+              </a:rPr>
+              <a:t>var</a:t>
+            </a:r>
+            <a:r>
+              <a:rPr lang="en-US" dirty="0">
+                <a:solidFill>
+                  <a:srgbClr val="000000"/>
+                </a:solidFill>
+                <a:latin typeface="Consolas" panose="020B0609020204030204" pitchFamily="49" charset="0"/>
+              </a:rPr>
+              <a:t> result = </a:t>
+            </a:r>
+            <a:r>
+              <a:rPr lang="en-US" dirty="0" err="1">
+                <a:solidFill>
+                  <a:srgbClr val="000000"/>
+                </a:solidFill>
+                <a:latin typeface="Consolas" panose="020B0609020204030204" pitchFamily="49" charset="0"/>
+              </a:rPr>
+              <a:t>worker.DoWork</a:t>
+            </a:r>
+            <a:r>
+              <a:rPr lang="en-US" dirty="0">
+                <a:solidFill>
+                  <a:srgbClr val="000000"/>
+                </a:solidFill>
+                <a:latin typeface="Consolas" panose="020B0609020204030204" pitchFamily="49" charset="0"/>
+              </a:rPr>
+              <a:t>(</a:t>
+            </a:r>
+            <a:r>
+              <a:rPr lang="en-US" dirty="0">
+                <a:solidFill>
+                  <a:srgbClr val="0000FF"/>
+                </a:solidFill>
+                <a:latin typeface="Consolas" panose="020B0609020204030204" pitchFamily="49" charset="0"/>
+              </a:rPr>
+              <a:t>new</a:t>
+            </a:r>
+            <a:r>
+              <a:rPr lang="en-US" dirty="0">
+                <a:solidFill>
+                  <a:srgbClr val="000000"/>
+                </a:solidFill>
+                <a:latin typeface="Consolas" panose="020B0609020204030204" pitchFamily="49" charset="0"/>
+              </a:rPr>
+              <a:t> </a:t>
+            </a:r>
+            <a:r>
+              <a:rPr lang="en-US" dirty="0" err="1">
+                <a:solidFill>
+                  <a:srgbClr val="2B91AF"/>
+                </a:solidFill>
+                <a:latin typeface="Consolas" panose="020B0609020204030204" pitchFamily="49" charset="0"/>
+              </a:rPr>
+              <a:t>FooDto</a:t>
+            </a:r>
+            <a:r>
+              <a:rPr lang="en-US" dirty="0">
+                <a:solidFill>
+                  <a:srgbClr val="000000"/>
+                </a:solidFill>
+                <a:latin typeface="Consolas" panose="020B0609020204030204" pitchFamily="49" charset="0"/>
+              </a:rPr>
+              <a:t>());</a:t>
+            </a:r>
+          </a:p>
+          <a:p>
+            <a:endParaRPr lang="da-DK" dirty="0">
+              <a:solidFill>
+                <a:srgbClr val="000000"/>
+              </a:solidFill>
+              <a:latin typeface="Consolas" panose="020B0609020204030204" pitchFamily="49" charset="0"/>
+            </a:endParaRPr>
+          </a:p>
+          <a:p>
+            <a:r>
+              <a:rPr lang="da-DK" dirty="0">
+                <a:solidFill>
+                  <a:srgbClr val="000000"/>
+                </a:solidFill>
+                <a:latin typeface="Consolas" panose="020B0609020204030204" pitchFamily="49" charset="0"/>
+              </a:rPr>
+              <a:t>            </a:t>
+            </a:r>
+            <a:r>
+              <a:rPr lang="da-DK" dirty="0" err="1">
+                <a:solidFill>
+                  <a:srgbClr val="2B91AF"/>
+                </a:solidFill>
+                <a:latin typeface="Consolas" panose="020B0609020204030204" pitchFamily="49" charset="0"/>
+              </a:rPr>
+              <a:t>Assert</a:t>
+            </a:r>
+            <a:r>
+              <a:rPr lang="da-DK" dirty="0" err="1">
+                <a:solidFill>
+                  <a:srgbClr val="000000"/>
+                </a:solidFill>
+                <a:latin typeface="Consolas" panose="020B0609020204030204" pitchFamily="49" charset="0"/>
+              </a:rPr>
+              <a:t>.True</a:t>
+            </a:r>
+            <a:r>
+              <a:rPr lang="da-DK" dirty="0">
+                <a:solidFill>
+                  <a:srgbClr val="000000"/>
+                </a:solidFill>
+                <a:latin typeface="Consolas" panose="020B0609020204030204" pitchFamily="49" charset="0"/>
+              </a:rPr>
+              <a:t>(</a:t>
+            </a:r>
+            <a:r>
+              <a:rPr lang="da-DK" dirty="0" err="1">
+                <a:solidFill>
+                  <a:srgbClr val="000000"/>
+                </a:solidFill>
+                <a:latin typeface="Consolas" panose="020B0609020204030204" pitchFamily="49" charset="0"/>
+              </a:rPr>
+              <a:t>result</a:t>
+            </a:r>
+            <a:r>
+              <a:rPr lang="da-DK" dirty="0">
+                <a:solidFill>
+                  <a:srgbClr val="000000"/>
+                </a:solidFill>
+                <a:latin typeface="Consolas" panose="020B0609020204030204" pitchFamily="49" charset="0"/>
+              </a:rPr>
+              <a:t>);</a:t>
+            </a:r>
+          </a:p>
+          <a:p>
+            <a:r>
+              <a:rPr lang="da-DK" dirty="0">
+                <a:solidFill>
+                  <a:srgbClr val="000000"/>
+                </a:solidFill>
+                <a:latin typeface="Consolas" panose="020B0609020204030204" pitchFamily="49" charset="0"/>
+              </a:rPr>
+              <a:t>        }</a:t>
+            </a:r>
+          </a:p>
+          <a:p>
+            <a:r>
+              <a:rPr lang="da-DK" dirty="0">
+                <a:solidFill>
+                  <a:srgbClr val="000000"/>
+                </a:solidFill>
+                <a:latin typeface="Consolas" panose="020B0609020204030204" pitchFamily="49" charset="0"/>
+              </a:rPr>
+              <a:t>    }</a:t>
+            </a:r>
+          </a:p>
+          <a:p>
+            <a:r>
+              <a:rPr lang="da-DK" dirty="0">
+                <a:solidFill>
+                  <a:srgbClr val="000000"/>
+                </a:solidFill>
+                <a:latin typeface="Consolas" panose="020B0609020204030204" pitchFamily="49" charset="0"/>
+              </a:rPr>
+              <a:t>}</a:t>
+            </a:r>
+            <a:endParaRPr lang="da-DK" dirty="0"/>
+          </a:p>
+        </p:txBody>
+      </p:sp>
+      <p:sp>
+        <p:nvSpPr>
+          <p:cNvPr id="5" name="Speech Bubble: Rectangle 4"/>
+          <p:cNvSpPr/>
+          <p:nvPr/>
+        </p:nvSpPr>
+        <p:spPr bwMode="auto">
+          <a:xfrm>
+            <a:off x="5669110" y="463935"/>
+            <a:ext cx="3291376" cy="640074"/>
+          </a:xfrm>
+          <a:prstGeom prst="wedgeRectCallout">
+            <a:avLst>
+              <a:gd name="adj1" fmla="val -46540"/>
+              <a:gd name="adj2" fmla="val 388778"/>
+            </a:avLst>
+          </a:prstGeom>
+          <a:solidFill>
+            <a:srgbClr val="68217A"/>
+          </a:solidFill>
+          <a:ln>
+            <a:noFill/>
+            <a:headEnd type="none" w="med" len="med"/>
+            <a:tailEnd type="none" w="med" len="med"/>
+          </a:ln>
+          <a:effectLst/>
+        </p:spPr>
+        <p:style>
+          <a:lnRef idx="1">
+            <a:schemeClr val="accent2"/>
+          </a:lnRef>
+          <a:fillRef idx="3">
+            <a:schemeClr val="accent2"/>
+          </a:fillRef>
+          <a:effectRef idx="2">
+            <a:schemeClr val="accent2"/>
+          </a:effectRef>
+          <a:fontRef idx="minor">
+            <a:schemeClr val="lt1"/>
+          </a:fontRef>
+        </p:style>
+        <p:txBody>
+          <a:bodyPr rot="0" spcFirstLastPara="0" vertOverflow="overflow" horzOverflow="overflow" vert="horz" wrap="square" lIns="182880" tIns="146304" rIns="182880" bIns="146304" numCol="1" spcCol="0" rtlCol="0" fromWordArt="0" anchor="t" anchorCtr="0" forceAA="0" compatLnSpc="1">
+            <a:prstTxWarp prst="textNoShape">
+              <a:avLst/>
+            </a:prstTxWarp>
+            <a:noAutofit/>
+          </a:bodyPr>
+          <a:lstStyle/>
+          <a:p>
+            <a:pPr algn="ctr" defTabSz="932472" fontAlgn="base">
+              <a:lnSpc>
+                <a:spcPct val="90000"/>
+              </a:lnSpc>
+              <a:spcBef>
+                <a:spcPct val="0"/>
+              </a:spcBef>
+              <a:spcAft>
+                <a:spcPct val="0"/>
+              </a:spcAft>
+            </a:pPr>
+            <a:r>
+              <a:rPr lang="da-DK" sz="2400" dirty="0" err="1">
+                <a:gradFill>
+                  <a:gsLst>
+                    <a:gs pos="0">
+                      <a:srgbClr val="FFFFFF"/>
+                    </a:gs>
+                    <a:gs pos="100000">
+                      <a:srgbClr val="FFFFFF"/>
+                    </a:gs>
+                  </a:gsLst>
+                  <a:lin ang="5400000" scaled="0"/>
+                </a:gradFill>
+                <a:ea typeface="Segoe UI" pitchFamily="34" charset="0"/>
+                <a:cs typeface="Segoe UI" pitchFamily="34" charset="0"/>
+              </a:rPr>
+              <a:t>Configure</a:t>
+            </a:r>
+            <a:r>
+              <a:rPr lang="da-DK" sz="2400" dirty="0">
+                <a:gradFill>
+                  <a:gsLst>
+                    <a:gs pos="0">
+                      <a:srgbClr val="FFFFFF"/>
+                    </a:gs>
+                    <a:gs pos="100000">
+                      <a:srgbClr val="FFFFFF"/>
+                    </a:gs>
+                  </a:gsLst>
+                  <a:lin ang="5400000" scaled="0"/>
+                </a:gradFill>
+                <a:ea typeface="Segoe UI" pitchFamily="34" charset="0"/>
+                <a:cs typeface="Segoe UI" pitchFamily="34" charset="0"/>
+              </a:rPr>
+              <a:t> the </a:t>
+            </a:r>
+            <a:r>
+              <a:rPr lang="da-DK" sz="2400" dirty="0" err="1">
+                <a:gradFill>
+                  <a:gsLst>
+                    <a:gs pos="0">
+                      <a:srgbClr val="FFFFFF"/>
+                    </a:gs>
+                    <a:gs pos="100000">
+                      <a:srgbClr val="FFFFFF"/>
+                    </a:gs>
+                  </a:gsLst>
+                  <a:lin ang="5400000" scaled="0"/>
+                </a:gradFill>
+                <a:ea typeface="Segoe UI" pitchFamily="34" charset="0"/>
+                <a:cs typeface="Segoe UI" pitchFamily="34" charset="0"/>
+              </a:rPr>
+              <a:t>mock</a:t>
+            </a:r>
+            <a:endParaRPr lang="da-DK" sz="2400" dirty="0">
+              <a:gradFill>
+                <a:gsLst>
+                  <a:gs pos="0">
+                    <a:srgbClr val="FFFFFF"/>
+                  </a:gs>
+                  <a:gs pos="100000">
+                    <a:srgbClr val="FFFFFF"/>
+                  </a:gs>
+                </a:gsLst>
+                <a:lin ang="5400000" scaled="0"/>
+              </a:gradFill>
+              <a:ea typeface="Segoe UI" pitchFamily="34" charset="0"/>
+              <a:cs typeface="Segoe UI" pitchFamily="34" charset="0"/>
+            </a:endParaRPr>
+          </a:p>
+        </p:txBody>
+      </p:sp>
+    </p:spTree>
+    <p:extLst>
+      <p:ext uri="{BB962C8B-B14F-4D97-AF65-F5344CB8AC3E}">
+        <p14:creationId xmlns:p14="http://schemas.microsoft.com/office/powerpoint/2010/main" val="1723436954"/>
       </p:ext>
     </p:extLst>
   </p:cSld>
@@ -9581,7 +10316,7 @@
       </p:grpSpPr>
       <p:sp>
         <p:nvSpPr>
-          <p:cNvPr id="3" name="Title 2"/>
+          <p:cNvPr id="4" name="Title 3"/>
           <p:cNvSpPr>
             <a:spLocks noGrp="1"/>
           </p:cNvSpPr>
@@ -9595,846 +10330,16 @@
           <a:lstStyle/>
           <a:p>
             <a:r>
-              <a:rPr lang="da-DK" dirty="0" err="1"/>
-              <a:t>Mock</a:t>
-            </a:r>
-            <a:r>
               <a:rPr lang="da-DK" dirty="0"/>
-              <a:t> </a:t>
-            </a:r>
-            <a:r>
-              <a:rPr lang="da-DK" dirty="0" err="1"/>
-              <a:t>testing</a:t>
-            </a:r>
-            <a:r>
-              <a:rPr lang="da-DK" dirty="0"/>
-              <a:t> II</a:t>
-            </a:r>
-          </a:p>
-        </p:txBody>
-      </p:sp>
-      <p:sp>
-        <p:nvSpPr>
-          <p:cNvPr id="4" name="Rectangle 3"/>
-          <p:cNvSpPr/>
-          <p:nvPr/>
-        </p:nvSpPr>
-        <p:spPr>
-          <a:xfrm>
-            <a:off x="228651" y="1577043"/>
-            <a:ext cx="8869261" cy="4524315"/>
-          </a:xfrm>
-          <a:prstGeom prst="rect">
-            <a:avLst/>
-          </a:prstGeom>
-        </p:spPr>
-        <p:txBody>
-          <a:bodyPr wrap="square">
-            <a:spAutoFit/>
-          </a:bodyPr>
-          <a:lstStyle/>
-          <a:p>
-            <a:r>
-              <a:rPr lang="da-DK" dirty="0">
-                <a:solidFill>
-                  <a:srgbClr val="0000FF"/>
-                </a:solidFill>
-                <a:latin typeface="Consolas" panose="020B0609020204030204" pitchFamily="49" charset="0"/>
-              </a:rPr>
-              <a:t>public</a:t>
-            </a:r>
-            <a:r>
-              <a:rPr lang="da-DK" dirty="0">
-                <a:solidFill>
-                  <a:srgbClr val="000000"/>
-                </a:solidFill>
-                <a:latin typeface="Consolas" panose="020B0609020204030204" pitchFamily="49" charset="0"/>
-              </a:rPr>
-              <a:t> </a:t>
-            </a:r>
-            <a:r>
-              <a:rPr lang="da-DK" dirty="0">
-                <a:solidFill>
-                  <a:srgbClr val="0000FF"/>
-                </a:solidFill>
-                <a:latin typeface="Consolas" panose="020B0609020204030204" pitchFamily="49" charset="0"/>
-              </a:rPr>
-              <a:t>class</a:t>
-            </a:r>
-            <a:r>
-              <a:rPr lang="da-DK" dirty="0">
-                <a:solidFill>
-                  <a:srgbClr val="000000"/>
-                </a:solidFill>
-                <a:latin typeface="Consolas" panose="020B0609020204030204" pitchFamily="49" charset="0"/>
-              </a:rPr>
-              <a:t> </a:t>
-            </a:r>
-            <a:r>
-              <a:rPr lang="da-DK" dirty="0" err="1">
-                <a:solidFill>
-                  <a:srgbClr val="2B91AF"/>
-                </a:solidFill>
-                <a:latin typeface="Consolas" panose="020B0609020204030204" pitchFamily="49" charset="0"/>
-              </a:rPr>
-              <a:t>WorkerTests</a:t>
-            </a:r>
-            <a:endParaRPr lang="da-DK" dirty="0">
-              <a:solidFill>
-                <a:srgbClr val="000000"/>
-              </a:solidFill>
-              <a:latin typeface="Consolas" panose="020B0609020204030204" pitchFamily="49" charset="0"/>
-            </a:endParaRPr>
-          </a:p>
-          <a:p>
-            <a:r>
-              <a:rPr lang="da-DK" dirty="0">
-                <a:solidFill>
-                  <a:srgbClr val="000000"/>
-                </a:solidFill>
-                <a:latin typeface="Consolas" panose="020B0609020204030204" pitchFamily="49" charset="0"/>
-              </a:rPr>
-              <a:t>{</a:t>
-            </a:r>
-          </a:p>
-          <a:p>
-            <a:r>
-              <a:rPr lang="da-DK" dirty="0">
-                <a:solidFill>
-                  <a:srgbClr val="000000"/>
-                </a:solidFill>
-                <a:latin typeface="Consolas" panose="020B0609020204030204" pitchFamily="49" charset="0"/>
-              </a:rPr>
-              <a:t>    [</a:t>
-            </a:r>
-            <a:r>
-              <a:rPr lang="da-DK" dirty="0" err="1">
-                <a:solidFill>
-                  <a:srgbClr val="2B91AF"/>
-                </a:solidFill>
-                <a:latin typeface="Consolas" panose="020B0609020204030204" pitchFamily="49" charset="0"/>
-              </a:rPr>
-              <a:t>Fact</a:t>
-            </a:r>
-            <a:r>
-              <a:rPr lang="da-DK" dirty="0">
-                <a:solidFill>
-                  <a:srgbClr val="000000"/>
-                </a:solidFill>
-                <a:latin typeface="Consolas" panose="020B0609020204030204" pitchFamily="49" charset="0"/>
-              </a:rPr>
-              <a:t>]</a:t>
-            </a:r>
-          </a:p>
-          <a:p>
-            <a:r>
-              <a:rPr lang="en-US" dirty="0">
-                <a:solidFill>
-                  <a:srgbClr val="000000"/>
-                </a:solidFill>
-                <a:latin typeface="Consolas" panose="020B0609020204030204" pitchFamily="49" charset="0"/>
-              </a:rPr>
-              <a:t>    </a:t>
-            </a:r>
-            <a:r>
-              <a:rPr lang="en-US" dirty="0">
-                <a:solidFill>
-                  <a:srgbClr val="0000FF"/>
-                </a:solidFill>
-                <a:latin typeface="Consolas" panose="020B0609020204030204" pitchFamily="49" charset="0"/>
-              </a:rPr>
-              <a:t>public</a:t>
-            </a:r>
-            <a:r>
-              <a:rPr lang="en-US" dirty="0">
-                <a:solidFill>
-                  <a:srgbClr val="000000"/>
-                </a:solidFill>
-                <a:latin typeface="Consolas" panose="020B0609020204030204" pitchFamily="49" charset="0"/>
-              </a:rPr>
-              <a:t> </a:t>
-            </a:r>
-            <a:r>
-              <a:rPr lang="en-US" dirty="0">
-                <a:solidFill>
-                  <a:srgbClr val="0000FF"/>
-                </a:solidFill>
-                <a:latin typeface="Consolas" panose="020B0609020204030204" pitchFamily="49" charset="0"/>
-              </a:rPr>
-              <a:t>void</a:t>
-            </a:r>
-            <a:r>
-              <a:rPr lang="en-US" dirty="0">
-                <a:solidFill>
-                  <a:srgbClr val="000000"/>
-                </a:solidFill>
-                <a:latin typeface="Consolas" panose="020B0609020204030204" pitchFamily="49" charset="0"/>
-              </a:rPr>
-              <a:t> </a:t>
-            </a:r>
-            <a:r>
-              <a:rPr lang="en-US" dirty="0" err="1">
-                <a:solidFill>
-                  <a:srgbClr val="000000"/>
-                </a:solidFill>
-                <a:latin typeface="Consolas" panose="020B0609020204030204" pitchFamily="49" charset="0"/>
-              </a:rPr>
-              <a:t>DoWork_when_IFooService_Update_true_returns_true</a:t>
-            </a:r>
-            <a:r>
-              <a:rPr lang="en-US" dirty="0">
-                <a:solidFill>
-                  <a:srgbClr val="000000"/>
-                </a:solidFill>
-                <a:latin typeface="Consolas" panose="020B0609020204030204" pitchFamily="49" charset="0"/>
-              </a:rPr>
-              <a:t>()</a:t>
-            </a:r>
-          </a:p>
-          <a:p>
-            <a:r>
-              <a:rPr lang="da-DK" dirty="0">
-                <a:solidFill>
-                  <a:srgbClr val="000000"/>
-                </a:solidFill>
-                <a:latin typeface="Consolas" panose="020B0609020204030204" pitchFamily="49" charset="0"/>
-              </a:rPr>
-              <a:t>    {</a:t>
-            </a:r>
-          </a:p>
-          <a:p>
-            <a:r>
-              <a:rPr lang="en-US" dirty="0">
-                <a:solidFill>
-                  <a:srgbClr val="000000"/>
-                </a:solidFill>
-                <a:latin typeface="Consolas" panose="020B0609020204030204" pitchFamily="49" charset="0"/>
-              </a:rPr>
-              <a:t>        </a:t>
-            </a:r>
-            <a:r>
-              <a:rPr lang="en-US" dirty="0" err="1">
-                <a:solidFill>
-                  <a:srgbClr val="0000FF"/>
-                </a:solidFill>
-                <a:latin typeface="Consolas" panose="020B0609020204030204" pitchFamily="49" charset="0"/>
-              </a:rPr>
-              <a:t>var</a:t>
-            </a:r>
-            <a:r>
-              <a:rPr lang="en-US" dirty="0">
-                <a:solidFill>
-                  <a:srgbClr val="000000"/>
-                </a:solidFill>
-                <a:latin typeface="Consolas" panose="020B0609020204030204" pitchFamily="49" charset="0"/>
-              </a:rPr>
-              <a:t> mock = </a:t>
-            </a:r>
-            <a:r>
-              <a:rPr lang="en-US" dirty="0">
-                <a:solidFill>
-                  <a:srgbClr val="0000FF"/>
-                </a:solidFill>
-                <a:latin typeface="Consolas" panose="020B0609020204030204" pitchFamily="49" charset="0"/>
-              </a:rPr>
-              <a:t>new</a:t>
-            </a:r>
-            <a:r>
-              <a:rPr lang="en-US" dirty="0">
-                <a:solidFill>
-                  <a:srgbClr val="000000"/>
-                </a:solidFill>
-                <a:latin typeface="Consolas" panose="020B0609020204030204" pitchFamily="49" charset="0"/>
-              </a:rPr>
-              <a:t> </a:t>
-            </a:r>
-            <a:r>
-              <a:rPr lang="en-US" dirty="0">
-                <a:solidFill>
-                  <a:srgbClr val="2B91AF"/>
-                </a:solidFill>
-                <a:latin typeface="Consolas" panose="020B0609020204030204" pitchFamily="49" charset="0"/>
-              </a:rPr>
-              <a:t>Mock</a:t>
-            </a:r>
-            <a:r>
-              <a:rPr lang="en-US" dirty="0">
-                <a:solidFill>
-                  <a:srgbClr val="000000"/>
-                </a:solidFill>
-                <a:latin typeface="Consolas" panose="020B0609020204030204" pitchFamily="49" charset="0"/>
-              </a:rPr>
-              <a:t>&lt;</a:t>
-            </a:r>
-            <a:r>
-              <a:rPr lang="en-US" dirty="0" err="1">
-                <a:solidFill>
-                  <a:srgbClr val="2B91AF"/>
-                </a:solidFill>
-                <a:latin typeface="Consolas" panose="020B0609020204030204" pitchFamily="49" charset="0"/>
-              </a:rPr>
-              <a:t>IFooService</a:t>
-            </a:r>
-            <a:r>
-              <a:rPr lang="en-US" dirty="0">
-                <a:solidFill>
-                  <a:srgbClr val="000000"/>
-                </a:solidFill>
-                <a:latin typeface="Consolas" panose="020B0609020204030204" pitchFamily="49" charset="0"/>
-              </a:rPr>
-              <a:t>&gt;();</a:t>
-            </a:r>
-          </a:p>
-          <a:p>
-            <a:r>
-              <a:rPr lang="en-US" dirty="0">
-                <a:solidFill>
-                  <a:srgbClr val="000000"/>
-                </a:solidFill>
-                <a:latin typeface="Consolas" panose="020B0609020204030204" pitchFamily="49" charset="0"/>
-              </a:rPr>
-              <a:t>        </a:t>
-            </a:r>
-            <a:r>
-              <a:rPr lang="en-US" dirty="0" err="1">
-                <a:solidFill>
-                  <a:srgbClr val="000000"/>
-                </a:solidFill>
-                <a:latin typeface="Consolas" panose="020B0609020204030204" pitchFamily="49" charset="0"/>
-              </a:rPr>
-              <a:t>mock.Setup</a:t>
-            </a:r>
-            <a:r>
-              <a:rPr lang="en-US" dirty="0">
-                <a:solidFill>
-                  <a:srgbClr val="000000"/>
-                </a:solidFill>
-                <a:latin typeface="Consolas" panose="020B0609020204030204" pitchFamily="49" charset="0"/>
-              </a:rPr>
-              <a:t>(m =&gt; </a:t>
-            </a:r>
-            <a:r>
-              <a:rPr lang="en-US" dirty="0" err="1">
-                <a:solidFill>
-                  <a:srgbClr val="000000"/>
-                </a:solidFill>
-                <a:latin typeface="Consolas" panose="020B0609020204030204" pitchFamily="49" charset="0"/>
-              </a:rPr>
-              <a:t>m.Update</a:t>
-            </a:r>
-            <a:r>
-              <a:rPr lang="en-US" dirty="0">
-                <a:solidFill>
-                  <a:srgbClr val="000000"/>
-                </a:solidFill>
-                <a:latin typeface="Consolas" panose="020B0609020204030204" pitchFamily="49" charset="0"/>
-              </a:rPr>
-              <a:t>(</a:t>
-            </a:r>
-            <a:r>
-              <a:rPr lang="en-US" dirty="0" err="1">
-                <a:solidFill>
-                  <a:srgbClr val="2B91AF"/>
-                </a:solidFill>
-                <a:latin typeface="Consolas" panose="020B0609020204030204" pitchFamily="49" charset="0"/>
-              </a:rPr>
-              <a:t>It</a:t>
-            </a:r>
-            <a:r>
-              <a:rPr lang="en-US" dirty="0" err="1">
-                <a:solidFill>
-                  <a:srgbClr val="000000"/>
-                </a:solidFill>
-                <a:latin typeface="Consolas" panose="020B0609020204030204" pitchFamily="49" charset="0"/>
-              </a:rPr>
-              <a:t>.IsAny</a:t>
-            </a:r>
-            <a:r>
-              <a:rPr lang="en-US" dirty="0">
-                <a:solidFill>
-                  <a:srgbClr val="000000"/>
-                </a:solidFill>
-                <a:latin typeface="Consolas" panose="020B0609020204030204" pitchFamily="49" charset="0"/>
-              </a:rPr>
-              <a:t>&lt;</a:t>
-            </a:r>
-            <a:r>
-              <a:rPr lang="en-US" dirty="0">
-                <a:solidFill>
-                  <a:srgbClr val="2B91AF"/>
-                </a:solidFill>
-                <a:latin typeface="Consolas" panose="020B0609020204030204" pitchFamily="49" charset="0"/>
-              </a:rPr>
-              <a:t>Foo</a:t>
-            </a:r>
-            <a:r>
-              <a:rPr lang="en-US" dirty="0">
-                <a:solidFill>
-                  <a:srgbClr val="000000"/>
-                </a:solidFill>
-                <a:latin typeface="Consolas" panose="020B0609020204030204" pitchFamily="49" charset="0"/>
-              </a:rPr>
-              <a:t>&gt;())).Returns(</a:t>
-            </a:r>
-            <a:r>
-              <a:rPr lang="en-US" dirty="0">
-                <a:solidFill>
-                  <a:srgbClr val="0000FF"/>
-                </a:solidFill>
-                <a:latin typeface="Consolas" panose="020B0609020204030204" pitchFamily="49" charset="0"/>
-              </a:rPr>
-              <a:t>true</a:t>
-            </a:r>
-            <a:r>
-              <a:rPr lang="en-US" dirty="0">
-                <a:solidFill>
-                  <a:srgbClr val="000000"/>
-                </a:solidFill>
-                <a:latin typeface="Consolas" panose="020B0609020204030204" pitchFamily="49" charset="0"/>
-              </a:rPr>
-              <a:t>);</a:t>
-            </a:r>
-          </a:p>
-          <a:p>
-            <a:endParaRPr lang="da-DK" dirty="0">
-              <a:solidFill>
-                <a:srgbClr val="000000"/>
-              </a:solidFill>
-              <a:latin typeface="Consolas" panose="020B0609020204030204" pitchFamily="49" charset="0"/>
-            </a:endParaRPr>
-          </a:p>
-          <a:p>
-            <a:r>
-              <a:rPr lang="en-US" dirty="0">
-                <a:solidFill>
-                  <a:srgbClr val="000000"/>
-                </a:solidFill>
-                <a:latin typeface="Consolas" panose="020B0609020204030204" pitchFamily="49" charset="0"/>
-              </a:rPr>
-              <a:t>        </a:t>
-            </a:r>
-            <a:r>
-              <a:rPr lang="en-US" dirty="0">
-                <a:solidFill>
-                  <a:srgbClr val="0000FF"/>
-                </a:solidFill>
-                <a:latin typeface="Consolas" panose="020B0609020204030204" pitchFamily="49" charset="0"/>
-              </a:rPr>
-              <a:t>using</a:t>
-            </a:r>
-            <a:r>
-              <a:rPr lang="en-US" dirty="0">
-                <a:solidFill>
-                  <a:srgbClr val="000000"/>
-                </a:solidFill>
-                <a:latin typeface="Consolas" panose="020B0609020204030204" pitchFamily="49" charset="0"/>
-              </a:rPr>
-              <a:t> (</a:t>
-            </a:r>
-            <a:r>
-              <a:rPr lang="en-US" dirty="0" err="1">
-                <a:solidFill>
-                  <a:srgbClr val="0000FF"/>
-                </a:solidFill>
-                <a:latin typeface="Consolas" panose="020B0609020204030204" pitchFamily="49" charset="0"/>
-              </a:rPr>
-              <a:t>var</a:t>
-            </a:r>
-            <a:r>
-              <a:rPr lang="en-US" dirty="0">
-                <a:solidFill>
-                  <a:srgbClr val="000000"/>
-                </a:solidFill>
-                <a:latin typeface="Consolas" panose="020B0609020204030204" pitchFamily="49" charset="0"/>
-              </a:rPr>
-              <a:t> worker = </a:t>
-            </a:r>
-            <a:r>
-              <a:rPr lang="en-US" dirty="0">
-                <a:solidFill>
-                  <a:srgbClr val="0000FF"/>
-                </a:solidFill>
-                <a:latin typeface="Consolas" panose="020B0609020204030204" pitchFamily="49" charset="0"/>
-              </a:rPr>
-              <a:t>new</a:t>
-            </a:r>
-            <a:r>
-              <a:rPr lang="en-US" dirty="0">
-                <a:solidFill>
-                  <a:srgbClr val="000000"/>
-                </a:solidFill>
-                <a:latin typeface="Consolas" panose="020B0609020204030204" pitchFamily="49" charset="0"/>
-              </a:rPr>
-              <a:t> </a:t>
-            </a:r>
-            <a:r>
-              <a:rPr lang="en-US" dirty="0">
-                <a:solidFill>
-                  <a:srgbClr val="2B91AF"/>
-                </a:solidFill>
-                <a:latin typeface="Consolas" panose="020B0609020204030204" pitchFamily="49" charset="0"/>
-              </a:rPr>
-              <a:t>Worker</a:t>
-            </a:r>
-            <a:r>
-              <a:rPr lang="en-US" dirty="0">
-                <a:solidFill>
-                  <a:srgbClr val="000000"/>
-                </a:solidFill>
-                <a:latin typeface="Consolas" panose="020B0609020204030204" pitchFamily="49" charset="0"/>
-              </a:rPr>
-              <a:t>(</a:t>
-            </a:r>
-            <a:r>
-              <a:rPr lang="da-DK" dirty="0" err="1">
-                <a:solidFill>
-                  <a:srgbClr val="000000"/>
-                </a:solidFill>
-                <a:latin typeface="Consolas" panose="020B0609020204030204" pitchFamily="49" charset="0"/>
-              </a:rPr>
-              <a:t>mock.Object</a:t>
-            </a:r>
-            <a:r>
-              <a:rPr lang="en-US" dirty="0">
-                <a:solidFill>
-                  <a:srgbClr val="000000"/>
-                </a:solidFill>
-                <a:latin typeface="Consolas" panose="020B0609020204030204" pitchFamily="49" charset="0"/>
-              </a:rPr>
-              <a:t>))</a:t>
-            </a:r>
-          </a:p>
-          <a:p>
-            <a:r>
-              <a:rPr lang="da-DK" dirty="0">
-                <a:solidFill>
-                  <a:srgbClr val="000000"/>
-                </a:solidFill>
-                <a:latin typeface="Consolas" panose="020B0609020204030204" pitchFamily="49" charset="0"/>
-              </a:rPr>
-              <a:t>        {</a:t>
-            </a:r>
-          </a:p>
-          <a:p>
-            <a:r>
-              <a:rPr lang="en-US" dirty="0">
-                <a:solidFill>
-                  <a:srgbClr val="000000"/>
-                </a:solidFill>
-                <a:latin typeface="Consolas" panose="020B0609020204030204" pitchFamily="49" charset="0"/>
-              </a:rPr>
-              <a:t>            </a:t>
-            </a:r>
-            <a:r>
-              <a:rPr lang="en-US" dirty="0" err="1">
-                <a:solidFill>
-                  <a:srgbClr val="0000FF"/>
-                </a:solidFill>
-                <a:latin typeface="Consolas" panose="020B0609020204030204" pitchFamily="49" charset="0"/>
-              </a:rPr>
-              <a:t>var</a:t>
-            </a:r>
-            <a:r>
-              <a:rPr lang="en-US" dirty="0">
-                <a:solidFill>
-                  <a:srgbClr val="000000"/>
-                </a:solidFill>
-                <a:latin typeface="Consolas" panose="020B0609020204030204" pitchFamily="49" charset="0"/>
-              </a:rPr>
-              <a:t> result = </a:t>
-            </a:r>
-            <a:r>
-              <a:rPr lang="en-US" dirty="0" err="1">
-                <a:solidFill>
-                  <a:srgbClr val="000000"/>
-                </a:solidFill>
-                <a:latin typeface="Consolas" panose="020B0609020204030204" pitchFamily="49" charset="0"/>
-              </a:rPr>
-              <a:t>worker.DoWork</a:t>
-            </a:r>
-            <a:r>
-              <a:rPr lang="en-US" dirty="0">
-                <a:solidFill>
-                  <a:srgbClr val="000000"/>
-                </a:solidFill>
-                <a:latin typeface="Consolas" panose="020B0609020204030204" pitchFamily="49" charset="0"/>
-              </a:rPr>
-              <a:t>(</a:t>
-            </a:r>
-            <a:r>
-              <a:rPr lang="en-US" dirty="0">
-                <a:solidFill>
-                  <a:srgbClr val="0000FF"/>
-                </a:solidFill>
-                <a:latin typeface="Consolas" panose="020B0609020204030204" pitchFamily="49" charset="0"/>
-              </a:rPr>
-              <a:t>new</a:t>
-            </a:r>
-            <a:r>
-              <a:rPr lang="en-US" dirty="0">
-                <a:solidFill>
-                  <a:srgbClr val="000000"/>
-                </a:solidFill>
-                <a:latin typeface="Consolas" panose="020B0609020204030204" pitchFamily="49" charset="0"/>
-              </a:rPr>
-              <a:t> </a:t>
-            </a:r>
-            <a:r>
-              <a:rPr lang="en-US" dirty="0" err="1">
-                <a:solidFill>
-                  <a:srgbClr val="2B91AF"/>
-                </a:solidFill>
-                <a:latin typeface="Consolas" panose="020B0609020204030204" pitchFamily="49" charset="0"/>
-              </a:rPr>
-              <a:t>FooDto</a:t>
-            </a:r>
-            <a:r>
-              <a:rPr lang="en-US" dirty="0">
-                <a:solidFill>
-                  <a:srgbClr val="000000"/>
-                </a:solidFill>
-                <a:latin typeface="Consolas" panose="020B0609020204030204" pitchFamily="49" charset="0"/>
-              </a:rPr>
-              <a:t>());</a:t>
-            </a:r>
-          </a:p>
-          <a:p>
-            <a:endParaRPr lang="da-DK" dirty="0">
-              <a:solidFill>
-                <a:srgbClr val="000000"/>
-              </a:solidFill>
-              <a:latin typeface="Consolas" panose="020B0609020204030204" pitchFamily="49" charset="0"/>
-            </a:endParaRPr>
-          </a:p>
-          <a:p>
-            <a:r>
-              <a:rPr lang="da-DK" dirty="0">
-                <a:solidFill>
-                  <a:srgbClr val="000000"/>
-                </a:solidFill>
-                <a:latin typeface="Consolas" panose="020B0609020204030204" pitchFamily="49" charset="0"/>
-              </a:rPr>
-              <a:t>            </a:t>
-            </a:r>
-            <a:r>
-              <a:rPr lang="da-DK" dirty="0" err="1">
-                <a:solidFill>
-                  <a:srgbClr val="2B91AF"/>
-                </a:solidFill>
-                <a:latin typeface="Consolas" panose="020B0609020204030204" pitchFamily="49" charset="0"/>
-              </a:rPr>
-              <a:t>Assert</a:t>
-            </a:r>
-            <a:r>
-              <a:rPr lang="da-DK" dirty="0" err="1">
-                <a:solidFill>
-                  <a:srgbClr val="000000"/>
-                </a:solidFill>
-                <a:latin typeface="Consolas" panose="020B0609020204030204" pitchFamily="49" charset="0"/>
-              </a:rPr>
-              <a:t>.True</a:t>
-            </a:r>
-            <a:r>
-              <a:rPr lang="da-DK" dirty="0">
-                <a:solidFill>
-                  <a:srgbClr val="000000"/>
-                </a:solidFill>
-                <a:latin typeface="Consolas" panose="020B0609020204030204" pitchFamily="49" charset="0"/>
-              </a:rPr>
-              <a:t>(</a:t>
-            </a:r>
-            <a:r>
-              <a:rPr lang="da-DK" dirty="0" err="1">
-                <a:solidFill>
-                  <a:srgbClr val="000000"/>
-                </a:solidFill>
-                <a:latin typeface="Consolas" panose="020B0609020204030204" pitchFamily="49" charset="0"/>
-              </a:rPr>
-              <a:t>result</a:t>
-            </a:r>
-            <a:r>
-              <a:rPr lang="da-DK" dirty="0">
-                <a:solidFill>
-                  <a:srgbClr val="000000"/>
-                </a:solidFill>
-                <a:latin typeface="Consolas" panose="020B0609020204030204" pitchFamily="49" charset="0"/>
-              </a:rPr>
-              <a:t>);</a:t>
-            </a:r>
-          </a:p>
-          <a:p>
-            <a:r>
-              <a:rPr lang="da-DK" dirty="0">
-                <a:solidFill>
-                  <a:srgbClr val="000000"/>
-                </a:solidFill>
-                <a:latin typeface="Consolas" panose="020B0609020204030204" pitchFamily="49" charset="0"/>
-              </a:rPr>
-              <a:t>        }</a:t>
-            </a:r>
-          </a:p>
-          <a:p>
-            <a:r>
-              <a:rPr lang="da-DK" dirty="0">
-                <a:solidFill>
-                  <a:srgbClr val="000000"/>
-                </a:solidFill>
-                <a:latin typeface="Consolas" panose="020B0609020204030204" pitchFamily="49" charset="0"/>
-              </a:rPr>
-              <a:t>    }</a:t>
-            </a:r>
-          </a:p>
-          <a:p>
-            <a:r>
-              <a:rPr lang="da-DK" dirty="0">
-                <a:solidFill>
-                  <a:srgbClr val="000000"/>
-                </a:solidFill>
-                <a:latin typeface="Consolas" panose="020B0609020204030204" pitchFamily="49" charset="0"/>
-              </a:rPr>
-              <a:t>}</a:t>
-            </a:r>
-            <a:endParaRPr lang="da-DK" dirty="0"/>
-          </a:p>
-        </p:txBody>
-      </p:sp>
-      <p:sp>
-        <p:nvSpPr>
-          <p:cNvPr id="5" name="Speech Bubble: Rectangle 4"/>
-          <p:cNvSpPr/>
-          <p:nvPr/>
-        </p:nvSpPr>
-        <p:spPr bwMode="auto">
-          <a:xfrm>
-            <a:off x="5669110" y="463935"/>
-            <a:ext cx="3291376" cy="640074"/>
-          </a:xfrm>
-          <a:prstGeom prst="wedgeRectCallout">
-            <a:avLst>
-              <a:gd name="adj1" fmla="val -46540"/>
-              <a:gd name="adj2" fmla="val 388778"/>
-            </a:avLst>
-          </a:prstGeom>
-          <a:solidFill>
-            <a:srgbClr val="68217A"/>
-          </a:solidFill>
-          <a:ln>
-            <a:noFill/>
-            <a:headEnd type="none" w="med" len="med"/>
-            <a:tailEnd type="none" w="med" len="med"/>
-          </a:ln>
-          <a:effectLst/>
-        </p:spPr>
-        <p:style>
-          <a:lnRef idx="1">
-            <a:schemeClr val="accent2"/>
-          </a:lnRef>
-          <a:fillRef idx="3">
-            <a:schemeClr val="accent2"/>
-          </a:fillRef>
-          <a:effectRef idx="2">
-            <a:schemeClr val="accent2"/>
-          </a:effectRef>
-          <a:fontRef idx="minor">
-            <a:schemeClr val="lt1"/>
-          </a:fontRef>
-        </p:style>
-        <p:txBody>
-          <a:bodyPr rot="0" spcFirstLastPara="0" vertOverflow="overflow" horzOverflow="overflow" vert="horz" wrap="square" lIns="182880" tIns="146304" rIns="182880" bIns="146304" numCol="1" spcCol="0" rtlCol="0" fromWordArt="0" anchor="t" anchorCtr="0" forceAA="0" compatLnSpc="1">
-            <a:prstTxWarp prst="textNoShape">
-              <a:avLst/>
-            </a:prstTxWarp>
-            <a:noAutofit/>
-          </a:bodyPr>
-          <a:lstStyle/>
-          <a:p>
-            <a:pPr algn="ctr" defTabSz="932472" fontAlgn="base">
-              <a:lnSpc>
-                <a:spcPct val="90000"/>
-              </a:lnSpc>
-              <a:spcBef>
-                <a:spcPct val="0"/>
-              </a:spcBef>
-              <a:spcAft>
-                <a:spcPct val="0"/>
-              </a:spcAft>
-            </a:pPr>
-            <a:r>
-              <a:rPr lang="da-DK" sz="2400" dirty="0" err="1">
-                <a:gradFill>
-                  <a:gsLst>
-                    <a:gs pos="0">
-                      <a:srgbClr val="FFFFFF"/>
-                    </a:gs>
-                    <a:gs pos="100000">
-                      <a:srgbClr val="FFFFFF"/>
-                    </a:gs>
-                  </a:gsLst>
-                  <a:lin ang="5400000" scaled="0"/>
-                </a:gradFill>
-                <a:ea typeface="Segoe UI" pitchFamily="34" charset="0"/>
-                <a:cs typeface="Segoe UI" pitchFamily="34" charset="0"/>
-              </a:rPr>
-              <a:t>Configure</a:t>
-            </a:r>
-            <a:r>
-              <a:rPr lang="da-DK" sz="2400" dirty="0">
-                <a:gradFill>
-                  <a:gsLst>
-                    <a:gs pos="0">
-                      <a:srgbClr val="FFFFFF"/>
-                    </a:gs>
-                    <a:gs pos="100000">
-                      <a:srgbClr val="FFFFFF"/>
-                    </a:gs>
-                  </a:gsLst>
-                  <a:lin ang="5400000" scaled="0"/>
-                </a:gradFill>
-                <a:ea typeface="Segoe UI" pitchFamily="34" charset="0"/>
-                <a:cs typeface="Segoe UI" pitchFamily="34" charset="0"/>
-              </a:rPr>
-              <a:t> the </a:t>
-            </a:r>
-            <a:r>
-              <a:rPr lang="da-DK" sz="2400" dirty="0" err="1">
-                <a:gradFill>
-                  <a:gsLst>
-                    <a:gs pos="0">
-                      <a:srgbClr val="FFFFFF"/>
-                    </a:gs>
-                    <a:gs pos="100000">
-                      <a:srgbClr val="FFFFFF"/>
-                    </a:gs>
-                  </a:gsLst>
-                  <a:lin ang="5400000" scaled="0"/>
-                </a:gradFill>
-                <a:ea typeface="Segoe UI" pitchFamily="34" charset="0"/>
-                <a:cs typeface="Segoe UI" pitchFamily="34" charset="0"/>
-              </a:rPr>
-              <a:t>mock</a:t>
-            </a:r>
-            <a:endParaRPr lang="da-DK" sz="2400" dirty="0">
-              <a:gradFill>
-                <a:gsLst>
-                  <a:gs pos="0">
-                    <a:srgbClr val="FFFFFF"/>
-                  </a:gs>
-                  <a:gs pos="100000">
-                    <a:srgbClr val="FFFFFF"/>
-                  </a:gs>
-                </a:gsLst>
-                <a:lin ang="5400000" scaled="0"/>
-              </a:gradFill>
-              <a:ea typeface="Segoe UI" pitchFamily="34" charset="0"/>
-              <a:cs typeface="Segoe UI" pitchFamily="34" charset="0"/>
-            </a:endParaRPr>
+              <a:t>Demo</a:t>
+            </a:r>
           </a:p>
         </p:txBody>
       </p:sp>
     </p:spTree>
     <p:extLst>
       <p:ext uri="{BB962C8B-B14F-4D97-AF65-F5344CB8AC3E}">
-        <p14:creationId xmlns:p14="http://schemas.microsoft.com/office/powerpoint/2010/main" val="1723436954"/>
+        <p14:creationId xmlns:p14="http://schemas.microsoft.com/office/powerpoint/2010/main" val="3099204126"/>
       </p:ext>
     </p:extLst>
   </p:cSld>
@@ -10466,61 +10371,6 @@
       </p:grpSpPr>
       <p:sp>
         <p:nvSpPr>
-          <p:cNvPr id="4" name="Title 3"/>
-          <p:cNvSpPr>
-            <a:spLocks noGrp="1"/>
-          </p:cNvSpPr>
-          <p:nvPr>
-            <p:ph type="title"/>
-          </p:nvPr>
-        </p:nvSpPr>
-        <p:spPr/>
-        <p:txBody>
-          <a:bodyPr/>
-          <a:lstStyle/>
-          <a:p>
-            <a:r>
-              <a:rPr lang="da-DK" dirty="0"/>
-              <a:t>Demo</a:t>
-            </a:r>
-          </a:p>
-        </p:txBody>
-      </p:sp>
-    </p:spTree>
-    <p:extLst>
-      <p:ext uri="{BB962C8B-B14F-4D97-AF65-F5344CB8AC3E}">
-        <p14:creationId xmlns:p14="http://schemas.microsoft.com/office/powerpoint/2010/main" val="3099204126"/>
-      </p:ext>
-    </p:extLst>
-  </p:cSld>
-  <p:clrMapOvr>
-    <a:masterClrMapping/>
-  </p:clrMapOvr>
-  <p:transition>
-    <p:fade/>
-  </p:transition>
-</p:sld>
-</file>
-
-<file path=ppt/slides/slide22.xml><?xml version="1.0" encoding="utf-8"?>
-<p:sld xmlns:a="http://schemas.openxmlformats.org/drawingml/2006/main" xmlns:r="http://schemas.openxmlformats.org/officeDocument/2006/relationships" xmlns:p="http://schemas.openxmlformats.org/presentationml/2006/main">
-  <p:cSld>
-    <p:spTree>
-      <p:nvGrpSpPr>
-        <p:cNvPr id="1" name=""/>
-        <p:cNvGrpSpPr/>
-        <p:nvPr/>
-      </p:nvGrpSpPr>
-      <p:grpSpPr>
-        <a:xfrm>
-          <a:off x="0" y="0"/>
-          <a:ext cx="0" cy="0"/>
-          <a:chOff x="0" y="0"/>
-          <a:chExt cx="0" cy="0"/>
-        </a:xfrm>
-      </p:grpSpPr>
-      <p:sp>
-        <p:nvSpPr>
           <p:cNvPr id="3" name="Title 2"/>
           <p:cNvSpPr>
             <a:spLocks noGrp="1"/>
@@ -10572,7 +10422,7 @@
 </p:sld>
 </file>
 
-<file path=ppt/slides/slide23.xml><?xml version="1.0" encoding="utf-8"?>
+<file path=ppt/slides/slide22.xml><?xml version="1.0" encoding="utf-8"?>
 <p:sld xmlns:a="http://schemas.openxmlformats.org/drawingml/2006/main" xmlns:r="http://schemas.openxmlformats.org/officeDocument/2006/relationships" xmlns:p="http://schemas.openxmlformats.org/presentationml/2006/main">
   <p:cSld>
     <p:bg>
@@ -10631,89 +10481,73 @@
                 </a:solidFill>
                 <a:latin typeface="Consolas" panose="020B0609020204030204" pitchFamily="49" charset="0"/>
               </a:rPr>
-              <a:t>// In Memory </a:t>
+              <a:t>// In Memory Database:</a:t>
+            </a:r>
+            <a:endParaRPr lang="en-US" dirty="0"/>
+          </a:p>
+          <a:p>
+            <a:r>
+              <a:rPr lang="en-US" dirty="0">
+                <a:solidFill>
+                  <a:srgbClr val="0000FF"/>
+                </a:solidFill>
+                <a:latin typeface="Consolas" panose="020B0609020204030204" pitchFamily="49" charset="0"/>
+              </a:rPr>
+              <a:t>var</a:t>
+            </a:r>
+            <a:r>
+              <a:rPr lang="en-US" dirty="0">
+                <a:solidFill>
+                  <a:srgbClr val="000000"/>
+                </a:solidFill>
+                <a:latin typeface="Consolas" panose="020B0609020204030204" pitchFamily="49" charset="0"/>
+              </a:rPr>
+              <a:t> builder = </a:t>
+            </a:r>
+            <a:r>
+              <a:rPr lang="en-US" dirty="0">
+                <a:solidFill>
+                  <a:srgbClr val="0000FF"/>
+                </a:solidFill>
+                <a:latin typeface="Consolas" panose="020B0609020204030204" pitchFamily="49" charset="0"/>
+              </a:rPr>
+              <a:t>new</a:t>
+            </a:r>
+            <a:r>
+              <a:rPr lang="en-US" dirty="0">
+                <a:solidFill>
+                  <a:srgbClr val="000000"/>
+                </a:solidFill>
+                <a:latin typeface="Consolas" panose="020B0609020204030204" pitchFamily="49" charset="0"/>
+              </a:rPr>
+              <a:t> </a:t>
             </a:r>
             <a:r>
               <a:rPr lang="en-US" dirty="0" err="1">
                 <a:solidFill>
-                  <a:srgbClr val="008000"/>
-                </a:solidFill>
-                <a:latin typeface="Consolas" panose="020B0609020204030204" pitchFamily="49" charset="0"/>
-              </a:rPr>
-              <a:t>Database:</a:t>
-            </a:r>
-            <a:r>
-              <a:rPr lang="en-US" dirty="0" err="1"/>
-              <a:t>tabase</a:t>
-            </a:r>
-            <a:r>
-              <a:rPr lang="en-US" dirty="0"/>
-              <a:t>:</a:t>
-            </a:r>
-          </a:p>
-          <a:p>
+                  <a:srgbClr val="2B91AF"/>
+                </a:solidFill>
+                <a:latin typeface="Consolas" panose="020B0609020204030204" pitchFamily="49" charset="0"/>
+              </a:rPr>
+              <a:t>DbContextOptionsBuilder</a:t>
+            </a:r>
+            <a:r>
+              <a:rPr lang="en-US" dirty="0">
+                <a:solidFill>
+                  <a:srgbClr val="000000"/>
+                </a:solidFill>
+                <a:latin typeface="Consolas" panose="020B0609020204030204" pitchFamily="49" charset="0"/>
+              </a:rPr>
+              <a:t>&lt;</a:t>
+            </a:r>
             <a:r>
               <a:rPr lang="en-US" dirty="0" err="1">
                 <a:solidFill>
-                  <a:srgbClr val="0000FF"/>
-                </a:solidFill>
-                <a:latin typeface="Consolas" panose="020B0609020204030204" pitchFamily="49" charset="0"/>
-              </a:rPr>
-              <a:t>var</a:t>
-            </a:r>
-            <a:r>
-              <a:rPr lang="en-US" dirty="0">
-                <a:solidFill>
-                  <a:srgbClr val="000000"/>
-                </a:solidFill>
-                <a:latin typeface="Consolas" panose="020B0609020204030204" pitchFamily="49" charset="0"/>
-              </a:rPr>
-              <a:t> builder = </a:t>
-            </a:r>
-            <a:r>
-              <a:rPr lang="en-US" dirty="0">
-                <a:solidFill>
-                  <a:srgbClr val="0000FF"/>
-                </a:solidFill>
-                <a:latin typeface="Consolas" panose="020B0609020204030204" pitchFamily="49" charset="0"/>
-              </a:rPr>
-              <a:t>new</a:t>
-            </a:r>
-            <a:r>
-              <a:rPr lang="en-US" dirty="0">
-                <a:solidFill>
-                  <a:srgbClr val="000000"/>
-                </a:solidFill>
-                <a:latin typeface="Consolas" panose="020B0609020204030204" pitchFamily="49" charset="0"/>
-              </a:rPr>
-              <a:t> </a:t>
-            </a:r>
-            <a:r>
-              <a:rPr lang="en-US" dirty="0" err="1">
-                <a:solidFill>
                   <a:srgbClr val="2B91AF"/>
                 </a:solidFill>
                 <a:latin typeface="Consolas" panose="020B0609020204030204" pitchFamily="49" charset="0"/>
               </a:rPr>
-              <a:t>DbContextOptionsBuilder</a:t>
-            </a:r>
-            <a:r>
-              <a:rPr lang="en-US" dirty="0">
-                <a:solidFill>
-                  <a:srgbClr val="000000"/>
-                </a:solidFill>
-                <a:latin typeface="Consolas" panose="020B0609020204030204" pitchFamily="49" charset="0"/>
-              </a:rPr>
-              <a:t>&lt;</a:t>
-            </a:r>
-            <a:r>
-              <a:rPr lang="en-US" dirty="0" err="1">
-                <a:solidFill>
-                  <a:srgbClr val="2B91AF"/>
-                </a:solidFill>
-                <a:latin typeface="Consolas" panose="020B0609020204030204" pitchFamily="49" charset="0"/>
-              </a:rPr>
-              <a:t>FuturamaContext</a:t>
+              <a:t>MyContext</a:t>
             </a:r>
             <a:r>
               <a:rPr lang="en-US" dirty="0">
@@ -10953,40 +10787,58 @@
           </a:p>
           <a:p>
             <a:r>
+              <a:rPr lang="en-US" dirty="0">
+                <a:solidFill>
+                  <a:srgbClr val="0000FF"/>
+                </a:solidFill>
+                <a:latin typeface="Consolas" panose="020B0609020204030204" pitchFamily="49" charset="0"/>
+              </a:rPr>
+              <a:t>var</a:t>
+            </a:r>
+            <a:r>
+              <a:rPr lang="en-US" dirty="0">
+                <a:solidFill>
+                  <a:srgbClr val="000000"/>
+                </a:solidFill>
+                <a:latin typeface="Consolas" panose="020B0609020204030204" pitchFamily="49" charset="0"/>
+              </a:rPr>
+              <a:t> builder = </a:t>
+            </a:r>
+            <a:r>
+              <a:rPr lang="en-US" dirty="0">
+                <a:solidFill>
+                  <a:srgbClr val="0000FF"/>
+                </a:solidFill>
+                <a:latin typeface="Consolas" panose="020B0609020204030204" pitchFamily="49" charset="0"/>
+              </a:rPr>
+              <a:t>new</a:t>
+            </a:r>
+            <a:r>
+              <a:rPr lang="en-US" dirty="0">
+                <a:solidFill>
+                  <a:srgbClr val="000000"/>
+                </a:solidFill>
+                <a:latin typeface="Consolas" panose="020B0609020204030204" pitchFamily="49" charset="0"/>
+              </a:rPr>
+              <a:t> </a:t>
+            </a:r>
+            <a:r>
               <a:rPr lang="en-US" dirty="0" err="1">
                 <a:solidFill>
-                  <a:srgbClr val="0000FF"/>
-                </a:solidFill>
-                <a:latin typeface="Consolas" panose="020B0609020204030204" pitchFamily="49" charset="0"/>
-              </a:rPr>
-              <a:t>var</a:t>
-            </a:r>
-            <a:r>
-              <a:rPr lang="en-US" dirty="0">
-                <a:solidFill>
-                  <a:srgbClr val="000000"/>
-                </a:solidFill>
-                <a:latin typeface="Consolas" panose="020B0609020204030204" pitchFamily="49" charset="0"/>
-              </a:rPr>
-              <a:t> builder = </a:t>
-            </a:r>
-            <a:r>
-              <a:rPr lang="en-US" dirty="0">
-                <a:solidFill>
-                  <a:srgbClr val="0000FF"/>
-                </a:solidFill>
-                <a:latin typeface="Consolas" panose="020B0609020204030204" pitchFamily="49" charset="0"/>
-              </a:rPr>
-              <a:t>new</a:t>
-            </a:r>
-            <a:r>
-              <a:rPr lang="en-US" dirty="0">
-                <a:solidFill>
-                  <a:srgbClr val="000000"/>
-                </a:solidFill>
-                <a:latin typeface="Consolas" panose="020B0609020204030204" pitchFamily="49" charset="0"/>
-              </a:rPr>
-              <a:t> </a:t>
+                  <a:srgbClr val="2B91AF"/>
+                </a:solidFill>
+                <a:latin typeface="Consolas" panose="020B0609020204030204" pitchFamily="49" charset="0"/>
+              </a:rPr>
+              <a:t>DbContextOptionsBuilder</a:t>
+            </a:r>
+            <a:r>
+              <a:rPr lang="en-US" dirty="0">
+                <a:solidFill>
+                  <a:srgbClr val="000000"/>
+                </a:solidFill>
+                <a:latin typeface="Consolas" panose="020B0609020204030204" pitchFamily="49" charset="0"/>
+              </a:rPr>
+              <a:t>&lt;</a:t>
             </a:r>
             <a:r>
               <a:rPr lang="en-US" dirty="0" err="1">
@@ -10995,25 +10847,7 @@
                 </a:solidFill>
                 <a:latin typeface="Consolas" panose="020B0609020204030204" pitchFamily="49" charset="0"/>
               </a:rPr>
-              <a:t>DbContextOptionsBuilder</a:t>
-            </a:r>
-            <a:r>
-              <a:rPr lang="en-US" dirty="0">
-                <a:solidFill>
-                  <a:srgbClr val="000000"/>
-                </a:solidFill>
-                <a:latin typeface="Consolas" panose="020B0609020204030204" pitchFamily="49" charset="0"/>
-              </a:rPr>
-              <a:t>&lt;</a:t>
-            </a:r>
-            <a:r>
-              <a:rPr lang="en-US" dirty="0" err="1">
-                <a:solidFill>
-                  <a:srgbClr val="2B91AF"/>
-                </a:solidFill>
-                <a:latin typeface="Consolas" panose="020B0609020204030204" pitchFamily="49" charset="0"/>
-              </a:rPr>
-              <a:t>FuturamaContext</a:t>
+              <a:t>MyContext</a:t>
             </a:r>
             <a:r>
               <a:rPr lang="en-US" dirty="0">
@@ -11292,7 +11126,7 @@
 </p:sld>
 </file>
 
-<file path=ppt/slides/slide24.xml><?xml version="1.0" encoding="utf-8"?>
+<file path=ppt/slides/slide23.xml><?xml version="1.0" encoding="utf-8"?>
 <p:sld xmlns:a="http://schemas.openxmlformats.org/drawingml/2006/main" xmlns:r="http://schemas.openxmlformats.org/officeDocument/2006/relationships" xmlns:p="http://schemas.openxmlformats.org/presentationml/2006/main">
   <p:cSld>
     <p:bg>
@@ -11703,7 +11537,7 @@
 </p:sld>
 </file>
 
-<file path=ppt/slides/slide25.xml><?xml version="1.0" encoding="utf-8"?>
+<file path=ppt/slides/slide24.xml><?xml version="1.0" encoding="utf-8"?>
 <p:sld xmlns:a="http://schemas.openxmlformats.org/drawingml/2006/main" xmlns:r="http://schemas.openxmlformats.org/officeDocument/2006/relationships" xmlns:p="http://schemas.openxmlformats.org/presentationml/2006/main">
   <p:cSld>
     <p:bg>
@@ -14567,13 +14401,8 @@
           <a:p>
             <a:r>
               <a:rPr lang="da-DK" dirty="0"/>
-              <a:t>Property </a:t>
-            </a:r>
-            <a:r>
-              <a:rPr lang="da-DK" dirty="0" err="1"/>
-              <a:t>Injection</a:t>
-            </a:r>
-            <a:endParaRPr lang="da-DK" dirty="0"/>
+              <a:t>Property Injection</a:t>
+            </a:r>
           </a:p>
         </p:txBody>
       </p:sp>
@@ -15144,8 +14973,8 @@
         </p:nvSpPr>
         <p:spPr>
           <a:xfrm>
-            <a:off x="2377306" y="3222945"/>
-            <a:ext cx="4571950" cy="1200329"/>
+            <a:off x="2468745" y="2204601"/>
+            <a:ext cx="4571950" cy="2585323"/>
           </a:xfrm>
           <a:prstGeom prst="rect">
             <a:avLst/>
@@ -15304,6 +15133,157 @@
                 <a:latin typeface="Consolas" panose="020B0609020204030204" pitchFamily="49" charset="0"/>
               </a:rPr>
               <a:t> service);</a:t>
+            </a:r>
+          </a:p>
+          <a:p>
+            <a:r>
+              <a:rPr lang="da-DK" dirty="0">
+                <a:solidFill>
+                  <a:srgbClr val="000000"/>
+                </a:solidFill>
+                <a:latin typeface="Consolas" panose="020B0609020204030204" pitchFamily="49" charset="0"/>
+              </a:rPr>
+              <a:t>}</a:t>
+            </a:r>
+          </a:p>
+          <a:p>
+            <a:endParaRPr lang="da-DK" dirty="0">
+              <a:solidFill>
+                <a:srgbClr val="000000"/>
+              </a:solidFill>
+              <a:latin typeface="Consolas" panose="020B0609020204030204" pitchFamily="49" charset="0"/>
+            </a:endParaRPr>
+          </a:p>
+          <a:p>
+            <a:r>
+              <a:rPr lang="da-DK" dirty="0">
+                <a:solidFill>
+                  <a:srgbClr val="0000FF"/>
+                </a:solidFill>
+                <a:latin typeface="Consolas" panose="020B0609020204030204" pitchFamily="49" charset="0"/>
+              </a:rPr>
+              <a:t>public</a:t>
+            </a:r>
+            <a:r>
+              <a:rPr lang="da-DK" dirty="0">
+                <a:solidFill>
+                  <a:srgbClr val="000000"/>
+                </a:solidFill>
+                <a:latin typeface="Consolas" panose="020B0609020204030204" pitchFamily="49" charset="0"/>
+              </a:rPr>
+              <a:t> </a:t>
+            </a:r>
+            <a:r>
+              <a:rPr lang="da-DK" dirty="0">
+                <a:solidFill>
+                  <a:srgbClr val="0000FF"/>
+                </a:solidFill>
+                <a:latin typeface="Consolas" panose="020B0609020204030204" pitchFamily="49" charset="0"/>
+              </a:rPr>
+              <a:t>interface</a:t>
+            </a:r>
+            <a:r>
+              <a:rPr lang="da-DK" dirty="0">
+                <a:solidFill>
+                  <a:srgbClr val="000000"/>
+                </a:solidFill>
+                <a:latin typeface="Consolas" panose="020B0609020204030204" pitchFamily="49" charset="0"/>
+              </a:rPr>
+              <a:t> </a:t>
+            </a:r>
+            <a:r>
+              <a:rPr lang="da-DK" dirty="0">
+                <a:solidFill>
+                  <a:srgbClr val="2B91AF"/>
+                </a:solidFill>
+                <a:latin typeface="Consolas" panose="020B0609020204030204" pitchFamily="49" charset="0"/>
+              </a:rPr>
+              <a:t>IServiceSetter</a:t>
+            </a:r>
+            <a:r>
+              <a:rPr lang="da-DK" dirty="0">
+                <a:solidFill>
+                  <a:srgbClr val="000000"/>
+                </a:solidFill>
+                <a:latin typeface="Consolas" panose="020B0609020204030204" pitchFamily="49" charset="0"/>
+              </a:rPr>
+              <a:t>&lt;</a:t>
+            </a:r>
+            <a:r>
+              <a:rPr lang="da-DK" dirty="0">
+                <a:solidFill>
+                  <a:srgbClr val="2B91AF"/>
+                </a:solidFill>
+                <a:latin typeface="Consolas" panose="020B0609020204030204" pitchFamily="49" charset="0"/>
+              </a:rPr>
+              <a:t>T</a:t>
+            </a:r>
+            <a:r>
+              <a:rPr lang="da-DK" dirty="0">
+                <a:solidFill>
+                  <a:srgbClr val="000000"/>
+                </a:solidFill>
+                <a:latin typeface="Consolas" panose="020B0609020204030204" pitchFamily="49" charset="0"/>
+              </a:rPr>
+              <a:t>&gt;</a:t>
+            </a:r>
+          </a:p>
+          <a:p>
+            <a:r>
+              <a:rPr lang="da-DK" dirty="0">
+                <a:solidFill>
+                  <a:srgbClr val="000000"/>
+                </a:solidFill>
+                <a:latin typeface="Consolas" panose="020B0609020204030204" pitchFamily="49" charset="0"/>
+              </a:rPr>
+              <a:t>{</a:t>
+            </a:r>
+          </a:p>
+          <a:p>
+            <a:r>
+              <a:rPr lang="da-DK" dirty="0">
+                <a:solidFill>
+                  <a:srgbClr val="000000"/>
+                </a:solidFill>
+                <a:latin typeface="Consolas" panose="020B0609020204030204" pitchFamily="49" charset="0"/>
+              </a:rPr>
+              <a:t>    </a:t>
+            </a:r>
+            <a:r>
+              <a:rPr lang="da-DK" dirty="0">
+                <a:solidFill>
+                  <a:srgbClr val="2B91AF"/>
+                </a:solidFill>
+                <a:latin typeface="Consolas" panose="020B0609020204030204" pitchFamily="49" charset="0"/>
+              </a:rPr>
+              <a:t>T</a:t>
+            </a:r>
+            <a:r>
+              <a:rPr lang="da-DK" dirty="0">
+                <a:solidFill>
+                  <a:srgbClr val="000000"/>
+                </a:solidFill>
+                <a:latin typeface="Consolas" panose="020B0609020204030204" pitchFamily="49" charset="0"/>
+              </a:rPr>
+              <a:t> Service { </a:t>
+            </a:r>
+            <a:r>
+              <a:rPr lang="da-DK" dirty="0">
+                <a:solidFill>
+                  <a:srgbClr val="0000FF"/>
+                </a:solidFill>
+                <a:latin typeface="Consolas" panose="020B0609020204030204" pitchFamily="49" charset="0"/>
+              </a:rPr>
+              <a:t>set</a:t>
+            </a:r>
+            <a:r>
+              <a:rPr lang="da-DK" dirty="0">
+                <a:solidFill>
+                  <a:srgbClr val="000000"/>
+                </a:solidFill>
+                <a:latin typeface="Consolas" panose="020B0609020204030204" pitchFamily="49" charset="0"/>
+              </a:rPr>
+              <a:t>; }</a:t>
             </a:r>
           </a:p>
           <a:p>
@@ -16196,58 +16176,12 @@
 </file>
 
 <file path=customXml/item1.xml><?xml version="1.0" encoding="utf-8"?>
-<p:properties xmlns:p="http://schemas.microsoft.com/office/2006/metadata/properties" xmlns:xsi="http://www.w3.org/2001/XMLSchema-instance" xmlns:pc="http://schemas.microsoft.com/office/infopath/2007/PartnerControls">
-  <documentManagement>
-    <TrackTaxHTField0 xmlns="2295e2e7-0eeb-498e-8716-217bb2ee6ee3">
-      <Terms xmlns="http://schemas.microsoft.com/office/infopath/2007/PartnerControls"/>
-    </TrackTaxHTField0>
-    <CampaignTaxHTField0 xmlns="2295e2e7-0eeb-498e-8716-217bb2ee6ee3">
-      <Terms xmlns="http://schemas.microsoft.com/office/infopath/2007/PartnerControls"/>
-    </CampaignTaxHTField0>
-    <Event_x0020_End_x0020_Date xmlns="2295e2e7-0eeb-498e-8716-217bb2ee6ee3" xsi:nil="true"/>
-    <Event_x0020_Start_x0020_Date xmlns="2295e2e7-0eeb-498e-8716-217bb2ee6ee3" xsi:nil="true"/>
-    <MS_x0020_Speaker xmlns="2295e2e7-0eeb-498e-8716-217bb2ee6ee3">
-      <UserInfo>
-        <DisplayName/>
-        <AccountId xsi:nil="true"/>
-        <AccountType/>
-      </UserInfo>
-    </MS_x0020_Speaker>
-    <External_x0020_Speaker xmlns="2295e2e7-0eeb-498e-8716-217bb2ee6ee3" xsi:nil="true"/>
-    <Session_x0020_Code xmlns="2295e2e7-0eeb-498e-8716-217bb2ee6ee3" xsi:nil="true"/>
-    <ProductTaxHTField0 xmlns="2295e2e7-0eeb-498e-8716-217bb2ee6ee3">
-      <Terms xmlns="http://schemas.microsoft.com/office/infopath/2007/PartnerControls"/>
-    </ProductTaxHTField0>
-    <Presentation_x0020_Date xmlns="2295e2e7-0eeb-498e-8716-217bb2ee6ee3" xsi:nil="true"/>
-    <Event_x0020_LocationTaxHTField0 xmlns="2295e2e7-0eeb-498e-8716-217bb2ee6ee3">
-      <Terms xmlns="http://schemas.microsoft.com/office/infopath/2007/PartnerControls"/>
-    </Event_x0020_LocationTaxHTField0>
-    <Event1TaxHTField0 xmlns="2295e2e7-0eeb-498e-8716-217bb2ee6ee3">
-      <Terms xmlns="http://schemas.microsoft.com/office/infopath/2007/PartnerControls">
-        <TermInfo xmlns="http://schemas.microsoft.com/office/infopath/2007/PartnerControls">
-          <TermName xmlns="http://schemas.microsoft.com/office/infopath/2007/PartnerControls">Unassigned</TermName>
-          <TermId xmlns="http://schemas.microsoft.com/office/infopath/2007/PartnerControls">e51362f4-782c-41a8-bb7b-e0cfc8669933</TermId>
-        </TermInfo>
-      </Terms>
-    </Event1TaxHTField0>
-    <AudienceTaxHTField0 xmlns="8b529f77-48ab-4581-b468-93f09345b8aa">
-      <Terms xmlns="http://schemas.microsoft.com/office/infopath/2007/PartnerControls"/>
-    </AudienceTaxHTField0>
-    <MS_x0020_Content_x0020_Owner xmlns="2295e2e7-0eeb-498e-8716-217bb2ee6ee3">
-      <UserInfo>
-        <DisplayName/>
-        <AccountId xsi:nil="true"/>
-        <AccountType/>
-      </UserInfo>
-    </MS_x0020_Content_x0020_Owner>
-    <TaxCatchAll xmlns="2295e2e7-0eeb-498e-8716-217bb2ee6ee3">
-      <Value>217</Value>
-    </TaxCatchAll>
-    <Event_x0020_VenueTaxHTField0 xmlns="2295e2e7-0eeb-498e-8716-217bb2ee6ee3">
-      <Terms xmlns="http://schemas.microsoft.com/office/infopath/2007/PartnerControls"/>
-    </Event_x0020_VenueTaxHTField0>
-  </documentManagement>
-</p:properties>
+<?mso-contentType ?>
+<FormTemplates xmlns="http://schemas.microsoft.com/sharepoint/v3/contenttype/forms">
+  <Display>DocumentLibraryForm</Display>
+  <Edit>DocumentLibraryForm</Edit>
+  <New>DocumentLibraryForm</New>
+</FormTemplates>
 </file>
 
 <file path=customXml/item2.xml><?xml version="1.0" encoding="utf-8"?>
@@ -16530,27 +16464,64 @@
 </file>
 
 <file path=customXml/item3.xml><?xml version="1.0" encoding="utf-8"?>
-<?mso-contentType ?>
-<FormTemplates xmlns="http://schemas.microsoft.com/sharepoint/v3/contenttype/forms">
-  <Display>DocumentLibraryForm</Display>
-  <Edit>DocumentLibraryForm</Edit>
-  <New>DocumentLibraryForm</New>
-</FormTemplates>
+<p:properties xmlns:p="http://schemas.microsoft.com/office/2006/metadata/properties" xmlns:xsi="http://www.w3.org/2001/XMLSchema-instance" xmlns:pc="http://schemas.microsoft.com/office/infopath/2007/PartnerControls">
+  <documentManagement>
+    <TrackTaxHTField0 xmlns="2295e2e7-0eeb-498e-8716-217bb2ee6ee3">
+      <Terms xmlns="http://schemas.microsoft.com/office/infopath/2007/PartnerControls"/>
+    </TrackTaxHTField0>
+    <CampaignTaxHTField0 xmlns="2295e2e7-0eeb-498e-8716-217bb2ee6ee3">
+      <Terms xmlns="http://schemas.microsoft.com/office/infopath/2007/PartnerControls"/>
+    </CampaignTaxHTField0>
+    <Event_x0020_End_x0020_Date xmlns="2295e2e7-0eeb-498e-8716-217bb2ee6ee3" xsi:nil="true"/>
+    <Event_x0020_Start_x0020_Date xmlns="2295e2e7-0eeb-498e-8716-217bb2ee6ee3" xsi:nil="true"/>
+    <MS_x0020_Speaker xmlns="2295e2e7-0eeb-498e-8716-217bb2ee6ee3">
+      <UserInfo>
+        <DisplayName/>
+        <AccountId xsi:nil="true"/>
+        <AccountType/>
+      </UserInfo>
+    </MS_x0020_Speaker>
+    <External_x0020_Speaker xmlns="2295e2e7-0eeb-498e-8716-217bb2ee6ee3" xsi:nil="true"/>
+    <Session_x0020_Code xmlns="2295e2e7-0eeb-498e-8716-217bb2ee6ee3" xsi:nil="true"/>
+    <ProductTaxHTField0 xmlns="2295e2e7-0eeb-498e-8716-217bb2ee6ee3">
+      <Terms xmlns="http://schemas.microsoft.com/office/infopath/2007/PartnerControls"/>
+    </ProductTaxHTField0>
+    <Presentation_x0020_Date xmlns="2295e2e7-0eeb-498e-8716-217bb2ee6ee3" xsi:nil="true"/>
+    <Event_x0020_LocationTaxHTField0 xmlns="2295e2e7-0eeb-498e-8716-217bb2ee6ee3">
+      <Terms xmlns="http://schemas.microsoft.com/office/infopath/2007/PartnerControls"/>
+    </Event_x0020_LocationTaxHTField0>
+    <Event1TaxHTField0 xmlns="2295e2e7-0eeb-498e-8716-217bb2ee6ee3">
+      <Terms xmlns="http://schemas.microsoft.com/office/infopath/2007/PartnerControls">
+        <TermInfo xmlns="http://schemas.microsoft.com/office/infopath/2007/PartnerControls">
+          <TermName xmlns="http://schemas.microsoft.com/office/infopath/2007/PartnerControls">Unassigned</TermName>
+          <TermId xmlns="http://schemas.microsoft.com/office/infopath/2007/PartnerControls">e51362f4-782c-41a8-bb7b-e0cfc8669933</TermId>
+        </TermInfo>
+      </Terms>
+    </Event1TaxHTField0>
+    <AudienceTaxHTField0 xmlns="8b529f77-48ab-4581-b468-93f09345b8aa">
+      <Terms xmlns="http://schemas.microsoft.com/office/infopath/2007/PartnerControls"/>
+    </AudienceTaxHTField0>
+    <MS_x0020_Content_x0020_Owner xmlns="2295e2e7-0eeb-498e-8716-217bb2ee6ee3">
+      <UserInfo>
+        <DisplayName/>
+        <AccountId xsi:nil="true"/>
+        <AccountType/>
+      </UserInfo>
+    </MS_x0020_Content_x0020_Owner>
+    <TaxCatchAll xmlns="2295e2e7-0eeb-498e-8716-217bb2ee6ee3">
+      <Value>217</Value>
+    </TaxCatchAll>
+    <Event_x0020_VenueTaxHTField0 xmlns="2295e2e7-0eeb-498e-8716-217bb2ee6ee3">
+      <Terms xmlns="http://schemas.microsoft.com/office/infopath/2007/PartnerControls"/>
+    </Event_x0020_VenueTaxHTField0>
+  </documentManagement>
+</p:properties>
 </file>
 
 <file path=customXml/itemProps1.xml><?xml version="1.0" encoding="utf-8"?>
-<ds:datastoreItem xmlns:ds="http://schemas.openxmlformats.org/officeDocument/2006/customXml" ds:itemID="{F990F116-B58F-4255-B05B-DA3808E0E5C6}">
+<ds:datastoreItem xmlns:ds="http://schemas.openxmlformats.org/officeDocument/2006/customXml" ds:itemID="{758FDAC0-319D-4A54-8D8E-1D42CB1F8004}">
   <ds:schemaRefs>
-    <ds:schemaRef ds:uri="http://schemas.microsoft.com/office/2006/documentManagement/types"/>
-    <ds:schemaRef ds:uri="http://purl.org/dc/dcmitype/"/>
-    <ds:schemaRef ds:uri="http://schemas.openxmlformats.org/package/2006/metadata/core-properties"/>
-    <ds:schemaRef ds:uri="http://purl.org/dc/elements/1.1/"/>
-    <ds:schemaRef ds:uri="http://schemas.microsoft.com/office/2006/metadata/properties"/>
-    <ds:schemaRef ds:uri="http://schemas.microsoft.com/office/infopath/2007/PartnerControls"/>
-    <ds:schemaRef ds:uri="8b529f77-48ab-4581-b468-93f09345b8aa"/>
-    <ds:schemaRef ds:uri="2295e2e7-0eeb-498e-8716-217bb2ee6ee3"/>
-    <ds:schemaRef ds:uri="http://www.w3.org/XML/1998/namespace"/>
-    <ds:schemaRef ds:uri="http://purl.org/dc/terms/"/>
+    <ds:schemaRef ds:uri="http://schemas.microsoft.com/sharepoint/v3/contenttype/forms"/>
   </ds:schemaRefs>
 </ds:datastoreItem>
 </file>
@@ -16575,9 +16546,18 @@
 </file>
 
 <file path=customXml/itemProps3.xml><?xml version="1.0" encoding="utf-8"?>
-<ds:datastoreItem xmlns:ds="http://schemas.openxmlformats.org/officeDocument/2006/customXml" ds:itemID="{758FDAC0-319D-4A54-8D8E-1D42CB1F8004}">
+<ds:datastoreItem xmlns:ds="http://schemas.openxmlformats.org/officeDocument/2006/customXml" ds:itemID="{F990F116-B58F-4255-B05B-DA3808E0E5C6}">
   <ds:schemaRefs>
-    <ds:schemaRef ds:uri="http://schemas.microsoft.com/sharepoint/v3/contenttype/forms"/>
+    <ds:schemaRef ds:uri="http://schemas.microsoft.com/office/2006/documentManagement/types"/>
+    <ds:schemaRef ds:uri="http://purl.org/dc/dcmitype/"/>
+    <ds:schemaRef ds:uri="http://schemas.openxmlformats.org/package/2006/metadata/core-properties"/>
+    <ds:schemaRef ds:uri="http://purl.org/dc/elements/1.1/"/>
+    <ds:schemaRef ds:uri="http://schemas.microsoft.com/office/2006/metadata/properties"/>
+    <ds:schemaRef ds:uri="http://schemas.microsoft.com/office/infopath/2007/PartnerControls"/>
+    <ds:schemaRef ds:uri="8b529f77-48ab-4581-b468-93f09345b8aa"/>
+    <ds:schemaRef ds:uri="2295e2e7-0eeb-498e-8716-217bb2ee6ee3"/>
+    <ds:schemaRef ds:uri="http://www.w3.org/XML/1998/namespace"/>
+    <ds:schemaRef ds:uri="http://purl.org/dc/terms/"/>
   </ds:schemaRefs>
 </ds:datastoreItem>
 </file>
--- a/Slides/Lecture05 - Dependency Injection, Testing Entity Framework.pptx
+++ b/Slides/Lecture05 - Dependency Injection, Testing Entity Framework.pptx
@@ -5,36 +5,38 @@
     <p:sldMasterId id="2147484082" r:id="rId4"/>
   </p:sldMasterIdLst>
   <p:notesMasterIdLst>
-    <p:notesMasterId r:id="rId29"/>
+    <p:notesMasterId r:id="rId31"/>
   </p:notesMasterIdLst>
   <p:handoutMasterIdLst>
-    <p:handoutMasterId r:id="rId30"/>
+    <p:handoutMasterId r:id="rId32"/>
   </p:handoutMasterIdLst>
   <p:sldIdLst>
     <p:sldId id="880" r:id="rId5"/>
-    <p:sldId id="883" r:id="rId6"/>
-    <p:sldId id="881" r:id="rId7"/>
-    <p:sldId id="882" r:id="rId8"/>
-    <p:sldId id="884" r:id="rId9"/>
-    <p:sldId id="909" r:id="rId10"/>
-    <p:sldId id="885" r:id="rId11"/>
-    <p:sldId id="891" r:id="rId12"/>
-    <p:sldId id="892" r:id="rId13"/>
-    <p:sldId id="893" r:id="rId14"/>
-    <p:sldId id="895" r:id="rId15"/>
-    <p:sldId id="897" r:id="rId16"/>
-    <p:sldId id="908" r:id="rId17"/>
-    <p:sldId id="906" r:id="rId18"/>
-    <p:sldId id="886" r:id="rId19"/>
-    <p:sldId id="887" r:id="rId20"/>
-    <p:sldId id="888" r:id="rId21"/>
-    <p:sldId id="889" r:id="rId22"/>
-    <p:sldId id="890" r:id="rId23"/>
-    <p:sldId id="899" r:id="rId24"/>
-    <p:sldId id="900" r:id="rId25"/>
-    <p:sldId id="907" r:id="rId26"/>
-    <p:sldId id="902" r:id="rId27"/>
-    <p:sldId id="905" r:id="rId28"/>
+    <p:sldId id="910" r:id="rId6"/>
+    <p:sldId id="911" r:id="rId7"/>
+    <p:sldId id="883" r:id="rId8"/>
+    <p:sldId id="881" r:id="rId9"/>
+    <p:sldId id="882" r:id="rId10"/>
+    <p:sldId id="884" r:id="rId11"/>
+    <p:sldId id="909" r:id="rId12"/>
+    <p:sldId id="885" r:id="rId13"/>
+    <p:sldId id="891" r:id="rId14"/>
+    <p:sldId id="892" r:id="rId15"/>
+    <p:sldId id="893" r:id="rId16"/>
+    <p:sldId id="895" r:id="rId17"/>
+    <p:sldId id="897" r:id="rId18"/>
+    <p:sldId id="908" r:id="rId19"/>
+    <p:sldId id="906" r:id="rId20"/>
+    <p:sldId id="886" r:id="rId21"/>
+    <p:sldId id="887" r:id="rId22"/>
+    <p:sldId id="888" r:id="rId23"/>
+    <p:sldId id="889" r:id="rId24"/>
+    <p:sldId id="890" r:id="rId25"/>
+    <p:sldId id="899" r:id="rId26"/>
+    <p:sldId id="900" r:id="rId27"/>
+    <p:sldId id="907" r:id="rId28"/>
+    <p:sldId id="902" r:id="rId29"/>
+    <p:sldId id="905" r:id="rId30"/>
   </p:sldIdLst>
   <p:sldSz cx="9326563" cy="6994525"/>
   <p:notesSz cx="6858000" cy="9144000"/>
@@ -139,6 +141,8 @@
         <p14:section name="Introduction" id="{E115B30C-257A-493A-917D-0D3AE027FF58}">
           <p14:sldIdLst>
             <p14:sldId id="880"/>
+            <p14:sldId id="910"/>
+            <p14:sldId id="911"/>
             <p14:sldId id="883"/>
             <p14:sldId id="881"/>
             <p14:sldId id="882"/>
@@ -376,7 +380,7 @@
               <a:rPr lang="en-US" smtClean="0">
                 <a:latin typeface="Segoe UI" pitchFamily="34" charset="0"/>
               </a:rPr>
-              <a:t>9/26/2019</a:t>
+              <a:t>9/27/2019</a:t>
             </a:fld>
             <a:endParaRPr lang="en-US" dirty="0">
               <a:latin typeface="Segoe UI" pitchFamily="34" charset="0"/>
@@ -699,7 +703,7 @@
             <a:fld id="{D51B1278-D92B-4AF3-A9C1-71DD298190CE}" type="datetimeFigureOut">
               <a:rPr lang="en-US" smtClean="0"/>
               <a:pPr/>
-              <a:t>9/26/2019</a:t>
+              <a:t>9/27/2019</a:t>
             </a:fld>
             <a:endParaRPr lang="en-US" dirty="0"/>
           </a:p>
@@ -4728,6 +4732,954 @@
           <a:p>
             <a:r>
               <a:rPr lang="da-DK" dirty="0"/>
+              <a:t>Property Injection</a:t>
+            </a:r>
+          </a:p>
+        </p:txBody>
+      </p:sp>
+      <p:sp>
+        <p:nvSpPr>
+          <p:cNvPr id="4" name="Speech Bubble: Rectangle 3"/>
+          <p:cNvSpPr/>
+          <p:nvPr/>
+        </p:nvSpPr>
+        <p:spPr bwMode="auto">
+          <a:xfrm>
+            <a:off x="6034866" y="1212850"/>
+            <a:ext cx="2925620" cy="636870"/>
+          </a:xfrm>
+          <a:prstGeom prst="wedgeRectCallout">
+            <a:avLst>
+              <a:gd name="adj1" fmla="val -16361"/>
+              <a:gd name="adj2" fmla="val 147644"/>
+            </a:avLst>
+          </a:prstGeom>
+          <a:solidFill>
+            <a:srgbClr val="68217A"/>
+          </a:solidFill>
+          <a:ln>
+            <a:noFill/>
+            <a:headEnd type="none" w="med" len="med"/>
+            <a:tailEnd type="none" w="med" len="med"/>
+          </a:ln>
+          <a:effectLst/>
+        </p:spPr>
+        <p:style>
+          <a:lnRef idx="1">
+            <a:schemeClr val="accent2"/>
+          </a:lnRef>
+          <a:fillRef idx="3">
+            <a:schemeClr val="accent2"/>
+          </a:fillRef>
+          <a:effectRef idx="2">
+            <a:schemeClr val="accent2"/>
+          </a:effectRef>
+          <a:fontRef idx="minor">
+            <a:schemeClr val="lt1"/>
+          </a:fontRef>
+        </p:style>
+        <p:txBody>
+          <a:bodyPr rot="0" spcFirstLastPara="0" vertOverflow="overflow" horzOverflow="overflow" vert="horz" wrap="square" lIns="182880" tIns="146304" rIns="182880" bIns="146304" numCol="1" spcCol="0" rtlCol="0" fromWordArt="0" anchor="t" anchorCtr="0" forceAA="0" compatLnSpc="1">
+            <a:prstTxWarp prst="textNoShape">
+              <a:avLst/>
+            </a:prstTxWarp>
+            <a:noAutofit/>
+          </a:bodyPr>
+          <a:lstStyle/>
+          <a:p>
+            <a:pPr algn="ctr" defTabSz="932472" fontAlgn="base">
+              <a:lnSpc>
+                <a:spcPct val="90000"/>
+              </a:lnSpc>
+              <a:spcBef>
+                <a:spcPct val="0"/>
+              </a:spcBef>
+              <a:spcAft>
+                <a:spcPct val="0"/>
+              </a:spcAft>
+            </a:pPr>
+            <a:r>
+              <a:rPr lang="da-DK" sz="2400" dirty="0">
+                <a:gradFill>
+                  <a:gsLst>
+                    <a:gs pos="0">
+                      <a:srgbClr val="FFFFFF"/>
+                    </a:gs>
+                    <a:gs pos="100000">
+                      <a:srgbClr val="FFFFFF"/>
+                    </a:gs>
+                  </a:gsLst>
+                  <a:lin ang="5400000" scaled="0"/>
+                </a:gradFill>
+                <a:ea typeface="Segoe UI" pitchFamily="34" charset="0"/>
+                <a:cs typeface="Segoe UI" pitchFamily="34" charset="0"/>
+              </a:rPr>
+              <a:t>Public setter</a:t>
+            </a:r>
+          </a:p>
+        </p:txBody>
+      </p:sp>
+      <p:sp>
+        <p:nvSpPr>
+          <p:cNvPr id="5" name="Rectangle 4">
+            <a:extLst>
+              <a:ext uri="{FF2B5EF4-FFF2-40B4-BE49-F238E27FC236}">
+                <a16:creationId xmlns:a16="http://schemas.microsoft.com/office/drawing/2014/main" id="{027006C7-28EE-474B-A282-B2C93F6BEFF4}"/>
+              </a:ext>
+            </a:extLst>
+          </p:cNvPr>
+          <p:cNvSpPr/>
+          <p:nvPr/>
+        </p:nvSpPr>
+        <p:spPr>
+          <a:xfrm>
+            <a:off x="821257" y="2009207"/>
+            <a:ext cx="7682462" cy="2585323"/>
+          </a:xfrm>
+          <a:prstGeom prst="rect">
+            <a:avLst/>
+          </a:prstGeom>
+        </p:spPr>
+        <p:txBody>
+          <a:bodyPr wrap="square">
+            <a:spAutoFit/>
+          </a:bodyPr>
+          <a:lstStyle/>
+          <a:p>
+            <a:r>
+              <a:rPr lang="da-DK" dirty="0">
+                <a:solidFill>
+                  <a:srgbClr val="0000FF"/>
+                </a:solidFill>
+                <a:latin typeface="Consolas" panose="020B0609020204030204" pitchFamily="49" charset="0"/>
+              </a:rPr>
+              <a:t>public</a:t>
+            </a:r>
+            <a:r>
+              <a:rPr lang="da-DK" dirty="0">
+                <a:solidFill>
+                  <a:srgbClr val="000000"/>
+                </a:solidFill>
+                <a:latin typeface="Consolas" panose="020B0609020204030204" pitchFamily="49" charset="0"/>
+              </a:rPr>
+              <a:t> </a:t>
+            </a:r>
+            <a:r>
+              <a:rPr lang="da-DK" dirty="0">
+                <a:solidFill>
+                  <a:srgbClr val="0000FF"/>
+                </a:solidFill>
+                <a:latin typeface="Consolas" panose="020B0609020204030204" pitchFamily="49" charset="0"/>
+              </a:rPr>
+              <a:t>class</a:t>
+            </a:r>
+            <a:r>
+              <a:rPr lang="da-DK" dirty="0">
+                <a:solidFill>
+                  <a:srgbClr val="000000"/>
+                </a:solidFill>
+                <a:latin typeface="Consolas" panose="020B0609020204030204" pitchFamily="49" charset="0"/>
+              </a:rPr>
+              <a:t> </a:t>
+            </a:r>
+            <a:r>
+              <a:rPr lang="da-DK" dirty="0">
+                <a:solidFill>
+                  <a:srgbClr val="2B91AF"/>
+                </a:solidFill>
+                <a:latin typeface="Consolas" panose="020B0609020204030204" pitchFamily="49" charset="0"/>
+              </a:rPr>
+              <a:t>Worker</a:t>
+            </a:r>
+            <a:endParaRPr lang="da-DK" dirty="0">
+              <a:solidFill>
+                <a:srgbClr val="000000"/>
+              </a:solidFill>
+              <a:latin typeface="Consolas" panose="020B0609020204030204" pitchFamily="49" charset="0"/>
+            </a:endParaRPr>
+          </a:p>
+          <a:p>
+            <a:r>
+              <a:rPr lang="en-DK" dirty="0">
+                <a:solidFill>
+                  <a:srgbClr val="000000"/>
+                </a:solidFill>
+                <a:latin typeface="Consolas" panose="020B0609020204030204" pitchFamily="49" charset="0"/>
+              </a:rPr>
+              <a:t>{</a:t>
+            </a:r>
+          </a:p>
+          <a:p>
+            <a:r>
+              <a:rPr lang="en-US" dirty="0">
+                <a:solidFill>
+                  <a:srgbClr val="000000"/>
+                </a:solidFill>
+                <a:latin typeface="Consolas" panose="020B0609020204030204" pitchFamily="49" charset="0"/>
+              </a:rPr>
+              <a:t>    </a:t>
+            </a:r>
+            <a:r>
+              <a:rPr lang="en-US" dirty="0">
+                <a:solidFill>
+                  <a:srgbClr val="0000FF"/>
+                </a:solidFill>
+                <a:latin typeface="Consolas" panose="020B0609020204030204" pitchFamily="49" charset="0"/>
+              </a:rPr>
+              <a:t>public</a:t>
+            </a:r>
+            <a:r>
+              <a:rPr lang="en-US" dirty="0">
+                <a:solidFill>
+                  <a:srgbClr val="000000"/>
+                </a:solidFill>
+                <a:latin typeface="Consolas" panose="020B0609020204030204" pitchFamily="49" charset="0"/>
+              </a:rPr>
+              <a:t> </a:t>
+            </a:r>
+            <a:r>
+              <a:rPr lang="en-US" dirty="0" err="1">
+                <a:solidFill>
+                  <a:srgbClr val="2B91AF"/>
+                </a:solidFill>
+                <a:latin typeface="Consolas" panose="020B0609020204030204" pitchFamily="49" charset="0"/>
+              </a:rPr>
+              <a:t>IFooService</a:t>
+            </a:r>
+            <a:r>
+              <a:rPr lang="en-US" dirty="0">
+                <a:solidFill>
+                  <a:srgbClr val="000000"/>
+                </a:solidFill>
+                <a:latin typeface="Consolas" panose="020B0609020204030204" pitchFamily="49" charset="0"/>
+              </a:rPr>
+              <a:t> Service { </a:t>
+            </a:r>
+            <a:r>
+              <a:rPr lang="en-US" dirty="0">
+                <a:solidFill>
+                  <a:srgbClr val="0000FF"/>
+                </a:solidFill>
+                <a:latin typeface="Consolas" panose="020B0609020204030204" pitchFamily="49" charset="0"/>
+              </a:rPr>
+              <a:t>private</a:t>
+            </a:r>
+            <a:r>
+              <a:rPr lang="en-US" dirty="0">
+                <a:solidFill>
+                  <a:srgbClr val="000000"/>
+                </a:solidFill>
+                <a:latin typeface="Consolas" panose="020B0609020204030204" pitchFamily="49" charset="0"/>
+              </a:rPr>
+              <a:t> </a:t>
+            </a:r>
+            <a:r>
+              <a:rPr lang="en-US" dirty="0">
+                <a:solidFill>
+                  <a:srgbClr val="0000FF"/>
+                </a:solidFill>
+                <a:latin typeface="Consolas" panose="020B0609020204030204" pitchFamily="49" charset="0"/>
+              </a:rPr>
+              <a:t>get</a:t>
+            </a:r>
+            <a:r>
+              <a:rPr lang="en-US" dirty="0">
+                <a:solidFill>
+                  <a:srgbClr val="000000"/>
+                </a:solidFill>
+                <a:latin typeface="Consolas" panose="020B0609020204030204" pitchFamily="49" charset="0"/>
+              </a:rPr>
+              <a:t>; </a:t>
+            </a:r>
+            <a:r>
+              <a:rPr lang="en-US" dirty="0">
+                <a:solidFill>
+                  <a:srgbClr val="0000FF"/>
+                </a:solidFill>
+                <a:latin typeface="Consolas" panose="020B0609020204030204" pitchFamily="49" charset="0"/>
+              </a:rPr>
+              <a:t>set</a:t>
+            </a:r>
+            <a:r>
+              <a:rPr lang="en-US" dirty="0">
+                <a:solidFill>
+                  <a:srgbClr val="000000"/>
+                </a:solidFill>
+                <a:latin typeface="Consolas" panose="020B0609020204030204" pitchFamily="49" charset="0"/>
+              </a:rPr>
+              <a:t>; }</a:t>
+            </a:r>
+          </a:p>
+          <a:p>
+            <a:endParaRPr lang="en-DK" dirty="0">
+              <a:solidFill>
+                <a:srgbClr val="000000"/>
+              </a:solidFill>
+              <a:latin typeface="Consolas" panose="020B0609020204030204" pitchFamily="49" charset="0"/>
+            </a:endParaRPr>
+          </a:p>
+          <a:p>
+            <a:r>
+              <a:rPr lang="en-US" dirty="0">
+                <a:solidFill>
+                  <a:srgbClr val="000000"/>
+                </a:solidFill>
+                <a:latin typeface="Consolas" panose="020B0609020204030204" pitchFamily="49" charset="0"/>
+              </a:rPr>
+              <a:t>    </a:t>
+            </a:r>
+            <a:r>
+              <a:rPr lang="en-US" dirty="0">
+                <a:solidFill>
+                  <a:srgbClr val="0000FF"/>
+                </a:solidFill>
+                <a:latin typeface="Consolas" panose="020B0609020204030204" pitchFamily="49" charset="0"/>
+              </a:rPr>
+              <a:t>public</a:t>
+            </a:r>
+            <a:r>
+              <a:rPr lang="en-US" dirty="0">
+                <a:solidFill>
+                  <a:srgbClr val="000000"/>
+                </a:solidFill>
+                <a:latin typeface="Consolas" panose="020B0609020204030204" pitchFamily="49" charset="0"/>
+              </a:rPr>
+              <a:t> </a:t>
+            </a:r>
+            <a:r>
+              <a:rPr lang="en-US" dirty="0">
+                <a:solidFill>
+                  <a:srgbClr val="0000FF"/>
+                </a:solidFill>
+                <a:latin typeface="Consolas" panose="020B0609020204030204" pitchFamily="49" charset="0"/>
+              </a:rPr>
+              <a:t>void</a:t>
+            </a:r>
+            <a:r>
+              <a:rPr lang="en-US" dirty="0">
+                <a:solidFill>
+                  <a:srgbClr val="000000"/>
+                </a:solidFill>
+                <a:latin typeface="Consolas" panose="020B0609020204030204" pitchFamily="49" charset="0"/>
+              </a:rPr>
+              <a:t> </a:t>
+            </a:r>
+            <a:r>
+              <a:rPr lang="en-US" dirty="0" err="1">
+                <a:solidFill>
+                  <a:srgbClr val="000000"/>
+                </a:solidFill>
+                <a:latin typeface="Consolas" panose="020B0609020204030204" pitchFamily="49" charset="0"/>
+              </a:rPr>
+              <a:t>DoWork</a:t>
+            </a:r>
+            <a:r>
+              <a:rPr lang="en-US" dirty="0">
+                <a:solidFill>
+                  <a:srgbClr val="000000"/>
+                </a:solidFill>
+                <a:latin typeface="Consolas" panose="020B0609020204030204" pitchFamily="49" charset="0"/>
+              </a:rPr>
+              <a:t>(</a:t>
+            </a:r>
+            <a:r>
+              <a:rPr lang="en-US" dirty="0">
+                <a:solidFill>
+                  <a:srgbClr val="2B91AF"/>
+                </a:solidFill>
+                <a:latin typeface="Consolas" panose="020B0609020204030204" pitchFamily="49" charset="0"/>
+              </a:rPr>
+              <a:t>Foo</a:t>
+            </a:r>
+            <a:r>
+              <a:rPr lang="en-US" dirty="0">
+                <a:solidFill>
+                  <a:srgbClr val="000000"/>
+                </a:solidFill>
+                <a:latin typeface="Consolas" panose="020B0609020204030204" pitchFamily="49" charset="0"/>
+              </a:rPr>
+              <a:t> foo)</a:t>
+            </a:r>
+          </a:p>
+          <a:p>
+            <a:r>
+              <a:rPr lang="en-DK" dirty="0">
+                <a:solidFill>
+                  <a:srgbClr val="000000"/>
+                </a:solidFill>
+                <a:latin typeface="Consolas" panose="020B0609020204030204" pitchFamily="49" charset="0"/>
+              </a:rPr>
+              <a:t>    {</a:t>
+            </a:r>
+          </a:p>
+          <a:p>
+            <a:r>
+              <a:rPr lang="da-DK" dirty="0">
+                <a:solidFill>
+                  <a:srgbClr val="000000"/>
+                </a:solidFill>
+                <a:latin typeface="Consolas" panose="020B0609020204030204" pitchFamily="49" charset="0"/>
+              </a:rPr>
+              <a:t>        Service?.Update(foo);</a:t>
+            </a:r>
+          </a:p>
+          <a:p>
+            <a:r>
+              <a:rPr lang="en-DK" dirty="0">
+                <a:solidFill>
+                  <a:srgbClr val="000000"/>
+                </a:solidFill>
+                <a:latin typeface="Consolas" panose="020B0609020204030204" pitchFamily="49" charset="0"/>
+              </a:rPr>
+              <a:t>    }</a:t>
+            </a:r>
+          </a:p>
+          <a:p>
+            <a:r>
+              <a:rPr lang="en-DK" dirty="0">
+                <a:solidFill>
+                  <a:srgbClr val="000000"/>
+                </a:solidFill>
+                <a:latin typeface="Consolas" panose="020B0609020204030204" pitchFamily="49" charset="0"/>
+              </a:rPr>
+              <a:t>}</a:t>
+            </a:r>
+            <a:endParaRPr lang="en-DK" dirty="0"/>
+          </a:p>
+        </p:txBody>
+      </p:sp>
+      <p:sp>
+        <p:nvSpPr>
+          <p:cNvPr id="6" name="Speech Bubble: Rectangle 5">
+            <a:extLst>
+              <a:ext uri="{FF2B5EF4-FFF2-40B4-BE49-F238E27FC236}">
+                <a16:creationId xmlns:a16="http://schemas.microsoft.com/office/drawing/2014/main" id="{1B5353CC-4C7B-4A69-938F-FF3DDF1462DA}"/>
+              </a:ext>
+            </a:extLst>
+          </p:cNvPr>
+          <p:cNvSpPr/>
+          <p:nvPr/>
+        </p:nvSpPr>
+        <p:spPr bwMode="auto">
+          <a:xfrm>
+            <a:off x="5943427" y="4868847"/>
+            <a:ext cx="2925620" cy="636870"/>
+          </a:xfrm>
+          <a:prstGeom prst="wedgeRectCallout">
+            <a:avLst>
+              <a:gd name="adj1" fmla="val -153922"/>
+              <a:gd name="adj2" fmla="val -187979"/>
+            </a:avLst>
+          </a:prstGeom>
+          <a:solidFill>
+            <a:srgbClr val="68217A"/>
+          </a:solidFill>
+          <a:ln>
+            <a:noFill/>
+            <a:headEnd type="none" w="med" len="med"/>
+            <a:tailEnd type="none" w="med" len="med"/>
+          </a:ln>
+          <a:effectLst/>
+        </p:spPr>
+        <p:style>
+          <a:lnRef idx="1">
+            <a:schemeClr val="accent2"/>
+          </a:lnRef>
+          <a:fillRef idx="3">
+            <a:schemeClr val="accent2"/>
+          </a:fillRef>
+          <a:effectRef idx="2">
+            <a:schemeClr val="accent2"/>
+          </a:effectRef>
+          <a:fontRef idx="minor">
+            <a:schemeClr val="lt1"/>
+          </a:fontRef>
+        </p:style>
+        <p:txBody>
+          <a:bodyPr rot="0" spcFirstLastPara="0" vertOverflow="overflow" horzOverflow="overflow" vert="horz" wrap="square" lIns="182880" tIns="146304" rIns="182880" bIns="146304" numCol="1" spcCol="0" rtlCol="0" fromWordArt="0" anchor="t" anchorCtr="0" forceAA="0" compatLnSpc="1">
+            <a:prstTxWarp prst="textNoShape">
+              <a:avLst/>
+            </a:prstTxWarp>
+            <a:noAutofit/>
+          </a:bodyPr>
+          <a:lstStyle/>
+          <a:p>
+            <a:pPr algn="ctr" defTabSz="932472" fontAlgn="base">
+              <a:lnSpc>
+                <a:spcPct val="90000"/>
+              </a:lnSpc>
+              <a:spcBef>
+                <a:spcPct val="0"/>
+              </a:spcBef>
+              <a:spcAft>
+                <a:spcPct val="0"/>
+              </a:spcAft>
+            </a:pPr>
+            <a:r>
+              <a:rPr lang="da-DK" sz="2400" dirty="0">
+                <a:gradFill>
+                  <a:gsLst>
+                    <a:gs pos="0">
+                      <a:srgbClr val="FFFFFF"/>
+                    </a:gs>
+                    <a:gs pos="100000">
+                      <a:srgbClr val="FFFFFF"/>
+                    </a:gs>
+                  </a:gsLst>
+                  <a:lin ang="5400000" scaled="0"/>
+                </a:gradFill>
+                <a:ea typeface="Segoe UI" pitchFamily="34" charset="0"/>
+                <a:cs typeface="Segoe UI" pitchFamily="34" charset="0"/>
+              </a:rPr>
+              <a:t>Is this King?</a:t>
+            </a:r>
+          </a:p>
+        </p:txBody>
+      </p:sp>
+    </p:spTree>
+    <p:extLst>
+      <p:ext uri="{BB962C8B-B14F-4D97-AF65-F5344CB8AC3E}">
+        <p14:creationId xmlns:p14="http://schemas.microsoft.com/office/powerpoint/2010/main" val="548886773"/>
+      </p:ext>
+    </p:extLst>
+  </p:cSld>
+  <p:clrMapOvr>
+    <a:masterClrMapping/>
+  </p:clrMapOvr>
+  <p:transition>
+    <p:fade/>
+  </p:transition>
+</p:sld>
+</file>
+
+<file path=ppt/slides/slide11.xml><?xml version="1.0" encoding="utf-8"?>
+<p:sld xmlns:a="http://schemas.openxmlformats.org/drawingml/2006/main" xmlns:r="http://schemas.openxmlformats.org/officeDocument/2006/relationships" xmlns:p="http://schemas.openxmlformats.org/presentationml/2006/main">
+  <p:cSld>
+    <p:spTree>
+      <p:nvGrpSpPr>
+        <p:cNvPr id="1" name=""/>
+        <p:cNvGrpSpPr/>
+        <p:nvPr/>
+      </p:nvGrpSpPr>
+      <p:grpSpPr>
+        <a:xfrm>
+          <a:off x="0" y="0"/>
+          <a:ext cx="0" cy="0"/>
+          <a:chOff x="0" y="0"/>
+          <a:chExt cx="0" cy="0"/>
+        </a:xfrm>
+      </p:grpSpPr>
+      <p:sp>
+        <p:nvSpPr>
+          <p:cNvPr id="2" name="Title 1"/>
+          <p:cNvSpPr>
+            <a:spLocks noGrp="1"/>
+          </p:cNvSpPr>
+          <p:nvPr>
+            <p:ph type="title"/>
+          </p:nvPr>
+        </p:nvSpPr>
+        <p:spPr/>
+        <p:txBody>
+          <a:bodyPr/>
+          <a:lstStyle/>
+          <a:p>
+            <a:r>
+              <a:rPr lang="da-DK" dirty="0"/>
+              <a:t>Interface </a:t>
+            </a:r>
+            <a:r>
+              <a:rPr lang="da-DK" dirty="0" err="1"/>
+              <a:t>Injection</a:t>
+            </a:r>
+            <a:endParaRPr lang="da-DK" dirty="0"/>
+          </a:p>
+        </p:txBody>
+      </p:sp>
+      <p:sp>
+        <p:nvSpPr>
+          <p:cNvPr id="3" name="Rectangle 2"/>
+          <p:cNvSpPr/>
+          <p:nvPr/>
+        </p:nvSpPr>
+        <p:spPr>
+          <a:xfrm>
+            <a:off x="2377306" y="2204601"/>
+            <a:ext cx="4571950" cy="2585323"/>
+          </a:xfrm>
+          <a:prstGeom prst="rect">
+            <a:avLst/>
+          </a:prstGeom>
+        </p:spPr>
+        <p:txBody>
+          <a:bodyPr wrap="square">
+            <a:spAutoFit/>
+          </a:bodyPr>
+          <a:lstStyle/>
+          <a:p>
+            <a:r>
+              <a:rPr lang="da-DK" dirty="0">
+                <a:solidFill>
+                  <a:srgbClr val="0000FF"/>
+                </a:solidFill>
+                <a:latin typeface="Consolas" panose="020B0609020204030204" pitchFamily="49" charset="0"/>
+              </a:rPr>
+              <a:t>public</a:t>
+            </a:r>
+            <a:r>
+              <a:rPr lang="da-DK" dirty="0">
+                <a:solidFill>
+                  <a:srgbClr val="000000"/>
+                </a:solidFill>
+                <a:latin typeface="Consolas" panose="020B0609020204030204" pitchFamily="49" charset="0"/>
+              </a:rPr>
+              <a:t> </a:t>
+            </a:r>
+            <a:r>
+              <a:rPr lang="da-DK" dirty="0">
+                <a:solidFill>
+                  <a:srgbClr val="0000FF"/>
+                </a:solidFill>
+                <a:latin typeface="Consolas" panose="020B0609020204030204" pitchFamily="49" charset="0"/>
+              </a:rPr>
+              <a:t>interface</a:t>
+            </a:r>
+            <a:r>
+              <a:rPr lang="da-DK" dirty="0">
+                <a:solidFill>
+                  <a:srgbClr val="000000"/>
+                </a:solidFill>
+                <a:latin typeface="Consolas" panose="020B0609020204030204" pitchFamily="49" charset="0"/>
+              </a:rPr>
+              <a:t> </a:t>
+            </a:r>
+            <a:r>
+              <a:rPr lang="da-DK" dirty="0" err="1">
+                <a:solidFill>
+                  <a:srgbClr val="2B91AF"/>
+                </a:solidFill>
+                <a:latin typeface="Consolas" panose="020B0609020204030204" pitchFamily="49" charset="0"/>
+              </a:rPr>
+              <a:t>IServiceSetter</a:t>
+            </a:r>
+            <a:r>
+              <a:rPr lang="da-DK" dirty="0">
+                <a:solidFill>
+                  <a:srgbClr val="000000"/>
+                </a:solidFill>
+                <a:latin typeface="Consolas" panose="020B0609020204030204" pitchFamily="49" charset="0"/>
+              </a:rPr>
+              <a:t>&lt;</a:t>
+            </a:r>
+            <a:r>
+              <a:rPr lang="da-DK" dirty="0">
+                <a:solidFill>
+                  <a:srgbClr val="2B91AF"/>
+                </a:solidFill>
+                <a:latin typeface="Consolas" panose="020B0609020204030204" pitchFamily="49" charset="0"/>
+              </a:rPr>
+              <a:t>T</a:t>
+            </a:r>
+            <a:r>
+              <a:rPr lang="da-DK" dirty="0">
+                <a:solidFill>
+                  <a:srgbClr val="000000"/>
+                </a:solidFill>
+                <a:latin typeface="Consolas" panose="020B0609020204030204" pitchFamily="49" charset="0"/>
+              </a:rPr>
+              <a:t>&gt;</a:t>
+            </a:r>
+          </a:p>
+          <a:p>
+            <a:r>
+              <a:rPr lang="da-DK" dirty="0">
+                <a:solidFill>
+                  <a:srgbClr val="000000"/>
+                </a:solidFill>
+                <a:latin typeface="Consolas" panose="020B0609020204030204" pitchFamily="49" charset="0"/>
+              </a:rPr>
+              <a:t>{</a:t>
+            </a:r>
+          </a:p>
+          <a:p>
+            <a:r>
+              <a:rPr lang="da-DK" dirty="0">
+                <a:solidFill>
+                  <a:srgbClr val="000000"/>
+                </a:solidFill>
+                <a:latin typeface="Consolas" panose="020B0609020204030204" pitchFamily="49" charset="0"/>
+              </a:rPr>
+              <a:t>    </a:t>
+            </a:r>
+            <a:r>
+              <a:rPr lang="da-DK" dirty="0" err="1">
+                <a:solidFill>
+                  <a:srgbClr val="0000FF"/>
+                </a:solidFill>
+                <a:latin typeface="Consolas" panose="020B0609020204030204" pitchFamily="49" charset="0"/>
+              </a:rPr>
+              <a:t>void</a:t>
+            </a:r>
+            <a:r>
+              <a:rPr lang="da-DK" dirty="0">
+                <a:solidFill>
+                  <a:srgbClr val="000000"/>
+                </a:solidFill>
+                <a:latin typeface="Consolas" panose="020B0609020204030204" pitchFamily="49" charset="0"/>
+              </a:rPr>
+              <a:t> </a:t>
+            </a:r>
+            <a:r>
+              <a:rPr lang="da-DK" dirty="0" err="1">
+                <a:solidFill>
+                  <a:srgbClr val="000000"/>
+                </a:solidFill>
+                <a:latin typeface="Consolas" panose="020B0609020204030204" pitchFamily="49" charset="0"/>
+              </a:rPr>
+              <a:t>SetService</a:t>
+            </a:r>
+            <a:r>
+              <a:rPr lang="da-DK" dirty="0">
+                <a:solidFill>
+                  <a:srgbClr val="000000"/>
+                </a:solidFill>
+                <a:latin typeface="Consolas" panose="020B0609020204030204" pitchFamily="49" charset="0"/>
+              </a:rPr>
+              <a:t>(</a:t>
+            </a:r>
+            <a:r>
+              <a:rPr lang="da-DK" dirty="0">
+                <a:solidFill>
+                  <a:srgbClr val="2B91AF"/>
+                </a:solidFill>
+                <a:latin typeface="Consolas" panose="020B0609020204030204" pitchFamily="49" charset="0"/>
+              </a:rPr>
+              <a:t>T</a:t>
+            </a:r>
+            <a:r>
+              <a:rPr lang="da-DK" dirty="0">
+                <a:solidFill>
+                  <a:srgbClr val="000000"/>
+                </a:solidFill>
+                <a:latin typeface="Consolas" panose="020B0609020204030204" pitchFamily="49" charset="0"/>
+              </a:rPr>
+              <a:t> service);</a:t>
+            </a:r>
+          </a:p>
+          <a:p>
+            <a:r>
+              <a:rPr lang="da-DK" dirty="0">
+                <a:solidFill>
+                  <a:srgbClr val="000000"/>
+                </a:solidFill>
+                <a:latin typeface="Consolas" panose="020B0609020204030204" pitchFamily="49" charset="0"/>
+              </a:rPr>
+              <a:t>}</a:t>
+            </a:r>
+          </a:p>
+          <a:p>
+            <a:endParaRPr lang="da-DK" dirty="0">
+              <a:solidFill>
+                <a:srgbClr val="000000"/>
+              </a:solidFill>
+              <a:latin typeface="Consolas" panose="020B0609020204030204" pitchFamily="49" charset="0"/>
+            </a:endParaRPr>
+          </a:p>
+          <a:p>
+            <a:r>
+              <a:rPr lang="da-DK" dirty="0">
+                <a:solidFill>
+                  <a:srgbClr val="0000FF"/>
+                </a:solidFill>
+                <a:latin typeface="Consolas" panose="020B0609020204030204" pitchFamily="49" charset="0"/>
+              </a:rPr>
+              <a:t>public</a:t>
+            </a:r>
+            <a:r>
+              <a:rPr lang="da-DK" dirty="0">
+                <a:solidFill>
+                  <a:srgbClr val="000000"/>
+                </a:solidFill>
+                <a:latin typeface="Consolas" panose="020B0609020204030204" pitchFamily="49" charset="0"/>
+              </a:rPr>
+              <a:t> </a:t>
+            </a:r>
+            <a:r>
+              <a:rPr lang="da-DK" dirty="0">
+                <a:solidFill>
+                  <a:srgbClr val="0000FF"/>
+                </a:solidFill>
+                <a:latin typeface="Consolas" panose="020B0609020204030204" pitchFamily="49" charset="0"/>
+              </a:rPr>
+              <a:t>interface</a:t>
+            </a:r>
+            <a:r>
+              <a:rPr lang="da-DK" dirty="0">
+                <a:solidFill>
+                  <a:srgbClr val="000000"/>
+                </a:solidFill>
+                <a:latin typeface="Consolas" panose="020B0609020204030204" pitchFamily="49" charset="0"/>
+              </a:rPr>
+              <a:t> </a:t>
+            </a:r>
+            <a:r>
+              <a:rPr lang="da-DK" dirty="0">
+                <a:solidFill>
+                  <a:srgbClr val="2B91AF"/>
+                </a:solidFill>
+                <a:latin typeface="Consolas" panose="020B0609020204030204" pitchFamily="49" charset="0"/>
+              </a:rPr>
+              <a:t>IServiceSetter</a:t>
+            </a:r>
+            <a:r>
+              <a:rPr lang="da-DK" dirty="0">
+                <a:solidFill>
+                  <a:srgbClr val="000000"/>
+                </a:solidFill>
+                <a:latin typeface="Consolas" panose="020B0609020204030204" pitchFamily="49" charset="0"/>
+              </a:rPr>
+              <a:t>&lt;</a:t>
+            </a:r>
+            <a:r>
+              <a:rPr lang="da-DK" dirty="0">
+                <a:solidFill>
+                  <a:srgbClr val="2B91AF"/>
+                </a:solidFill>
+                <a:latin typeface="Consolas" panose="020B0609020204030204" pitchFamily="49" charset="0"/>
+              </a:rPr>
+              <a:t>T</a:t>
+            </a:r>
+            <a:r>
+              <a:rPr lang="da-DK" dirty="0">
+                <a:solidFill>
+                  <a:srgbClr val="000000"/>
+                </a:solidFill>
+                <a:latin typeface="Consolas" panose="020B0609020204030204" pitchFamily="49" charset="0"/>
+              </a:rPr>
+              <a:t>&gt;</a:t>
+            </a:r>
+          </a:p>
+          <a:p>
+            <a:r>
+              <a:rPr lang="da-DK" dirty="0">
+                <a:solidFill>
+                  <a:srgbClr val="000000"/>
+                </a:solidFill>
+                <a:latin typeface="Consolas" panose="020B0609020204030204" pitchFamily="49" charset="0"/>
+              </a:rPr>
+              <a:t>{</a:t>
+            </a:r>
+          </a:p>
+          <a:p>
+            <a:r>
+              <a:rPr lang="da-DK" dirty="0">
+                <a:solidFill>
+                  <a:srgbClr val="000000"/>
+                </a:solidFill>
+                <a:latin typeface="Consolas" panose="020B0609020204030204" pitchFamily="49" charset="0"/>
+              </a:rPr>
+              <a:t>    </a:t>
+            </a:r>
+            <a:r>
+              <a:rPr lang="da-DK" dirty="0">
+                <a:solidFill>
+                  <a:srgbClr val="2B91AF"/>
+                </a:solidFill>
+                <a:latin typeface="Consolas" panose="020B0609020204030204" pitchFamily="49" charset="0"/>
+              </a:rPr>
+              <a:t>T</a:t>
+            </a:r>
+            <a:r>
+              <a:rPr lang="da-DK" dirty="0">
+                <a:solidFill>
+                  <a:srgbClr val="000000"/>
+                </a:solidFill>
+                <a:latin typeface="Consolas" panose="020B0609020204030204" pitchFamily="49" charset="0"/>
+              </a:rPr>
+              <a:t> Service { </a:t>
+            </a:r>
+            <a:r>
+              <a:rPr lang="da-DK" dirty="0">
+                <a:solidFill>
+                  <a:srgbClr val="0000FF"/>
+                </a:solidFill>
+                <a:latin typeface="Consolas" panose="020B0609020204030204" pitchFamily="49" charset="0"/>
+              </a:rPr>
+              <a:t>set</a:t>
+            </a:r>
+            <a:r>
+              <a:rPr lang="da-DK" dirty="0">
+                <a:solidFill>
+                  <a:srgbClr val="000000"/>
+                </a:solidFill>
+                <a:latin typeface="Consolas" panose="020B0609020204030204" pitchFamily="49" charset="0"/>
+              </a:rPr>
+              <a:t>; }</a:t>
+            </a:r>
+          </a:p>
+          <a:p>
+            <a:r>
+              <a:rPr lang="da-DK" dirty="0">
+                <a:solidFill>
+                  <a:srgbClr val="000000"/>
+                </a:solidFill>
+                <a:latin typeface="Consolas" panose="020B0609020204030204" pitchFamily="49" charset="0"/>
+              </a:rPr>
+              <a:t>}</a:t>
+            </a:r>
+          </a:p>
+        </p:txBody>
+      </p:sp>
+    </p:spTree>
+    <p:extLst>
+      <p:ext uri="{BB962C8B-B14F-4D97-AF65-F5344CB8AC3E}">
+        <p14:creationId xmlns:p14="http://schemas.microsoft.com/office/powerpoint/2010/main" val="3839271333"/>
+      </p:ext>
+    </p:extLst>
+  </p:cSld>
+  <p:clrMapOvr>
+    <a:masterClrMapping/>
+  </p:clrMapOvr>
+  <p:transition>
+    <p:fade/>
+  </p:transition>
+</p:sld>
+</file>
+
+<file path=ppt/slides/slide12.xml><?xml version="1.0" encoding="utf-8"?>
+<p:sld xmlns:a="http://schemas.openxmlformats.org/drawingml/2006/main" xmlns:r="http://schemas.openxmlformats.org/officeDocument/2006/relationships" xmlns:p="http://schemas.openxmlformats.org/presentationml/2006/main">
+  <p:cSld>
+    <p:spTree>
+      <p:nvGrpSpPr>
+        <p:cNvPr id="1" name=""/>
+        <p:cNvGrpSpPr/>
+        <p:nvPr/>
+      </p:nvGrpSpPr>
+      <p:grpSpPr>
+        <a:xfrm>
+          <a:off x="0" y="0"/>
+          <a:ext cx="0" cy="0"/>
+          <a:chOff x="0" y="0"/>
+          <a:chExt cx="0" cy="0"/>
+        </a:xfrm>
+      </p:grpSpPr>
+      <p:sp>
+        <p:nvSpPr>
+          <p:cNvPr id="2" name="Title 1"/>
+          <p:cNvSpPr>
+            <a:spLocks noGrp="1"/>
+          </p:cNvSpPr>
+          <p:nvPr>
+            <p:ph type="title"/>
+          </p:nvPr>
+        </p:nvSpPr>
+        <p:spPr/>
+        <p:txBody>
+          <a:bodyPr/>
+          <a:lstStyle/>
+          <a:p>
+            <a:r>
+              <a:rPr lang="da-DK" dirty="0"/>
               <a:t>Interface </a:t>
             </a:r>
             <a:r>
@@ -5413,7 +6365,7 @@
 </p:sld>
 </file>
 
-<file path=ppt/slides/slide11.xml><?xml version="1.0" encoding="utf-8"?>
+<file path=ppt/slides/slide13.xml><?xml version="1.0" encoding="utf-8"?>
 <p:sld xmlns:a="http://schemas.openxmlformats.org/drawingml/2006/main" xmlns:r="http://schemas.openxmlformats.org/officeDocument/2006/relationships" xmlns:p="http://schemas.openxmlformats.org/presentationml/2006/main">
   <p:cSld>
     <p:spTree>
@@ -6054,7 +7006,7 @@
 </p:sld>
 </file>
 
-<file path=ppt/slides/slide12.xml><?xml version="1.0" encoding="utf-8"?>
+<file path=ppt/slides/slide14.xml><?xml version="1.0" encoding="utf-8"?>
 <p:sld xmlns:a="http://schemas.openxmlformats.org/drawingml/2006/main" xmlns:r="http://schemas.openxmlformats.org/officeDocument/2006/relationships" xmlns:p="http://schemas.openxmlformats.org/presentationml/2006/main">
   <p:cSld>
     <p:bg>
@@ -6278,7 +7230,7 @@
         </p:nvSpPr>
         <p:spPr bwMode="auto">
           <a:xfrm>
-            <a:off x="914282" y="2399994"/>
+            <a:off x="1188599" y="1746211"/>
             <a:ext cx="2926048" cy="1463024"/>
           </a:xfrm>
           <a:prstGeom prst="rect">
@@ -6416,7 +7368,7 @@
         </p:nvSpPr>
         <p:spPr bwMode="auto">
           <a:xfrm>
-            <a:off x="3291696" y="4685969"/>
+            <a:off x="3584272" y="4620209"/>
             <a:ext cx="2926048" cy="1097268"/>
           </a:xfrm>
           <a:prstGeom prst="rect">
@@ -6597,6 +7549,83 @@
           </a:p>
         </p:txBody>
       </p:sp>
+      <p:sp>
+        <p:nvSpPr>
+          <p:cNvPr id="7" name="Rectangle 6">
+            <a:extLst>
+              <a:ext uri="{FF2B5EF4-FFF2-40B4-BE49-F238E27FC236}">
+                <a16:creationId xmlns:a16="http://schemas.microsoft.com/office/drawing/2014/main" id="{508343B8-FABD-425E-BFA1-BCE8FBED6ABC}"/>
+              </a:ext>
+            </a:extLst>
+          </p:cNvPr>
+          <p:cNvSpPr/>
+          <p:nvPr/>
+        </p:nvSpPr>
+        <p:spPr bwMode="auto">
+          <a:xfrm>
+            <a:off x="274209" y="4984917"/>
+            <a:ext cx="2926048" cy="1097268"/>
+          </a:xfrm>
+          <a:prstGeom prst="rect">
+            <a:avLst/>
+          </a:prstGeom>
+          <a:solidFill>
+            <a:srgbClr val="333333"/>
+          </a:solidFill>
+          <a:ln>
+            <a:noFill/>
+            <a:headEnd type="none" w="med" len="med"/>
+            <a:tailEnd type="none" w="med" len="med"/>
+          </a:ln>
+          <a:effectLst/>
+        </p:spPr>
+        <p:style>
+          <a:lnRef idx="1">
+            <a:schemeClr val="accent2"/>
+          </a:lnRef>
+          <a:fillRef idx="3">
+            <a:schemeClr val="accent2"/>
+          </a:fillRef>
+          <a:effectRef idx="2">
+            <a:schemeClr val="accent2"/>
+          </a:effectRef>
+          <a:fontRef idx="minor">
+            <a:schemeClr val="lt1"/>
+          </a:fontRef>
+        </p:style>
+        <p:txBody>
+          <a:bodyPr rot="0" spcFirstLastPara="0" vertOverflow="overflow" horzOverflow="overflow" vert="horz" wrap="square" lIns="182880" tIns="146304" rIns="182880" bIns="146304" numCol="1" spcCol="0" rtlCol="0" fromWordArt="0" anchor="t" anchorCtr="0" forceAA="0" compatLnSpc="1">
+            <a:prstTxWarp prst="textNoShape">
+              <a:avLst/>
+            </a:prstTxWarp>
+            <a:noAutofit/>
+          </a:bodyPr>
+          <a:lstStyle/>
+          <a:p>
+            <a:pPr algn="ctr" defTabSz="932472" fontAlgn="base">
+              <a:lnSpc>
+                <a:spcPct val="90000"/>
+              </a:lnSpc>
+              <a:spcBef>
+                <a:spcPct val="0"/>
+              </a:spcBef>
+              <a:spcAft>
+                <a:spcPct val="0"/>
+              </a:spcAft>
+            </a:pPr>
+            <a:r>
+              <a:rPr lang="da-DK" sz="2800" dirty="0">
+                <a:solidFill>
+                  <a:schemeClr val="bg1"/>
+                </a:solidFill>
+                <a:ea typeface="Segoe UI" pitchFamily="34" charset="0"/>
+                <a:cs typeface="Segoe UI" pitchFamily="34" charset="0"/>
+              </a:rPr>
+              <a:t>Program to interface</a:t>
+            </a:r>
+          </a:p>
+        </p:txBody>
+      </p:sp>
     </p:spTree>
     <p:extLst>
       <p:ext uri="{BB962C8B-B14F-4D97-AF65-F5344CB8AC3E}">
@@ -6613,7 +7642,7 @@
 </p:sld>
 </file>
 
-<file path=ppt/slides/slide13.xml><?xml version="1.0" encoding="utf-8"?>
+<file path=ppt/slides/slide15.xml><?xml version="1.0" encoding="utf-8"?>
 <p:sld xmlns:a="http://schemas.openxmlformats.org/drawingml/2006/main" xmlns:r="http://schemas.openxmlformats.org/officeDocument/2006/relationships" xmlns:p="http://schemas.openxmlformats.org/presentationml/2006/main">
   <p:cSld>
     <p:spTree>
@@ -6929,7 +7958,7 @@
 </p:sld>
 </file>
 
-<file path=ppt/slides/slide14.xml><?xml version="1.0" encoding="utf-8"?>
+<file path=ppt/slides/slide16.xml><?xml version="1.0" encoding="utf-8"?>
 <p:sld xmlns:a="http://schemas.openxmlformats.org/drawingml/2006/main" xmlns:r="http://schemas.openxmlformats.org/officeDocument/2006/relationships" xmlns:p="http://schemas.openxmlformats.org/presentationml/2006/main">
   <p:cSld>
     <p:spTree>
@@ -7037,7 +8066,7 @@
 </p:sld>
 </file>
 
-<file path=ppt/slides/slide15.xml><?xml version="1.0" encoding="utf-8"?>
+<file path=ppt/slides/slide17.xml><?xml version="1.0" encoding="utf-8"?>
 <p:sld xmlns:a="http://schemas.openxmlformats.org/drawingml/2006/main" xmlns:r="http://schemas.openxmlformats.org/officeDocument/2006/relationships" xmlns:p="http://schemas.openxmlformats.org/presentationml/2006/main">
   <p:cSld>
     <p:bg>
@@ -7492,7 +8521,7 @@
 </p:sld>
 </file>
 
-<file path=ppt/slides/slide16.xml><?xml version="1.0" encoding="utf-8"?>
+<file path=ppt/slides/slide18.xml><?xml version="1.0" encoding="utf-8"?>
 <p:sld xmlns:a="http://schemas.openxmlformats.org/drawingml/2006/main" xmlns:r="http://schemas.openxmlformats.org/officeDocument/2006/relationships" xmlns:p="http://schemas.openxmlformats.org/presentationml/2006/main">
   <p:cSld>
     <p:spTree>
@@ -7884,7 +8913,7 @@
 </p:sld>
 </file>
 
-<file path=ppt/slides/slide17.xml><?xml version="1.0" encoding="utf-8"?>
+<file path=ppt/slides/slide19.xml><?xml version="1.0" encoding="utf-8"?>
 <p:sld xmlns:a="http://schemas.openxmlformats.org/drawingml/2006/main" xmlns:r="http://schemas.openxmlformats.org/officeDocument/2006/relationships" xmlns:p="http://schemas.openxmlformats.org/presentationml/2006/main">
   <p:cSld>
     <p:spTree>
@@ -8485,7 +9514,127 @@
 </p:sld>
 </file>
 
-<file path=ppt/slides/slide18.xml><?xml version="1.0" encoding="utf-8"?>
+<file path=ppt/slides/slide2.xml><?xml version="1.0" encoding="utf-8"?>
+<p:sld xmlns:a="http://schemas.openxmlformats.org/drawingml/2006/main" xmlns:r="http://schemas.openxmlformats.org/officeDocument/2006/relationships" xmlns:p="http://schemas.openxmlformats.org/presentationml/2006/main">
+  <p:cSld>
+    <p:spTree>
+      <p:nvGrpSpPr>
+        <p:cNvPr id="1" name=""/>
+        <p:cNvGrpSpPr/>
+        <p:nvPr/>
+      </p:nvGrpSpPr>
+      <p:grpSpPr>
+        <a:xfrm>
+          <a:off x="0" y="0"/>
+          <a:ext cx="0" cy="0"/>
+          <a:chOff x="0" y="0"/>
+          <a:chExt cx="0" cy="0"/>
+        </a:xfrm>
+      </p:grpSpPr>
+      <p:sp>
+        <p:nvSpPr>
+          <p:cNvPr id="3" name="Title 2">
+            <a:extLst>
+              <a:ext uri="{FF2B5EF4-FFF2-40B4-BE49-F238E27FC236}">
+                <a16:creationId xmlns:a16="http://schemas.microsoft.com/office/drawing/2014/main" id="{6888CD1B-76C9-45D3-B9DB-DC60CBAD50CE}"/>
+              </a:ext>
+            </a:extLst>
+          </p:cNvPr>
+          <p:cNvSpPr>
+            <a:spLocks noGrp="1"/>
+          </p:cNvSpPr>
+          <p:nvPr>
+            <p:ph type="title" idx="4294967295"/>
+          </p:nvPr>
+        </p:nvSpPr>
+        <p:spPr>
+          <a:xfrm>
+            <a:off x="273844" y="295275"/>
+            <a:ext cx="8778875" cy="917575"/>
+          </a:xfrm>
+        </p:spPr>
+        <p:txBody>
+          <a:bodyPr/>
+          <a:lstStyle/>
+          <a:p>
+            <a:r>
+              <a:rPr lang="en-US" dirty="0"/>
+              <a:t>Agenda</a:t>
+            </a:r>
+          </a:p>
+        </p:txBody>
+      </p:sp>
+      <p:sp>
+        <p:nvSpPr>
+          <p:cNvPr id="4" name="Text Placeholder 3">
+            <a:extLst>
+              <a:ext uri="{FF2B5EF4-FFF2-40B4-BE49-F238E27FC236}">
+                <a16:creationId xmlns:a16="http://schemas.microsoft.com/office/drawing/2014/main" id="{24CE7346-9E6E-4DCE-9E25-1CB1AC848788}"/>
+              </a:ext>
+            </a:extLst>
+          </p:cNvPr>
+          <p:cNvSpPr>
+            <a:spLocks noGrp="1"/>
+          </p:cNvSpPr>
+          <p:nvPr>
+            <p:ph type="body" sz="quarter" idx="4294967295"/>
+          </p:nvPr>
+        </p:nvSpPr>
+        <p:spPr>
+          <a:xfrm>
+            <a:off x="274637" y="1220788"/>
+            <a:ext cx="8777288" cy="1903412"/>
+          </a:xfrm>
+        </p:spPr>
+        <p:txBody>
+          <a:bodyPr/>
+          <a:lstStyle/>
+          <a:p>
+            <a:pPr marL="0" indent="0">
+              <a:buNone/>
+            </a:pPr>
+            <a:r>
+              <a:rPr lang="en-US" dirty="0"/>
+              <a:t>Testing …</a:t>
+            </a:r>
+          </a:p>
+          <a:p>
+            <a:pPr marL="0" indent="0">
+              <a:buNone/>
+            </a:pPr>
+            <a:r>
+              <a:rPr lang="en-US" dirty="0"/>
+              <a:t>Dependency Injection</a:t>
+            </a:r>
+          </a:p>
+          <a:p>
+            <a:pPr marL="0" indent="0">
+              <a:buNone/>
+            </a:pPr>
+            <a:r>
+              <a:rPr lang="en-US" dirty="0"/>
+              <a:t>Testing Entity Framework</a:t>
+            </a:r>
+          </a:p>
+        </p:txBody>
+      </p:sp>
+    </p:spTree>
+    <p:extLst>
+      <p:ext uri="{BB962C8B-B14F-4D97-AF65-F5344CB8AC3E}">
+        <p14:creationId xmlns:p14="http://schemas.microsoft.com/office/powerpoint/2010/main" val="2988326848"/>
+      </p:ext>
+    </p:extLst>
+  </p:cSld>
+  <p:clrMapOvr>
+    <a:masterClrMapping/>
+  </p:clrMapOvr>
+  <p:transition>
+    <p:fade/>
+  </p:transition>
+</p:sld>
+</file>
+
+<file path=ppt/slides/slide20.xml><?xml version="1.0" encoding="utf-8"?>
 <p:sld xmlns:a="http://schemas.openxmlformats.org/drawingml/2006/main" xmlns:r="http://schemas.openxmlformats.org/officeDocument/2006/relationships" xmlns:p="http://schemas.openxmlformats.org/presentationml/2006/main">
   <p:cSld>
     <p:spTree>
@@ -9321,7 +10470,7 @@
 </p:sld>
 </file>
 
-<file path=ppt/slides/slide19.xml><?xml version="1.0" encoding="utf-8"?>
+<file path=ppt/slides/slide21.xml><?xml version="1.0" encoding="utf-8"?>
 <p:sld xmlns:a="http://schemas.openxmlformats.org/drawingml/2006/main" xmlns:r="http://schemas.openxmlformats.org/officeDocument/2006/relationships" xmlns:p="http://schemas.openxmlformats.org/presentationml/2006/main">
   <p:cSld>
     <p:spTree>
@@ -10206,7 +11355,1775 @@
 </p:sld>
 </file>
 
-<file path=ppt/slides/slide2.xml><?xml version="1.0" encoding="utf-8"?>
+<file path=ppt/slides/slide22.xml><?xml version="1.0" encoding="utf-8"?>
+<p:sld xmlns:a="http://schemas.openxmlformats.org/drawingml/2006/main" xmlns:r="http://schemas.openxmlformats.org/officeDocument/2006/relationships" xmlns:p="http://schemas.openxmlformats.org/presentationml/2006/main">
+  <p:cSld>
+    <p:spTree>
+      <p:nvGrpSpPr>
+        <p:cNvPr id="1" name=""/>
+        <p:cNvGrpSpPr/>
+        <p:nvPr/>
+      </p:nvGrpSpPr>
+      <p:grpSpPr>
+        <a:xfrm>
+          <a:off x="0" y="0"/>
+          <a:ext cx="0" cy="0"/>
+          <a:chOff x="0" y="0"/>
+          <a:chExt cx="0" cy="0"/>
+        </a:xfrm>
+      </p:grpSpPr>
+      <p:sp>
+        <p:nvSpPr>
+          <p:cNvPr id="4" name="Title 3"/>
+          <p:cNvSpPr>
+            <a:spLocks noGrp="1"/>
+          </p:cNvSpPr>
+          <p:nvPr>
+            <p:ph type="title"/>
+          </p:nvPr>
+        </p:nvSpPr>
+        <p:spPr/>
+        <p:txBody>
+          <a:bodyPr/>
+          <a:lstStyle/>
+          <a:p>
+            <a:r>
+              <a:rPr lang="da-DK" dirty="0"/>
+              <a:t>Demo</a:t>
+            </a:r>
+          </a:p>
+        </p:txBody>
+      </p:sp>
+    </p:spTree>
+    <p:extLst>
+      <p:ext uri="{BB962C8B-B14F-4D97-AF65-F5344CB8AC3E}">
+        <p14:creationId xmlns:p14="http://schemas.microsoft.com/office/powerpoint/2010/main" val="3099204126"/>
+      </p:ext>
+    </p:extLst>
+  </p:cSld>
+  <p:clrMapOvr>
+    <a:masterClrMapping/>
+  </p:clrMapOvr>
+  <p:transition>
+    <p:fade/>
+  </p:transition>
+</p:sld>
+</file>
+
+<file path=ppt/slides/slide23.xml><?xml version="1.0" encoding="utf-8"?>
+<p:sld xmlns:a="http://schemas.openxmlformats.org/drawingml/2006/main" xmlns:r="http://schemas.openxmlformats.org/officeDocument/2006/relationships" xmlns:p="http://schemas.openxmlformats.org/presentationml/2006/main">
+  <p:cSld>
+    <p:spTree>
+      <p:nvGrpSpPr>
+        <p:cNvPr id="1" name=""/>
+        <p:cNvGrpSpPr/>
+        <p:nvPr/>
+      </p:nvGrpSpPr>
+      <p:grpSpPr>
+        <a:xfrm>
+          <a:off x="0" y="0"/>
+          <a:ext cx="0" cy="0"/>
+          <a:chOff x="0" y="0"/>
+          <a:chExt cx="0" cy="0"/>
+        </a:xfrm>
+      </p:grpSpPr>
+      <p:sp>
+        <p:nvSpPr>
+          <p:cNvPr id="3" name="Title 2"/>
+          <p:cNvSpPr>
+            <a:spLocks noGrp="1"/>
+          </p:cNvSpPr>
+          <p:nvPr>
+            <p:ph type="title"/>
+          </p:nvPr>
+        </p:nvSpPr>
+        <p:spPr/>
+        <p:txBody>
+          <a:bodyPr/>
+          <a:lstStyle/>
+          <a:p>
+            <a:r>
+              <a:rPr lang="da-DK" dirty="0" err="1"/>
+              <a:t>Testing</a:t>
+            </a:r>
+            <a:r>
+              <a:rPr lang="da-DK" dirty="0"/>
+              <a:t> </a:t>
+            </a:r>
+            <a:br>
+              <a:rPr lang="da-DK" dirty="0"/>
+            </a:br>
+            <a:r>
+              <a:rPr lang="da-DK" dirty="0" err="1"/>
+              <a:t>Entity</a:t>
+            </a:r>
+            <a:r>
+              <a:rPr lang="da-DK" dirty="0"/>
+              <a:t> Framework</a:t>
+            </a:r>
+          </a:p>
+        </p:txBody>
+      </p:sp>
+    </p:spTree>
+    <p:extLst>
+      <p:ext uri="{BB962C8B-B14F-4D97-AF65-F5344CB8AC3E}">
+        <p14:creationId xmlns:p14="http://schemas.microsoft.com/office/powerpoint/2010/main" val="3387630413"/>
+      </p:ext>
+    </p:extLst>
+  </p:cSld>
+  <p:clrMapOvr>
+    <a:masterClrMapping/>
+  </p:clrMapOvr>
+  <p:transition>
+    <p:fade/>
+  </p:transition>
+</p:sld>
+</file>
+
+<file path=ppt/slides/slide24.xml><?xml version="1.0" encoding="utf-8"?>
+<p:sld xmlns:a="http://schemas.openxmlformats.org/drawingml/2006/main" xmlns:r="http://schemas.openxmlformats.org/officeDocument/2006/relationships" xmlns:p="http://schemas.openxmlformats.org/presentationml/2006/main">
+  <p:cSld>
+    <p:bg>
+      <p:bgPr>
+        <a:solidFill>
+          <a:schemeClr val="tx1"/>
+        </a:solidFill>
+        <a:effectLst/>
+      </p:bgPr>
+    </p:bg>
+    <p:spTree>
+      <p:nvGrpSpPr>
+        <p:cNvPr id="1" name=""/>
+        <p:cNvGrpSpPr/>
+        <p:nvPr/>
+      </p:nvGrpSpPr>
+      <p:grpSpPr>
+        <a:xfrm>
+          <a:off x="0" y="0"/>
+          <a:ext cx="0" cy="0"/>
+          <a:chOff x="0" y="0"/>
+          <a:chExt cx="0" cy="0"/>
+        </a:xfrm>
+      </p:grpSpPr>
+      <p:sp>
+        <p:nvSpPr>
+          <p:cNvPr id="2" name="Rectangle 1">
+            <a:extLst>
+              <a:ext uri="{FF2B5EF4-FFF2-40B4-BE49-F238E27FC236}">
+                <a16:creationId xmlns:a16="http://schemas.microsoft.com/office/drawing/2014/main" id="{516C630B-9511-404C-83EA-905DB27CC51C}"/>
+              </a:ext>
+            </a:extLst>
+          </p:cNvPr>
+          <p:cNvSpPr/>
+          <p:nvPr/>
+        </p:nvSpPr>
+        <p:spPr>
+          <a:xfrm>
+            <a:off x="365648" y="2272796"/>
+            <a:ext cx="8778144" cy="4247317"/>
+          </a:xfrm>
+          <a:prstGeom prst="rect">
+            <a:avLst/>
+          </a:prstGeom>
+        </p:spPr>
+        <p:txBody>
+          <a:bodyPr wrap="square">
+            <a:spAutoFit/>
+          </a:bodyPr>
+          <a:lstStyle/>
+          <a:p>
+            <a:r>
+              <a:rPr lang="en-US" dirty="0">
+                <a:solidFill>
+                  <a:srgbClr val="008000"/>
+                </a:solidFill>
+                <a:latin typeface="Consolas" panose="020B0609020204030204" pitchFamily="49" charset="0"/>
+              </a:rPr>
+              <a:t>// In Memory Database:</a:t>
+            </a:r>
+            <a:endParaRPr lang="en-US" dirty="0"/>
+          </a:p>
+          <a:p>
+            <a:r>
+              <a:rPr lang="en-US" dirty="0">
+                <a:solidFill>
+                  <a:srgbClr val="0000FF"/>
+                </a:solidFill>
+                <a:latin typeface="Consolas" panose="020B0609020204030204" pitchFamily="49" charset="0"/>
+              </a:rPr>
+              <a:t>var</a:t>
+            </a:r>
+            <a:r>
+              <a:rPr lang="en-US" dirty="0">
+                <a:solidFill>
+                  <a:srgbClr val="000000"/>
+                </a:solidFill>
+                <a:latin typeface="Consolas" panose="020B0609020204030204" pitchFamily="49" charset="0"/>
+              </a:rPr>
+              <a:t> builder = </a:t>
+            </a:r>
+            <a:r>
+              <a:rPr lang="en-US" dirty="0">
+                <a:solidFill>
+                  <a:srgbClr val="0000FF"/>
+                </a:solidFill>
+                <a:latin typeface="Consolas" panose="020B0609020204030204" pitchFamily="49" charset="0"/>
+              </a:rPr>
+              <a:t>new</a:t>
+            </a:r>
+            <a:r>
+              <a:rPr lang="en-US" dirty="0">
+                <a:solidFill>
+                  <a:srgbClr val="000000"/>
+                </a:solidFill>
+                <a:latin typeface="Consolas" panose="020B0609020204030204" pitchFamily="49" charset="0"/>
+              </a:rPr>
+              <a:t> </a:t>
+            </a:r>
+            <a:r>
+              <a:rPr lang="en-US" dirty="0" err="1">
+                <a:solidFill>
+                  <a:srgbClr val="2B91AF"/>
+                </a:solidFill>
+                <a:latin typeface="Consolas" panose="020B0609020204030204" pitchFamily="49" charset="0"/>
+              </a:rPr>
+              <a:t>DbContextOptionsBuilder</a:t>
+            </a:r>
+            <a:r>
+              <a:rPr lang="en-US" dirty="0">
+                <a:solidFill>
+                  <a:srgbClr val="000000"/>
+                </a:solidFill>
+                <a:latin typeface="Consolas" panose="020B0609020204030204" pitchFamily="49" charset="0"/>
+              </a:rPr>
+              <a:t>&lt;</a:t>
+            </a:r>
+            <a:r>
+              <a:rPr lang="en-US" dirty="0" err="1">
+                <a:solidFill>
+                  <a:srgbClr val="2B91AF"/>
+                </a:solidFill>
+                <a:latin typeface="Consolas" panose="020B0609020204030204" pitchFamily="49" charset="0"/>
+              </a:rPr>
+              <a:t>MyContext</a:t>
+            </a:r>
+            <a:r>
+              <a:rPr lang="en-US" dirty="0">
+                <a:solidFill>
+                  <a:srgbClr val="000000"/>
+                </a:solidFill>
+                <a:latin typeface="Consolas" panose="020B0609020204030204" pitchFamily="49" charset="0"/>
+              </a:rPr>
+              <a:t>&gt;()</a:t>
+            </a:r>
+          </a:p>
+          <a:p>
+            <a:r>
+              <a:rPr lang="en-US" dirty="0">
+                <a:solidFill>
+                  <a:srgbClr val="000000"/>
+                </a:solidFill>
+                <a:latin typeface="Consolas" panose="020B0609020204030204" pitchFamily="49" charset="0"/>
+              </a:rPr>
+              <a:t>              .</a:t>
+            </a:r>
+            <a:r>
+              <a:rPr lang="en-US" dirty="0" err="1">
+                <a:solidFill>
+                  <a:srgbClr val="000000"/>
+                </a:solidFill>
+                <a:latin typeface="Consolas" panose="020B0609020204030204" pitchFamily="49" charset="0"/>
+              </a:rPr>
+              <a:t>UseInMemoryDatabase</a:t>
+            </a:r>
+            <a:r>
+              <a:rPr lang="en-US" dirty="0">
+                <a:solidFill>
+                  <a:srgbClr val="000000"/>
+                </a:solidFill>
+                <a:latin typeface="Consolas" panose="020B0609020204030204" pitchFamily="49" charset="0"/>
+              </a:rPr>
+              <a:t>(</a:t>
+            </a:r>
+            <a:r>
+              <a:rPr lang="en-US" dirty="0" err="1">
+                <a:solidFill>
+                  <a:srgbClr val="000000"/>
+                </a:solidFill>
+                <a:latin typeface="Consolas" panose="020B0609020204030204" pitchFamily="49" charset="0"/>
+              </a:rPr>
+              <a:t>databaseName</a:t>
+            </a:r>
+            <a:r>
+              <a:rPr lang="en-US" dirty="0">
+                <a:solidFill>
+                  <a:srgbClr val="000000"/>
+                </a:solidFill>
+                <a:latin typeface="Consolas" panose="020B0609020204030204" pitchFamily="49" charset="0"/>
+              </a:rPr>
+              <a:t>: </a:t>
+            </a:r>
+            <a:r>
+              <a:rPr lang="en-US" dirty="0" err="1">
+                <a:solidFill>
+                  <a:srgbClr val="0000FF"/>
+                </a:solidFill>
+                <a:latin typeface="Consolas" panose="020B0609020204030204" pitchFamily="49" charset="0"/>
+              </a:rPr>
+              <a:t>nameof</a:t>
+            </a:r>
+            <a:r>
+              <a:rPr lang="en-US" dirty="0">
+                <a:solidFill>
+                  <a:srgbClr val="000000"/>
+                </a:solidFill>
+                <a:latin typeface="Consolas" panose="020B0609020204030204" pitchFamily="49" charset="0"/>
+              </a:rPr>
+              <a:t>(&lt;name&gt;));</a:t>
+            </a:r>
+          </a:p>
+          <a:p>
+            <a:endParaRPr lang="da-DK" dirty="0">
+              <a:solidFill>
+                <a:srgbClr val="000000"/>
+              </a:solidFill>
+              <a:latin typeface="Consolas" panose="020B0609020204030204" pitchFamily="49" charset="0"/>
+            </a:endParaRPr>
+          </a:p>
+          <a:p>
+            <a:endParaRPr lang="da-DK" dirty="0">
+              <a:solidFill>
+                <a:srgbClr val="000000"/>
+              </a:solidFill>
+              <a:latin typeface="Consolas" panose="020B0609020204030204" pitchFamily="49" charset="0"/>
+            </a:endParaRPr>
+          </a:p>
+          <a:p>
+            <a:endParaRPr lang="da-DK" dirty="0">
+              <a:solidFill>
+                <a:srgbClr val="000000"/>
+              </a:solidFill>
+              <a:latin typeface="Consolas" panose="020B0609020204030204" pitchFamily="49" charset="0"/>
+            </a:endParaRPr>
+          </a:p>
+          <a:p>
+            <a:r>
+              <a:rPr lang="en-US" dirty="0">
+                <a:solidFill>
+                  <a:srgbClr val="008000"/>
+                </a:solidFill>
+                <a:latin typeface="Consolas" panose="020B0609020204030204" pitchFamily="49" charset="0"/>
+              </a:rPr>
+              <a:t>// SQLite:</a:t>
+            </a:r>
+            <a:endParaRPr lang="en-US" dirty="0">
+              <a:solidFill>
+                <a:srgbClr val="000000"/>
+              </a:solidFill>
+              <a:latin typeface="Consolas" panose="020B0609020204030204" pitchFamily="49" charset="0"/>
+            </a:endParaRPr>
+          </a:p>
+          <a:p>
+            <a:r>
+              <a:rPr lang="en-US" dirty="0">
+                <a:solidFill>
+                  <a:srgbClr val="0000FF"/>
+                </a:solidFill>
+                <a:latin typeface="Consolas" panose="020B0609020204030204" pitchFamily="49" charset="0"/>
+              </a:rPr>
+              <a:t>var</a:t>
+            </a:r>
+            <a:r>
+              <a:rPr lang="en-US" dirty="0">
+                <a:solidFill>
+                  <a:srgbClr val="000000"/>
+                </a:solidFill>
+                <a:latin typeface="Consolas" panose="020B0609020204030204" pitchFamily="49" charset="0"/>
+              </a:rPr>
+              <a:t> connection = </a:t>
+            </a:r>
+            <a:r>
+              <a:rPr lang="en-US" dirty="0">
+                <a:solidFill>
+                  <a:srgbClr val="0000FF"/>
+                </a:solidFill>
+                <a:latin typeface="Consolas" panose="020B0609020204030204" pitchFamily="49" charset="0"/>
+              </a:rPr>
+              <a:t>new</a:t>
+            </a:r>
+            <a:r>
+              <a:rPr lang="en-US" dirty="0">
+                <a:solidFill>
+                  <a:srgbClr val="000000"/>
+                </a:solidFill>
+                <a:latin typeface="Consolas" panose="020B0609020204030204" pitchFamily="49" charset="0"/>
+              </a:rPr>
+              <a:t> </a:t>
+            </a:r>
+            <a:r>
+              <a:rPr lang="en-US" dirty="0" err="1">
+                <a:solidFill>
+                  <a:srgbClr val="2B91AF"/>
+                </a:solidFill>
+                <a:latin typeface="Consolas" panose="020B0609020204030204" pitchFamily="49" charset="0"/>
+              </a:rPr>
+              <a:t>SqliteConnection</a:t>
+            </a:r>
+            <a:r>
+              <a:rPr lang="en-US" dirty="0">
+                <a:solidFill>
+                  <a:srgbClr val="000000"/>
+                </a:solidFill>
+                <a:latin typeface="Consolas" panose="020B0609020204030204" pitchFamily="49" charset="0"/>
+              </a:rPr>
+              <a:t>(</a:t>
+            </a:r>
+            <a:r>
+              <a:rPr lang="en-US" dirty="0">
+                <a:solidFill>
+                  <a:srgbClr val="A31515"/>
+                </a:solidFill>
+                <a:latin typeface="Consolas" panose="020B0609020204030204" pitchFamily="49" charset="0"/>
+              </a:rPr>
+              <a:t>"</a:t>
+            </a:r>
+            <a:r>
+              <a:rPr lang="en-US" dirty="0" err="1">
+                <a:solidFill>
+                  <a:srgbClr val="A31515"/>
+                </a:solidFill>
+                <a:latin typeface="Consolas" panose="020B0609020204030204" pitchFamily="49" charset="0"/>
+              </a:rPr>
+              <a:t>DataSource</a:t>
+            </a:r>
+            <a:r>
+              <a:rPr lang="en-US" dirty="0">
+                <a:solidFill>
+                  <a:srgbClr val="A31515"/>
+                </a:solidFill>
+                <a:latin typeface="Consolas" panose="020B0609020204030204" pitchFamily="49" charset="0"/>
+              </a:rPr>
+              <a:t>=:memory:"</a:t>
+            </a:r>
+            <a:r>
+              <a:rPr lang="en-US" dirty="0">
+                <a:solidFill>
+                  <a:srgbClr val="000000"/>
+                </a:solidFill>
+                <a:latin typeface="Consolas" panose="020B0609020204030204" pitchFamily="49" charset="0"/>
+              </a:rPr>
+              <a:t>);</a:t>
+            </a:r>
+          </a:p>
+          <a:p>
+            <a:r>
+              <a:rPr lang="en-US" dirty="0" err="1">
+                <a:solidFill>
+                  <a:srgbClr val="000000"/>
+                </a:solidFill>
+                <a:latin typeface="Consolas" panose="020B0609020204030204" pitchFamily="49" charset="0"/>
+              </a:rPr>
+              <a:t>connection.Open</a:t>
+            </a:r>
+            <a:r>
+              <a:rPr lang="en-US" dirty="0">
+                <a:solidFill>
+                  <a:srgbClr val="000000"/>
+                </a:solidFill>
+                <a:latin typeface="Consolas" panose="020B0609020204030204" pitchFamily="49" charset="0"/>
+              </a:rPr>
+              <a:t>();</a:t>
+            </a:r>
+          </a:p>
+          <a:p>
+            <a:endParaRPr lang="en-US" dirty="0">
+              <a:solidFill>
+                <a:srgbClr val="000000"/>
+              </a:solidFill>
+              <a:latin typeface="Consolas" panose="020B0609020204030204" pitchFamily="49" charset="0"/>
+            </a:endParaRPr>
+          </a:p>
+          <a:p>
+            <a:r>
+              <a:rPr lang="en-US" dirty="0">
+                <a:solidFill>
+                  <a:srgbClr val="0000FF"/>
+                </a:solidFill>
+                <a:latin typeface="Consolas" panose="020B0609020204030204" pitchFamily="49" charset="0"/>
+              </a:rPr>
+              <a:t>var</a:t>
+            </a:r>
+            <a:r>
+              <a:rPr lang="en-US" dirty="0">
+                <a:solidFill>
+                  <a:srgbClr val="000000"/>
+                </a:solidFill>
+                <a:latin typeface="Consolas" panose="020B0609020204030204" pitchFamily="49" charset="0"/>
+              </a:rPr>
+              <a:t> builder = </a:t>
+            </a:r>
+            <a:r>
+              <a:rPr lang="en-US" dirty="0">
+                <a:solidFill>
+                  <a:srgbClr val="0000FF"/>
+                </a:solidFill>
+                <a:latin typeface="Consolas" panose="020B0609020204030204" pitchFamily="49" charset="0"/>
+              </a:rPr>
+              <a:t>new</a:t>
+            </a:r>
+            <a:r>
+              <a:rPr lang="en-US" dirty="0">
+                <a:solidFill>
+                  <a:srgbClr val="000000"/>
+                </a:solidFill>
+                <a:latin typeface="Consolas" panose="020B0609020204030204" pitchFamily="49" charset="0"/>
+              </a:rPr>
+              <a:t> </a:t>
+            </a:r>
+            <a:r>
+              <a:rPr lang="en-US" dirty="0" err="1">
+                <a:solidFill>
+                  <a:srgbClr val="2B91AF"/>
+                </a:solidFill>
+                <a:latin typeface="Consolas" panose="020B0609020204030204" pitchFamily="49" charset="0"/>
+              </a:rPr>
+              <a:t>DbContextOptionsBuilder</a:t>
+            </a:r>
+            <a:r>
+              <a:rPr lang="en-US" dirty="0">
+                <a:solidFill>
+                  <a:srgbClr val="000000"/>
+                </a:solidFill>
+                <a:latin typeface="Consolas" panose="020B0609020204030204" pitchFamily="49" charset="0"/>
+              </a:rPr>
+              <a:t>&lt;</a:t>
+            </a:r>
+            <a:r>
+              <a:rPr lang="en-US" dirty="0" err="1">
+                <a:solidFill>
+                  <a:srgbClr val="2B91AF"/>
+                </a:solidFill>
+                <a:latin typeface="Consolas" panose="020B0609020204030204" pitchFamily="49" charset="0"/>
+              </a:rPr>
+              <a:t>MyContext</a:t>
+            </a:r>
+            <a:r>
+              <a:rPr lang="en-US" dirty="0">
+                <a:solidFill>
+                  <a:srgbClr val="000000"/>
+                </a:solidFill>
+                <a:latin typeface="Consolas" panose="020B0609020204030204" pitchFamily="49" charset="0"/>
+              </a:rPr>
+              <a:t>&gt;()</a:t>
+            </a:r>
+          </a:p>
+          <a:p>
+            <a:r>
+              <a:rPr lang="en-US" dirty="0">
+                <a:solidFill>
+                  <a:srgbClr val="000000"/>
+                </a:solidFill>
+                <a:latin typeface="Consolas" panose="020B0609020204030204" pitchFamily="49" charset="0"/>
+              </a:rPr>
+              <a:t>              .</a:t>
+            </a:r>
+            <a:r>
+              <a:rPr lang="en-US" dirty="0" err="1">
+                <a:solidFill>
+                  <a:srgbClr val="000000"/>
+                </a:solidFill>
+                <a:latin typeface="Consolas" panose="020B0609020204030204" pitchFamily="49" charset="0"/>
+              </a:rPr>
+              <a:t>UseSqlite</a:t>
+            </a:r>
+            <a:r>
+              <a:rPr lang="en-US" dirty="0">
+                <a:solidFill>
+                  <a:srgbClr val="000000"/>
+                </a:solidFill>
+                <a:latin typeface="Consolas" panose="020B0609020204030204" pitchFamily="49" charset="0"/>
+              </a:rPr>
+              <a:t>(connection);</a:t>
+            </a:r>
+          </a:p>
+          <a:p>
+            <a:endParaRPr lang="en-US" dirty="0">
+              <a:solidFill>
+                <a:srgbClr val="000000"/>
+              </a:solidFill>
+              <a:latin typeface="Consolas" panose="020B0609020204030204" pitchFamily="49" charset="0"/>
+            </a:endParaRPr>
+          </a:p>
+          <a:p>
+            <a:r>
+              <a:rPr lang="en-US" dirty="0" err="1">
+                <a:solidFill>
+                  <a:srgbClr val="0000FF"/>
+                </a:solidFill>
+                <a:latin typeface="Consolas" panose="020B0609020204030204" pitchFamily="49" charset="0"/>
+              </a:rPr>
+              <a:t>var</a:t>
+            </a:r>
+            <a:r>
+              <a:rPr lang="en-US" dirty="0">
+                <a:solidFill>
+                  <a:srgbClr val="000000"/>
+                </a:solidFill>
+                <a:latin typeface="Consolas" panose="020B0609020204030204" pitchFamily="49" charset="0"/>
+              </a:rPr>
+              <a:t> context = </a:t>
+            </a:r>
+            <a:r>
+              <a:rPr lang="en-US" dirty="0">
+                <a:solidFill>
+                  <a:srgbClr val="0000FF"/>
+                </a:solidFill>
+                <a:latin typeface="Consolas" panose="020B0609020204030204" pitchFamily="49" charset="0"/>
+              </a:rPr>
+              <a:t>new</a:t>
+            </a:r>
+            <a:r>
+              <a:rPr lang="en-US" dirty="0">
+                <a:solidFill>
+                  <a:srgbClr val="000000"/>
+                </a:solidFill>
+                <a:latin typeface="Consolas" panose="020B0609020204030204" pitchFamily="49" charset="0"/>
+              </a:rPr>
+              <a:t> </a:t>
+            </a:r>
+            <a:r>
+              <a:rPr lang="en-US" dirty="0" err="1">
+                <a:solidFill>
+                  <a:srgbClr val="2B91AF"/>
+                </a:solidFill>
+                <a:latin typeface="Consolas" panose="020B0609020204030204" pitchFamily="49" charset="0"/>
+              </a:rPr>
+              <a:t>FuturamaContext</a:t>
+            </a:r>
+            <a:r>
+              <a:rPr lang="en-US" dirty="0">
+                <a:solidFill>
+                  <a:srgbClr val="000000"/>
+                </a:solidFill>
+                <a:latin typeface="Consolas" panose="020B0609020204030204" pitchFamily="49" charset="0"/>
+              </a:rPr>
+              <a:t>(</a:t>
+            </a:r>
+            <a:r>
+              <a:rPr lang="en-US" dirty="0" err="1">
+                <a:solidFill>
+                  <a:srgbClr val="000000"/>
+                </a:solidFill>
+                <a:latin typeface="Consolas" panose="020B0609020204030204" pitchFamily="49" charset="0"/>
+              </a:rPr>
+              <a:t>builder.Options</a:t>
+            </a:r>
+            <a:r>
+              <a:rPr lang="en-US" dirty="0">
+                <a:solidFill>
+                  <a:srgbClr val="000000"/>
+                </a:solidFill>
+                <a:latin typeface="Consolas" panose="020B0609020204030204" pitchFamily="49" charset="0"/>
+              </a:rPr>
+              <a:t>);</a:t>
+            </a:r>
+          </a:p>
+          <a:p>
+            <a:r>
+              <a:rPr lang="en-US" dirty="0" err="1">
+                <a:solidFill>
+                  <a:srgbClr val="000000"/>
+                </a:solidFill>
+                <a:latin typeface="Consolas" panose="020B0609020204030204" pitchFamily="49" charset="0"/>
+              </a:rPr>
+              <a:t>context.Database.EnsureCreated</a:t>
+            </a:r>
+            <a:r>
+              <a:rPr lang="en-US" dirty="0">
+                <a:solidFill>
+                  <a:srgbClr val="000000"/>
+                </a:solidFill>
+                <a:latin typeface="Consolas" panose="020B0609020204030204" pitchFamily="49" charset="0"/>
+              </a:rPr>
+              <a:t>();</a:t>
+            </a:r>
+            <a:endParaRPr lang="en-US" dirty="0"/>
+          </a:p>
+        </p:txBody>
+      </p:sp>
+      <p:sp>
+        <p:nvSpPr>
+          <p:cNvPr id="5" name="Title 1">
+            <a:extLst>
+              <a:ext uri="{FF2B5EF4-FFF2-40B4-BE49-F238E27FC236}">
+                <a16:creationId xmlns:a16="http://schemas.microsoft.com/office/drawing/2014/main" id="{E6DBCF4B-E1F6-4B8E-8370-48173BCC7950}"/>
+              </a:ext>
+            </a:extLst>
+          </p:cNvPr>
+          <p:cNvSpPr>
+            <a:spLocks noGrp="1"/>
+          </p:cNvSpPr>
+          <p:nvPr>
+            <p:ph type="title"/>
+          </p:nvPr>
+        </p:nvSpPr>
+        <p:spPr>
+          <a:xfrm>
+            <a:off x="273050" y="295275"/>
+            <a:ext cx="8778875" cy="917575"/>
+          </a:xfrm>
+        </p:spPr>
+        <p:txBody>
+          <a:bodyPr/>
+          <a:lstStyle/>
+          <a:p>
+            <a:r>
+              <a:rPr lang="da-DK" dirty="0">
+                <a:solidFill>
+                  <a:schemeClr val="bg1"/>
+                </a:solidFill>
+              </a:rPr>
+              <a:t>In Memory Database</a:t>
+            </a:r>
+          </a:p>
+        </p:txBody>
+      </p:sp>
+      <p:sp>
+        <p:nvSpPr>
+          <p:cNvPr id="3" name="Rectangle 2">
+            <a:extLst>
+              <a:ext uri="{FF2B5EF4-FFF2-40B4-BE49-F238E27FC236}">
+                <a16:creationId xmlns:a16="http://schemas.microsoft.com/office/drawing/2014/main" id="{73A13FC7-C9B9-4ACF-8DA1-C65CD06DB875}"/>
+              </a:ext>
+            </a:extLst>
+          </p:cNvPr>
+          <p:cNvSpPr/>
+          <p:nvPr/>
+        </p:nvSpPr>
+        <p:spPr>
+          <a:xfrm>
+            <a:off x="365648" y="1926593"/>
+            <a:ext cx="8412388" cy="369332"/>
+          </a:xfrm>
+          <a:prstGeom prst="rect">
+            <a:avLst/>
+          </a:prstGeom>
+        </p:spPr>
+        <p:txBody>
+          <a:bodyPr wrap="square">
+            <a:spAutoFit/>
+          </a:bodyPr>
+          <a:lstStyle/>
+          <a:p>
+            <a:r>
+              <a:rPr lang="da-DK" b="1" dirty="0">
+                <a:solidFill>
+                  <a:srgbClr val="000000"/>
+                </a:solidFill>
+                <a:latin typeface="Consolas" panose="020B0609020204030204" pitchFamily="49" charset="0"/>
+              </a:rPr>
+              <a:t>PM&gt; Install-Package Microsoft.EntityFrameworkCore.InMemory</a:t>
+            </a:r>
+            <a:endParaRPr lang="en-DK" b="1" dirty="0"/>
+          </a:p>
+        </p:txBody>
+      </p:sp>
+      <p:sp>
+        <p:nvSpPr>
+          <p:cNvPr id="6" name="Rectangle 5">
+            <a:extLst>
+              <a:ext uri="{FF2B5EF4-FFF2-40B4-BE49-F238E27FC236}">
+                <a16:creationId xmlns:a16="http://schemas.microsoft.com/office/drawing/2014/main" id="{74EBD5D9-E579-46BE-85E0-0FB529D9ECCF}"/>
+              </a:ext>
+            </a:extLst>
+          </p:cNvPr>
+          <p:cNvSpPr/>
+          <p:nvPr/>
+        </p:nvSpPr>
+        <p:spPr>
+          <a:xfrm>
+            <a:off x="365648" y="3585125"/>
+            <a:ext cx="8412388" cy="369332"/>
+          </a:xfrm>
+          <a:prstGeom prst="rect">
+            <a:avLst/>
+          </a:prstGeom>
+        </p:spPr>
+        <p:txBody>
+          <a:bodyPr wrap="square">
+            <a:spAutoFit/>
+          </a:bodyPr>
+          <a:lstStyle/>
+          <a:p>
+            <a:r>
+              <a:rPr lang="da-DK" b="1" dirty="0">
+                <a:solidFill>
+                  <a:srgbClr val="000000"/>
+                </a:solidFill>
+                <a:latin typeface="Consolas" panose="020B0609020204030204" pitchFamily="49" charset="0"/>
+              </a:rPr>
+              <a:t>PM&gt; Install-Package Microsoft.EntityFrameworkCore.SqlLite</a:t>
+            </a:r>
+            <a:endParaRPr lang="en-DK" b="1" dirty="0"/>
+          </a:p>
+        </p:txBody>
+      </p:sp>
+    </p:spTree>
+    <p:extLst>
+      <p:ext uri="{BB962C8B-B14F-4D97-AF65-F5344CB8AC3E}">
+        <p14:creationId xmlns:p14="http://schemas.microsoft.com/office/powerpoint/2010/main" val="1997631093"/>
+      </p:ext>
+    </p:extLst>
+  </p:cSld>
+  <p:clrMapOvr>
+    <a:masterClrMapping/>
+  </p:clrMapOvr>
+  <p:transition>
+    <p:fade/>
+  </p:transition>
+</p:sld>
+</file>
+
+<file path=ppt/slides/slide25.xml><?xml version="1.0" encoding="utf-8"?>
+<p:sld xmlns:a="http://schemas.openxmlformats.org/drawingml/2006/main" xmlns:r="http://schemas.openxmlformats.org/officeDocument/2006/relationships" xmlns:p="http://schemas.openxmlformats.org/presentationml/2006/main">
+  <p:cSld>
+    <p:bg>
+      <p:bgPr>
+        <a:solidFill>
+          <a:srgbClr val="505050"/>
+        </a:solidFill>
+        <a:effectLst/>
+      </p:bgPr>
+    </p:bg>
+    <p:spTree>
+      <p:nvGrpSpPr>
+        <p:cNvPr id="1" name=""/>
+        <p:cNvGrpSpPr/>
+        <p:nvPr/>
+      </p:nvGrpSpPr>
+      <p:grpSpPr>
+        <a:xfrm>
+          <a:off x="0" y="0"/>
+          <a:ext cx="0" cy="0"/>
+          <a:chOff x="0" y="0"/>
+          <a:chExt cx="0" cy="0"/>
+        </a:xfrm>
+      </p:grpSpPr>
+      <p:sp>
+        <p:nvSpPr>
+          <p:cNvPr id="2" name="Title 1"/>
+          <p:cNvSpPr>
+            <a:spLocks noGrp="1"/>
+          </p:cNvSpPr>
+          <p:nvPr>
+            <p:ph type="title"/>
+          </p:nvPr>
+        </p:nvSpPr>
+        <p:spPr/>
+        <p:txBody>
+          <a:bodyPr/>
+          <a:lstStyle/>
+          <a:p>
+            <a:r>
+              <a:rPr lang="da-DK" dirty="0">
+                <a:solidFill>
+                  <a:schemeClr val="bg1"/>
+                </a:solidFill>
+              </a:rPr>
+              <a:t>Best practices</a:t>
+            </a:r>
+          </a:p>
+        </p:txBody>
+      </p:sp>
+      <p:sp>
+        <p:nvSpPr>
+          <p:cNvPr id="8" name="Rectangle 7"/>
+          <p:cNvSpPr/>
+          <p:nvPr/>
+        </p:nvSpPr>
+        <p:spPr bwMode="auto">
+          <a:xfrm>
+            <a:off x="1737233" y="1851360"/>
+            <a:ext cx="3593167" cy="1554463"/>
+          </a:xfrm>
+          <a:prstGeom prst="rect">
+            <a:avLst/>
+          </a:prstGeom>
+          <a:solidFill>
+            <a:srgbClr val="68217A"/>
+          </a:solidFill>
+          <a:ln>
+            <a:noFill/>
+            <a:headEnd type="none" w="med" len="med"/>
+            <a:tailEnd type="none" w="med" len="med"/>
+          </a:ln>
+          <a:effectLst/>
+        </p:spPr>
+        <p:style>
+          <a:lnRef idx="1">
+            <a:schemeClr val="accent2"/>
+          </a:lnRef>
+          <a:fillRef idx="3">
+            <a:schemeClr val="accent2"/>
+          </a:fillRef>
+          <a:effectRef idx="2">
+            <a:schemeClr val="accent2"/>
+          </a:effectRef>
+          <a:fontRef idx="minor">
+            <a:schemeClr val="lt1"/>
+          </a:fontRef>
+        </p:style>
+        <p:txBody>
+          <a:bodyPr rot="0" spcFirstLastPara="0" vertOverflow="overflow" horzOverflow="overflow" vert="horz" wrap="square" lIns="182880" tIns="146304" rIns="182880" bIns="146304" numCol="1" spcCol="0" rtlCol="0" fromWordArt="0" anchor="t" anchorCtr="0" forceAA="0" compatLnSpc="1">
+            <a:prstTxWarp prst="textNoShape">
+              <a:avLst/>
+            </a:prstTxWarp>
+            <a:noAutofit/>
+          </a:bodyPr>
+          <a:lstStyle/>
+          <a:p>
+            <a:pPr algn="ctr" defTabSz="932472" fontAlgn="base">
+              <a:lnSpc>
+                <a:spcPct val="90000"/>
+              </a:lnSpc>
+              <a:spcBef>
+                <a:spcPct val="0"/>
+              </a:spcBef>
+              <a:spcAft>
+                <a:spcPct val="0"/>
+              </a:spcAft>
+            </a:pPr>
+            <a:r>
+              <a:rPr lang="da-DK" sz="2800" dirty="0" err="1">
+                <a:gradFill>
+                  <a:gsLst>
+                    <a:gs pos="0">
+                      <a:srgbClr val="FFFFFF"/>
+                    </a:gs>
+                    <a:gs pos="100000">
+                      <a:srgbClr val="FFFFFF"/>
+                    </a:gs>
+                  </a:gsLst>
+                  <a:lin ang="5400000" scaled="0"/>
+                </a:gradFill>
+                <a:ea typeface="Segoe UI" pitchFamily="34" charset="0"/>
+                <a:cs typeface="Segoe UI" pitchFamily="34" charset="0"/>
+              </a:rPr>
+              <a:t>Wrap</a:t>
+            </a:r>
+            <a:r>
+              <a:rPr lang="da-DK" sz="2800" dirty="0">
+                <a:gradFill>
+                  <a:gsLst>
+                    <a:gs pos="0">
+                      <a:srgbClr val="FFFFFF"/>
+                    </a:gs>
+                    <a:gs pos="100000">
+                      <a:srgbClr val="FFFFFF"/>
+                    </a:gs>
+                  </a:gsLst>
+                  <a:lin ang="5400000" scaled="0"/>
+                </a:gradFill>
+                <a:ea typeface="Segoe UI" pitchFamily="34" charset="0"/>
+                <a:cs typeface="Segoe UI" pitchFamily="34" charset="0"/>
+              </a:rPr>
+              <a:t> in </a:t>
+            </a:r>
+            <a:r>
+              <a:rPr lang="da-DK" sz="2800" dirty="0" err="1">
+                <a:gradFill>
+                  <a:gsLst>
+                    <a:gs pos="0">
+                      <a:srgbClr val="FFFFFF"/>
+                    </a:gs>
+                    <a:gs pos="100000">
+                      <a:srgbClr val="FFFFFF"/>
+                    </a:gs>
+                  </a:gsLst>
+                  <a:lin ang="5400000" scaled="0"/>
+                </a:gradFill>
+                <a:ea typeface="Segoe UI" pitchFamily="34" charset="0"/>
+                <a:cs typeface="Segoe UI" pitchFamily="34" charset="0"/>
+              </a:rPr>
+              <a:t>logical</a:t>
+            </a:r>
+            <a:r>
+              <a:rPr lang="da-DK" sz="2800" dirty="0">
+                <a:gradFill>
+                  <a:gsLst>
+                    <a:gs pos="0">
+                      <a:srgbClr val="FFFFFF"/>
+                    </a:gs>
+                    <a:gs pos="100000">
+                      <a:srgbClr val="FFFFFF"/>
+                    </a:gs>
+                  </a:gsLst>
+                  <a:lin ang="5400000" scaled="0"/>
+                </a:gradFill>
+                <a:ea typeface="Segoe UI" pitchFamily="34" charset="0"/>
+                <a:cs typeface="Segoe UI" pitchFamily="34" charset="0"/>
+              </a:rPr>
+              <a:t> units/service </a:t>
+            </a:r>
+            <a:r>
+              <a:rPr lang="da-DK" sz="2800" dirty="0" err="1">
+                <a:gradFill>
+                  <a:gsLst>
+                    <a:gs pos="0">
+                      <a:srgbClr val="FFFFFF"/>
+                    </a:gs>
+                    <a:gs pos="100000">
+                      <a:srgbClr val="FFFFFF"/>
+                    </a:gs>
+                  </a:gsLst>
+                  <a:lin ang="5400000" scaled="0"/>
+                </a:gradFill>
+                <a:ea typeface="Segoe UI" pitchFamily="34" charset="0"/>
+                <a:cs typeface="Segoe UI" pitchFamily="34" charset="0"/>
+              </a:rPr>
+              <a:t>classes</a:t>
+            </a:r>
+            <a:r>
+              <a:rPr lang="da-DK" sz="2800" dirty="0">
+                <a:gradFill>
+                  <a:gsLst>
+                    <a:gs pos="0">
+                      <a:srgbClr val="FFFFFF"/>
+                    </a:gs>
+                    <a:gs pos="100000">
+                      <a:srgbClr val="FFFFFF"/>
+                    </a:gs>
+                  </a:gsLst>
+                  <a:lin ang="5400000" scaled="0"/>
+                </a:gradFill>
+                <a:ea typeface="Segoe UI" pitchFamily="34" charset="0"/>
+                <a:cs typeface="Segoe UI" pitchFamily="34" charset="0"/>
+              </a:rPr>
+              <a:t>/</a:t>
+            </a:r>
+            <a:r>
+              <a:rPr lang="da-DK" sz="2800" dirty="0" err="1">
+                <a:gradFill>
+                  <a:gsLst>
+                    <a:gs pos="0">
+                      <a:srgbClr val="FFFFFF"/>
+                    </a:gs>
+                    <a:gs pos="100000">
+                      <a:srgbClr val="FFFFFF"/>
+                    </a:gs>
+                  </a:gsLst>
+                  <a:lin ang="5400000" scaled="0"/>
+                </a:gradFill>
+                <a:ea typeface="Segoe UI" pitchFamily="34" charset="0"/>
+                <a:cs typeface="Segoe UI" pitchFamily="34" charset="0"/>
+              </a:rPr>
+              <a:t>repositories</a:t>
+            </a:r>
+            <a:endParaRPr lang="da-DK" sz="2800" dirty="0">
+              <a:gradFill>
+                <a:gsLst>
+                  <a:gs pos="0">
+                    <a:srgbClr val="FFFFFF"/>
+                  </a:gs>
+                  <a:gs pos="100000">
+                    <a:srgbClr val="FFFFFF"/>
+                  </a:gs>
+                </a:gsLst>
+                <a:lin ang="5400000" scaled="0"/>
+              </a:gradFill>
+              <a:ea typeface="Segoe UI" pitchFamily="34" charset="0"/>
+              <a:cs typeface="Segoe UI" pitchFamily="34" charset="0"/>
+            </a:endParaRPr>
+          </a:p>
+        </p:txBody>
+      </p:sp>
+      <p:sp>
+        <p:nvSpPr>
+          <p:cNvPr id="11" name="Rectangle 10"/>
+          <p:cNvSpPr/>
+          <p:nvPr/>
+        </p:nvSpPr>
+        <p:spPr bwMode="auto">
+          <a:xfrm>
+            <a:off x="5486232" y="3954457"/>
+            <a:ext cx="2651731" cy="1097268"/>
+          </a:xfrm>
+          <a:prstGeom prst="rect">
+            <a:avLst/>
+          </a:prstGeom>
+          <a:solidFill>
+            <a:srgbClr val="FF8C00"/>
+          </a:solidFill>
+          <a:ln>
+            <a:noFill/>
+            <a:headEnd type="none" w="med" len="med"/>
+            <a:tailEnd type="none" w="med" len="med"/>
+          </a:ln>
+          <a:effectLst/>
+        </p:spPr>
+        <p:style>
+          <a:lnRef idx="1">
+            <a:schemeClr val="accent2"/>
+          </a:lnRef>
+          <a:fillRef idx="3">
+            <a:schemeClr val="accent2"/>
+          </a:fillRef>
+          <a:effectRef idx="2">
+            <a:schemeClr val="accent2"/>
+          </a:effectRef>
+          <a:fontRef idx="minor">
+            <a:schemeClr val="lt1"/>
+          </a:fontRef>
+        </p:style>
+        <p:txBody>
+          <a:bodyPr rot="0" spcFirstLastPara="0" vertOverflow="overflow" horzOverflow="overflow" vert="horz" wrap="square" lIns="182880" tIns="146304" rIns="182880" bIns="146304" numCol="1" spcCol="0" rtlCol="0" fromWordArt="0" anchor="t" anchorCtr="0" forceAA="0" compatLnSpc="1">
+            <a:prstTxWarp prst="textNoShape">
+              <a:avLst/>
+            </a:prstTxWarp>
+            <a:noAutofit/>
+          </a:bodyPr>
+          <a:lstStyle/>
+          <a:p>
+            <a:pPr algn="ctr" defTabSz="932472" fontAlgn="base">
+              <a:lnSpc>
+                <a:spcPct val="90000"/>
+              </a:lnSpc>
+              <a:spcBef>
+                <a:spcPct val="0"/>
+              </a:spcBef>
+              <a:spcAft>
+                <a:spcPct val="0"/>
+              </a:spcAft>
+            </a:pPr>
+            <a:r>
+              <a:rPr lang="da-DK" sz="2800" dirty="0">
+                <a:solidFill>
+                  <a:schemeClr val="tx1"/>
+                </a:solidFill>
+                <a:ea typeface="Segoe UI" pitchFamily="34" charset="0"/>
+                <a:cs typeface="Segoe UI" pitchFamily="34" charset="0"/>
+              </a:rPr>
+              <a:t>Don’t test built-in code…</a:t>
+            </a:r>
+          </a:p>
+        </p:txBody>
+      </p:sp>
+      <p:sp>
+        <p:nvSpPr>
+          <p:cNvPr id="12" name="Rectangle 11"/>
+          <p:cNvSpPr/>
+          <p:nvPr/>
+        </p:nvSpPr>
+        <p:spPr bwMode="auto">
+          <a:xfrm>
+            <a:off x="1462916" y="4868847"/>
+            <a:ext cx="2926048" cy="1097268"/>
+          </a:xfrm>
+          <a:prstGeom prst="rect">
+            <a:avLst/>
+          </a:prstGeom>
+          <a:solidFill>
+            <a:srgbClr val="007233"/>
+          </a:solidFill>
+          <a:ln>
+            <a:noFill/>
+            <a:headEnd type="none" w="med" len="med"/>
+            <a:tailEnd type="none" w="med" len="med"/>
+          </a:ln>
+          <a:effectLst/>
+        </p:spPr>
+        <p:style>
+          <a:lnRef idx="1">
+            <a:schemeClr val="accent2"/>
+          </a:lnRef>
+          <a:fillRef idx="3">
+            <a:schemeClr val="accent2"/>
+          </a:fillRef>
+          <a:effectRef idx="2">
+            <a:schemeClr val="accent2"/>
+          </a:effectRef>
+          <a:fontRef idx="minor">
+            <a:schemeClr val="lt1"/>
+          </a:fontRef>
+        </p:style>
+        <p:txBody>
+          <a:bodyPr rot="0" spcFirstLastPara="0" vertOverflow="overflow" horzOverflow="overflow" vert="horz" wrap="square" lIns="182880" tIns="146304" rIns="182880" bIns="146304" numCol="1" spcCol="0" rtlCol="0" fromWordArt="0" anchor="t" anchorCtr="0" forceAA="0" compatLnSpc="1">
+            <a:prstTxWarp prst="textNoShape">
+              <a:avLst/>
+            </a:prstTxWarp>
+            <a:noAutofit/>
+          </a:bodyPr>
+          <a:lstStyle/>
+          <a:p>
+            <a:pPr algn="ctr" defTabSz="932472" fontAlgn="base">
+              <a:lnSpc>
+                <a:spcPct val="90000"/>
+              </a:lnSpc>
+              <a:spcBef>
+                <a:spcPct val="0"/>
+              </a:spcBef>
+              <a:spcAft>
+                <a:spcPct val="0"/>
+              </a:spcAft>
+            </a:pPr>
+            <a:r>
+              <a:rPr lang="da-DK" sz="2800" dirty="0">
+                <a:solidFill>
+                  <a:schemeClr val="bg1"/>
+                </a:solidFill>
+                <a:ea typeface="Segoe UI" pitchFamily="34" charset="0"/>
+                <a:cs typeface="Segoe UI" pitchFamily="34" charset="0"/>
+              </a:rPr>
+              <a:t>Program to interface</a:t>
+            </a:r>
+          </a:p>
+        </p:txBody>
+      </p:sp>
+    </p:spTree>
+    <p:extLst>
+      <p:ext uri="{BB962C8B-B14F-4D97-AF65-F5344CB8AC3E}">
+        <p14:creationId xmlns:p14="http://schemas.microsoft.com/office/powerpoint/2010/main" val="226708572"/>
+      </p:ext>
+    </p:extLst>
+  </p:cSld>
+  <p:clrMapOvr>
+    <a:masterClrMapping/>
+  </p:clrMapOvr>
+  <p:transition>
+    <p:fade/>
+  </p:transition>
+</p:sld>
+</file>
+
+<file path=ppt/slides/slide26.xml><?xml version="1.0" encoding="utf-8"?>
+<p:sld xmlns:a="http://schemas.openxmlformats.org/drawingml/2006/main" xmlns:r="http://schemas.openxmlformats.org/officeDocument/2006/relationships" xmlns:p="http://schemas.openxmlformats.org/presentationml/2006/main">
+  <p:cSld>
+    <p:bg>
+      <p:bgPr>
+        <a:solidFill>
+          <a:srgbClr val="0072C6"/>
+        </a:solidFill>
+        <a:effectLst/>
+      </p:bgPr>
+    </p:bg>
+    <p:spTree>
+      <p:nvGrpSpPr>
+        <p:cNvPr id="1" name=""/>
+        <p:cNvGrpSpPr/>
+        <p:nvPr/>
+      </p:nvGrpSpPr>
+      <p:grpSpPr>
+        <a:xfrm>
+          <a:off x="0" y="0"/>
+          <a:ext cx="0" cy="0"/>
+          <a:chOff x="0" y="0"/>
+          <a:chExt cx="0" cy="0"/>
+        </a:xfrm>
+      </p:grpSpPr>
+      <p:sp>
+        <p:nvSpPr>
+          <p:cNvPr id="3" name="Title 2"/>
+          <p:cNvSpPr>
+            <a:spLocks noGrp="1"/>
+          </p:cNvSpPr>
+          <p:nvPr>
+            <p:ph type="title"/>
+          </p:nvPr>
+        </p:nvSpPr>
+        <p:spPr/>
+        <p:txBody>
+          <a:bodyPr/>
+          <a:lstStyle/>
+          <a:p>
+            <a:r>
+              <a:rPr lang="da-DK" dirty="0"/>
+              <a:t>Demo</a:t>
+            </a:r>
+          </a:p>
+        </p:txBody>
+      </p:sp>
+    </p:spTree>
+    <p:extLst>
+      <p:ext uri="{BB962C8B-B14F-4D97-AF65-F5344CB8AC3E}">
+        <p14:creationId xmlns:p14="http://schemas.microsoft.com/office/powerpoint/2010/main" val="217215911"/>
+      </p:ext>
+    </p:extLst>
+  </p:cSld>
+  <p:clrMapOvr>
+    <a:masterClrMapping/>
+  </p:clrMapOvr>
+  <p:transition>
+    <p:fade/>
+  </p:transition>
+</p:sld>
+</file>
+
+<file path=ppt/slides/slide3.xml><?xml version="1.0" encoding="utf-8"?>
+<p:sld xmlns:a="http://schemas.openxmlformats.org/drawingml/2006/main" xmlns:r="http://schemas.openxmlformats.org/officeDocument/2006/relationships" xmlns:p="http://schemas.openxmlformats.org/presentationml/2006/main">
+  <p:cSld>
+    <p:spTree>
+      <p:nvGrpSpPr>
+        <p:cNvPr id="1" name=""/>
+        <p:cNvGrpSpPr/>
+        <p:nvPr/>
+      </p:nvGrpSpPr>
+      <p:grpSpPr>
+        <a:xfrm>
+          <a:off x="0" y="0"/>
+          <a:ext cx="0" cy="0"/>
+          <a:chOff x="0" y="0"/>
+          <a:chExt cx="0" cy="0"/>
+        </a:xfrm>
+      </p:grpSpPr>
+      <p:sp>
+        <p:nvSpPr>
+          <p:cNvPr id="2" name="Title 2">
+            <a:extLst>
+              <a:ext uri="{FF2B5EF4-FFF2-40B4-BE49-F238E27FC236}">
+                <a16:creationId xmlns:a16="http://schemas.microsoft.com/office/drawing/2014/main" id="{6E786275-C357-434E-80C7-218C39FAE876}"/>
+              </a:ext>
+            </a:extLst>
+          </p:cNvPr>
+          <p:cNvSpPr txBox="1">
+            <a:spLocks/>
+          </p:cNvSpPr>
+          <p:nvPr/>
+        </p:nvSpPr>
+        <p:spPr>
+          <a:xfrm>
+            <a:off x="273844" y="295275"/>
+            <a:ext cx="8778875" cy="917575"/>
+          </a:xfrm>
+          <a:prstGeom prst="rect">
+            <a:avLst/>
+          </a:prstGeom>
+        </p:spPr>
+        <p:txBody>
+          <a:bodyPr vert="horz" wrap="square" lIns="146304" tIns="91440" rIns="146304" bIns="91440" rtlCol="0" anchor="t">
+            <a:noAutofit/>
+          </a:bodyPr>
+          <a:lstStyle>
+            <a:lvl1pPr algn="l" defTabSz="932742" rtl="0" eaLnBrk="1" latinLnBrk="0" hangingPunct="1">
+              <a:lnSpc>
+                <a:spcPct val="90000"/>
+              </a:lnSpc>
+              <a:spcBef>
+                <a:spcPct val="0"/>
+              </a:spcBef>
+              <a:buNone/>
+              <a:defRPr lang="en-US" sz="4800" b="0" kern="1200" cap="none" spc="-102" baseline="0" dirty="0" smtClean="0">
+                <a:ln w="3175">
+                  <a:noFill/>
+                </a:ln>
+                <a:gradFill>
+                  <a:gsLst>
+                    <a:gs pos="1250">
+                      <a:schemeClr val="tx1"/>
+                    </a:gs>
+                    <a:gs pos="100000">
+                      <a:schemeClr val="tx1"/>
+                    </a:gs>
+                  </a:gsLst>
+                  <a:lin ang="5400000" scaled="0"/>
+                </a:gradFill>
+                <a:effectLst/>
+                <a:latin typeface="+mj-lt"/>
+                <a:ea typeface="+mn-ea"/>
+                <a:cs typeface="Segoe UI" pitchFamily="34" charset="0"/>
+              </a:defRPr>
+            </a:lvl1pPr>
+          </a:lstStyle>
+          <a:p>
+            <a:r>
+              <a:rPr lang="en-US" dirty="0"/>
+              <a:t>Testing …</a:t>
+            </a:r>
+          </a:p>
+        </p:txBody>
+      </p:sp>
+      <p:sp>
+        <p:nvSpPr>
+          <p:cNvPr id="3" name="Text Placeholder 3">
+            <a:extLst>
+              <a:ext uri="{FF2B5EF4-FFF2-40B4-BE49-F238E27FC236}">
+                <a16:creationId xmlns:a16="http://schemas.microsoft.com/office/drawing/2014/main" id="{6FD3B78E-D53A-4E35-87F3-1CF4CDEA4178}"/>
+              </a:ext>
+            </a:extLst>
+          </p:cNvPr>
+          <p:cNvSpPr txBox="1">
+            <a:spLocks/>
+          </p:cNvSpPr>
+          <p:nvPr/>
+        </p:nvSpPr>
+        <p:spPr>
+          <a:xfrm>
+            <a:off x="274637" y="1220788"/>
+            <a:ext cx="8777288" cy="1902059"/>
+          </a:xfrm>
+          <a:prstGeom prst="rect">
+            <a:avLst/>
+          </a:prstGeom>
+        </p:spPr>
+        <p:txBody>
+          <a:bodyPr vert="horz" wrap="square" lIns="146304" tIns="91440" rIns="146304" bIns="91440" rtlCol="0">
+            <a:spAutoFit/>
+          </a:bodyPr>
+          <a:lstStyle>
+            <a:lvl1pPr marL="342900" marR="0" indent="-342900" algn="l" defTabSz="932742" rtl="0" eaLnBrk="1" fontAlgn="auto" latinLnBrk="0" hangingPunct="1">
+              <a:lnSpc>
+                <a:spcPct val="90000"/>
+              </a:lnSpc>
+              <a:spcBef>
+                <a:spcPct val="20000"/>
+              </a:spcBef>
+              <a:spcAft>
+                <a:spcPts val="0"/>
+              </a:spcAft>
+              <a:buClrTx/>
+              <a:buSzPct val="90000"/>
+              <a:buFont typeface="Arial" pitchFamily="34" charset="0"/>
+              <a:buChar char="•"/>
+              <a:tabLst/>
+              <a:defRPr sz="3600" kern="1200" spc="0" baseline="0">
+                <a:gradFill>
+                  <a:gsLst>
+                    <a:gs pos="1250">
+                      <a:schemeClr val="tx1"/>
+                    </a:gs>
+                    <a:gs pos="99000">
+                      <a:schemeClr val="tx1"/>
+                    </a:gs>
+                  </a:gsLst>
+                  <a:lin ang="5400000" scaled="0"/>
+                </a:gradFill>
+                <a:latin typeface="+mj-lt"/>
+                <a:ea typeface="+mn-ea"/>
+                <a:cs typeface="+mn-cs"/>
+              </a:defRPr>
+            </a:lvl1pPr>
+            <a:lvl2pPr marL="584200" marR="0" indent="-241300" algn="l" defTabSz="932742" rtl="0" eaLnBrk="1" fontAlgn="auto" latinLnBrk="0" hangingPunct="1">
+              <a:lnSpc>
+                <a:spcPct val="90000"/>
+              </a:lnSpc>
+              <a:spcBef>
+                <a:spcPct val="20000"/>
+              </a:spcBef>
+              <a:spcAft>
+                <a:spcPts val="0"/>
+              </a:spcAft>
+              <a:buClrTx/>
+              <a:buSzPct val="90000"/>
+              <a:buFont typeface="Arial" pitchFamily="34" charset="0"/>
+              <a:buChar char="•"/>
+              <a:tabLst/>
+              <a:defRPr sz="2400" kern="1200" spc="0" baseline="0">
+                <a:gradFill>
+                  <a:gsLst>
+                    <a:gs pos="1250">
+                      <a:schemeClr val="tx1"/>
+                    </a:gs>
+                    <a:gs pos="99000">
+                      <a:schemeClr val="tx1"/>
+                    </a:gs>
+                  </a:gsLst>
+                  <a:lin ang="5400000" scaled="0"/>
+                </a:gradFill>
+                <a:latin typeface="+mn-lt"/>
+                <a:ea typeface="+mn-ea"/>
+                <a:cs typeface="+mn-cs"/>
+              </a:defRPr>
+            </a:lvl2pPr>
+            <a:lvl3pPr marL="800100" marR="0" indent="-228600" algn="l" defTabSz="932742" rtl="0" eaLnBrk="1" fontAlgn="auto" latinLnBrk="0" hangingPunct="1">
+              <a:lnSpc>
+                <a:spcPct val="90000"/>
+              </a:lnSpc>
+              <a:spcBef>
+                <a:spcPct val="20000"/>
+              </a:spcBef>
+              <a:spcAft>
+                <a:spcPts val="0"/>
+              </a:spcAft>
+              <a:buClrTx/>
+              <a:buSzPct val="90000"/>
+              <a:buFont typeface="Arial" pitchFamily="34" charset="0"/>
+              <a:buChar char="•"/>
+              <a:tabLst/>
+              <a:defRPr sz="2000" kern="1200" spc="0" baseline="0">
+                <a:gradFill>
+                  <a:gsLst>
+                    <a:gs pos="1250">
+                      <a:schemeClr val="tx1"/>
+                    </a:gs>
+                    <a:gs pos="99000">
+                      <a:schemeClr val="tx1"/>
+                    </a:gs>
+                  </a:gsLst>
+                  <a:lin ang="5400000" scaled="0"/>
+                </a:gradFill>
+                <a:latin typeface="+mn-lt"/>
+                <a:ea typeface="+mn-ea"/>
+                <a:cs typeface="+mn-cs"/>
+              </a:defRPr>
+            </a:lvl3pPr>
+            <a:lvl4pPr marL="1028700" marR="0" indent="-228600" algn="l" defTabSz="932742" rtl="0" eaLnBrk="1" fontAlgn="auto" latinLnBrk="0" hangingPunct="1">
+              <a:lnSpc>
+                <a:spcPct val="90000"/>
+              </a:lnSpc>
+              <a:spcBef>
+                <a:spcPct val="20000"/>
+              </a:spcBef>
+              <a:spcAft>
+                <a:spcPts val="0"/>
+              </a:spcAft>
+              <a:buClrTx/>
+              <a:buSzPct val="90000"/>
+              <a:buFont typeface="Arial" pitchFamily="34" charset="0"/>
+              <a:buChar char="•"/>
+              <a:tabLst/>
+              <a:defRPr sz="1800" kern="1200" spc="0" baseline="0">
+                <a:gradFill>
+                  <a:gsLst>
+                    <a:gs pos="1250">
+                      <a:schemeClr val="tx1"/>
+                    </a:gs>
+                    <a:gs pos="99000">
+                      <a:schemeClr val="tx1"/>
+                    </a:gs>
+                  </a:gsLst>
+                  <a:lin ang="5400000" scaled="0"/>
+                </a:gradFill>
+                <a:latin typeface="+mn-lt"/>
+                <a:ea typeface="+mn-ea"/>
+                <a:cs typeface="+mn-cs"/>
+              </a:defRPr>
+            </a:lvl4pPr>
+            <a:lvl5pPr marL="1257300" marR="0" indent="-228600" algn="l" defTabSz="932742" rtl="0" eaLnBrk="1" fontAlgn="auto" latinLnBrk="0" hangingPunct="1">
+              <a:lnSpc>
+                <a:spcPct val="90000"/>
+              </a:lnSpc>
+              <a:spcBef>
+                <a:spcPct val="20000"/>
+              </a:spcBef>
+              <a:spcAft>
+                <a:spcPts val="0"/>
+              </a:spcAft>
+              <a:buClrTx/>
+              <a:buSzPct val="90000"/>
+              <a:buFont typeface="Arial" pitchFamily="34" charset="0"/>
+              <a:buChar char="•"/>
+              <a:tabLst/>
+              <a:defRPr sz="1800" kern="1200" spc="0" baseline="0">
+                <a:gradFill>
+                  <a:gsLst>
+                    <a:gs pos="1250">
+                      <a:schemeClr val="tx1"/>
+                    </a:gs>
+                    <a:gs pos="99000">
+                      <a:schemeClr val="tx1"/>
+                    </a:gs>
+                  </a:gsLst>
+                  <a:lin ang="5400000" scaled="0"/>
+                </a:gradFill>
+                <a:latin typeface="+mn-lt"/>
+                <a:ea typeface="+mn-ea"/>
+                <a:cs typeface="+mn-cs"/>
+              </a:defRPr>
+            </a:lvl5pPr>
+            <a:lvl6pPr marL="2565040" indent="-233186" algn="l" defTabSz="932742" rtl="0" eaLnBrk="1" latinLnBrk="0" hangingPunct="1">
+              <a:spcBef>
+                <a:spcPct val="20000"/>
+              </a:spcBef>
+              <a:buFont typeface="Arial" pitchFamily="34" charset="0"/>
+              <a:buChar char="•"/>
+              <a:defRPr sz="2000" kern="1200">
+                <a:solidFill>
+                  <a:schemeClr val="tx1"/>
+                </a:solidFill>
+                <a:latin typeface="+mn-lt"/>
+                <a:ea typeface="+mn-ea"/>
+                <a:cs typeface="+mn-cs"/>
+              </a:defRPr>
+            </a:lvl6pPr>
+            <a:lvl7pPr marL="3031412" indent="-233186" algn="l" defTabSz="932742" rtl="0" eaLnBrk="1" latinLnBrk="0" hangingPunct="1">
+              <a:spcBef>
+                <a:spcPct val="20000"/>
+              </a:spcBef>
+              <a:buFont typeface="Arial" pitchFamily="34" charset="0"/>
+              <a:buChar char="•"/>
+              <a:defRPr sz="2000" kern="1200">
+                <a:solidFill>
+                  <a:schemeClr val="tx1"/>
+                </a:solidFill>
+                <a:latin typeface="+mn-lt"/>
+                <a:ea typeface="+mn-ea"/>
+                <a:cs typeface="+mn-cs"/>
+              </a:defRPr>
+            </a:lvl7pPr>
+            <a:lvl8pPr marL="3497783" indent="-233186" algn="l" defTabSz="932742" rtl="0" eaLnBrk="1" latinLnBrk="0" hangingPunct="1">
+              <a:spcBef>
+                <a:spcPct val="20000"/>
+              </a:spcBef>
+              <a:buFont typeface="Arial" pitchFamily="34" charset="0"/>
+              <a:buChar char="•"/>
+              <a:defRPr sz="2000" kern="1200">
+                <a:solidFill>
+                  <a:schemeClr val="tx1"/>
+                </a:solidFill>
+                <a:latin typeface="+mn-lt"/>
+                <a:ea typeface="+mn-ea"/>
+                <a:cs typeface="+mn-cs"/>
+              </a:defRPr>
+            </a:lvl8pPr>
+            <a:lvl9pPr marL="3964155" indent="-233186" algn="l" defTabSz="932742" rtl="0" eaLnBrk="1" latinLnBrk="0" hangingPunct="1">
+              <a:spcBef>
+                <a:spcPct val="20000"/>
+              </a:spcBef>
+              <a:buFont typeface="Arial" pitchFamily="34" charset="0"/>
+              <a:buChar char="•"/>
+              <a:defRPr sz="2000" kern="1200">
+                <a:solidFill>
+                  <a:schemeClr val="tx1"/>
+                </a:solidFill>
+                <a:latin typeface="+mn-lt"/>
+                <a:ea typeface="+mn-ea"/>
+                <a:cs typeface="+mn-cs"/>
+              </a:defRPr>
+            </a:lvl9pPr>
+          </a:lstStyle>
+          <a:p>
+            <a:pPr marL="742950" indent="-742950">
+              <a:buFont typeface="Arial" pitchFamily="34" charset="0"/>
+              <a:buAutoNum type="alphaLcPeriod"/>
+            </a:pPr>
+            <a:r>
+              <a:rPr lang="en-US" dirty="0"/>
+              <a:t>Testing live databases is hard</a:t>
+            </a:r>
+          </a:p>
+          <a:p>
+            <a:pPr marL="742950" indent="-742950">
+              <a:buFont typeface="Arial" pitchFamily="34" charset="0"/>
+              <a:buAutoNum type="alphaLcPeriod"/>
+            </a:pPr>
+            <a:r>
+              <a:rPr lang="en-US" dirty="0"/>
+              <a:t>Testing live full systems is hard</a:t>
+            </a:r>
+          </a:p>
+          <a:p>
+            <a:pPr marL="742950" indent="-742950">
+              <a:buFont typeface="Arial" pitchFamily="34" charset="0"/>
+              <a:buAutoNum type="alphaLcPeriod"/>
+            </a:pPr>
+            <a:r>
+              <a:rPr lang="en-US" dirty="0"/>
+              <a:t>By transitivity: Testing … is hard…</a:t>
+            </a:r>
+          </a:p>
+        </p:txBody>
+      </p:sp>
+      <p:sp>
+        <p:nvSpPr>
+          <p:cNvPr id="4" name="Rectangle 3">
+            <a:extLst>
+              <a:ext uri="{FF2B5EF4-FFF2-40B4-BE49-F238E27FC236}">
+                <a16:creationId xmlns:a16="http://schemas.microsoft.com/office/drawing/2014/main" id="{03F24B2C-E6C3-447F-8D4F-6052629E0D33}"/>
+              </a:ext>
+            </a:extLst>
+          </p:cNvPr>
+          <p:cNvSpPr/>
+          <p:nvPr/>
+        </p:nvSpPr>
+        <p:spPr bwMode="auto">
+          <a:xfrm rot="1468987">
+            <a:off x="6203554" y="810536"/>
+            <a:ext cx="2743169" cy="1005829"/>
+          </a:xfrm>
+          <a:prstGeom prst="rect">
+            <a:avLst/>
+          </a:prstGeom>
+          <a:solidFill>
+            <a:srgbClr val="68217A"/>
+          </a:solidFill>
+          <a:ln>
+            <a:noFill/>
+            <a:headEnd type="none" w="med" len="med"/>
+            <a:tailEnd type="none" w="med" len="med"/>
+          </a:ln>
+          <a:effectLst/>
+        </p:spPr>
+        <p:style>
+          <a:lnRef idx="1">
+            <a:schemeClr val="accent2"/>
+          </a:lnRef>
+          <a:fillRef idx="3">
+            <a:schemeClr val="accent2"/>
+          </a:fillRef>
+          <a:effectRef idx="2">
+            <a:schemeClr val="accent2"/>
+          </a:effectRef>
+          <a:fontRef idx="minor">
+            <a:schemeClr val="lt1"/>
+          </a:fontRef>
+        </p:style>
+        <p:txBody>
+          <a:bodyPr rot="0" spcFirstLastPara="0" vertOverflow="overflow" horzOverflow="overflow" vert="horz" wrap="square" lIns="182880" tIns="146304" rIns="182880" bIns="146304" numCol="1" spcCol="0" rtlCol="0" fromWordArt="0" anchor="t" anchorCtr="0" forceAA="0" compatLnSpc="1">
+            <a:prstTxWarp prst="textNoShape">
+              <a:avLst/>
+            </a:prstTxWarp>
+            <a:noAutofit/>
+          </a:bodyPr>
+          <a:lstStyle/>
+          <a:p>
+            <a:pPr algn="ctr" defTabSz="932472" fontAlgn="base">
+              <a:lnSpc>
+                <a:spcPct val="90000"/>
+              </a:lnSpc>
+              <a:spcBef>
+                <a:spcPct val="0"/>
+              </a:spcBef>
+              <a:spcAft>
+                <a:spcPct val="0"/>
+              </a:spcAft>
+            </a:pPr>
+            <a:r>
+              <a:rPr lang="en-US" sz="4800" dirty="0">
+                <a:gradFill>
+                  <a:gsLst>
+                    <a:gs pos="0">
+                      <a:srgbClr val="FFFFFF"/>
+                    </a:gs>
+                    <a:gs pos="100000">
+                      <a:srgbClr val="FFFFFF"/>
+                    </a:gs>
+                  </a:gsLst>
+                  <a:lin ang="5400000" scaled="0"/>
+                </a:gradFill>
+                <a:ea typeface="Segoe UI" pitchFamily="34" charset="0"/>
+                <a:cs typeface="Segoe UI" pitchFamily="34" charset="0"/>
+              </a:rPr>
+              <a:t>Timing</a:t>
+            </a:r>
+          </a:p>
+        </p:txBody>
+      </p:sp>
+    </p:spTree>
+    <p:extLst>
+      <p:ext uri="{BB962C8B-B14F-4D97-AF65-F5344CB8AC3E}">
+        <p14:creationId xmlns:p14="http://schemas.microsoft.com/office/powerpoint/2010/main" val="2726256090"/>
+      </p:ext>
+    </p:extLst>
+  </p:cSld>
+  <p:clrMapOvr>
+    <a:masterClrMapping/>
+  </p:clrMapOvr>
+  <p:transition>
+    <p:fade/>
+  </p:transition>
+</p:sld>
+</file>
+
+<file path=ppt/slides/slide4.xml><?xml version="1.0" encoding="utf-8"?>
 <p:sld xmlns:a="http://schemas.openxmlformats.org/drawingml/2006/main" xmlns:r="http://schemas.openxmlformats.org/officeDocument/2006/relationships" xmlns:p="http://schemas.openxmlformats.org/presentationml/2006/main">
   <p:cSld>
     <p:spTree>
@@ -10297,1310 +13214,7 @@
 </p:sld>
 </file>
 
-<file path=ppt/slides/slide20.xml><?xml version="1.0" encoding="utf-8"?>
-<p:sld xmlns:a="http://schemas.openxmlformats.org/drawingml/2006/main" xmlns:r="http://schemas.openxmlformats.org/officeDocument/2006/relationships" xmlns:p="http://schemas.openxmlformats.org/presentationml/2006/main">
-  <p:cSld>
-    <p:spTree>
-      <p:nvGrpSpPr>
-        <p:cNvPr id="1" name=""/>
-        <p:cNvGrpSpPr/>
-        <p:nvPr/>
-      </p:nvGrpSpPr>
-      <p:grpSpPr>
-        <a:xfrm>
-          <a:off x="0" y="0"/>
-          <a:ext cx="0" cy="0"/>
-          <a:chOff x="0" y="0"/>
-          <a:chExt cx="0" cy="0"/>
-        </a:xfrm>
-      </p:grpSpPr>
-      <p:sp>
-        <p:nvSpPr>
-          <p:cNvPr id="4" name="Title 3"/>
-          <p:cNvSpPr>
-            <a:spLocks noGrp="1"/>
-          </p:cNvSpPr>
-          <p:nvPr>
-            <p:ph type="title"/>
-          </p:nvPr>
-        </p:nvSpPr>
-        <p:spPr/>
-        <p:txBody>
-          <a:bodyPr/>
-          <a:lstStyle/>
-          <a:p>
-            <a:r>
-              <a:rPr lang="da-DK" dirty="0"/>
-              <a:t>Demo</a:t>
-            </a:r>
-          </a:p>
-        </p:txBody>
-      </p:sp>
-    </p:spTree>
-    <p:extLst>
-      <p:ext uri="{BB962C8B-B14F-4D97-AF65-F5344CB8AC3E}">
-        <p14:creationId xmlns:p14="http://schemas.microsoft.com/office/powerpoint/2010/main" val="3099204126"/>
-      </p:ext>
-    </p:extLst>
-  </p:cSld>
-  <p:clrMapOvr>
-    <a:masterClrMapping/>
-  </p:clrMapOvr>
-  <p:transition>
-    <p:fade/>
-  </p:transition>
-</p:sld>
-</file>
-
-<file path=ppt/slides/slide21.xml><?xml version="1.0" encoding="utf-8"?>
-<p:sld xmlns:a="http://schemas.openxmlformats.org/drawingml/2006/main" xmlns:r="http://schemas.openxmlformats.org/officeDocument/2006/relationships" xmlns:p="http://schemas.openxmlformats.org/presentationml/2006/main">
-  <p:cSld>
-    <p:spTree>
-      <p:nvGrpSpPr>
-        <p:cNvPr id="1" name=""/>
-        <p:cNvGrpSpPr/>
-        <p:nvPr/>
-      </p:nvGrpSpPr>
-      <p:grpSpPr>
-        <a:xfrm>
-          <a:off x="0" y="0"/>
-          <a:ext cx="0" cy="0"/>
-          <a:chOff x="0" y="0"/>
-          <a:chExt cx="0" cy="0"/>
-        </a:xfrm>
-      </p:grpSpPr>
-      <p:sp>
-        <p:nvSpPr>
-          <p:cNvPr id="3" name="Title 2"/>
-          <p:cNvSpPr>
-            <a:spLocks noGrp="1"/>
-          </p:cNvSpPr>
-          <p:nvPr>
-            <p:ph type="title"/>
-          </p:nvPr>
-        </p:nvSpPr>
-        <p:spPr/>
-        <p:txBody>
-          <a:bodyPr/>
-          <a:lstStyle/>
-          <a:p>
-            <a:r>
-              <a:rPr lang="da-DK" dirty="0" err="1"/>
-              <a:t>Testing</a:t>
-            </a:r>
-            <a:r>
-              <a:rPr lang="da-DK" dirty="0"/>
-              <a:t> </a:t>
-            </a:r>
-            <a:br>
-              <a:rPr lang="da-DK" dirty="0"/>
-            </a:br>
-            <a:r>
-              <a:rPr lang="da-DK" dirty="0" err="1"/>
-              <a:t>Entity</a:t>
-            </a:r>
-            <a:r>
-              <a:rPr lang="da-DK" dirty="0"/>
-              <a:t> Framework</a:t>
-            </a:r>
-          </a:p>
-        </p:txBody>
-      </p:sp>
-    </p:spTree>
-    <p:extLst>
-      <p:ext uri="{BB962C8B-B14F-4D97-AF65-F5344CB8AC3E}">
-        <p14:creationId xmlns:p14="http://schemas.microsoft.com/office/powerpoint/2010/main" val="3387630413"/>
-      </p:ext>
-    </p:extLst>
-  </p:cSld>
-  <p:clrMapOvr>
-    <a:masterClrMapping/>
-  </p:clrMapOvr>
-  <p:transition>
-    <p:fade/>
-  </p:transition>
-</p:sld>
-</file>
-
-<file path=ppt/slides/slide22.xml><?xml version="1.0" encoding="utf-8"?>
-<p:sld xmlns:a="http://schemas.openxmlformats.org/drawingml/2006/main" xmlns:r="http://schemas.openxmlformats.org/officeDocument/2006/relationships" xmlns:p="http://schemas.openxmlformats.org/presentationml/2006/main">
-  <p:cSld>
-    <p:bg>
-      <p:bgPr>
-        <a:solidFill>
-          <a:schemeClr val="tx1"/>
-        </a:solidFill>
-        <a:effectLst/>
-      </p:bgPr>
-    </p:bg>
-    <p:spTree>
-      <p:nvGrpSpPr>
-        <p:cNvPr id="1" name=""/>
-        <p:cNvGrpSpPr/>
-        <p:nvPr/>
-      </p:nvGrpSpPr>
-      <p:grpSpPr>
-        <a:xfrm>
-          <a:off x="0" y="0"/>
-          <a:ext cx="0" cy="0"/>
-          <a:chOff x="0" y="0"/>
-          <a:chExt cx="0" cy="0"/>
-        </a:xfrm>
-      </p:grpSpPr>
-      <p:sp>
-        <p:nvSpPr>
-          <p:cNvPr id="2" name="Rectangle 1">
-            <a:extLst>
-              <a:ext uri="{FF2B5EF4-FFF2-40B4-BE49-F238E27FC236}">
-                <a16:creationId xmlns:a16="http://schemas.microsoft.com/office/drawing/2014/main" id="{516C630B-9511-404C-83EA-905DB27CC51C}"/>
-              </a:ext>
-            </a:extLst>
-          </p:cNvPr>
-          <p:cNvSpPr/>
-          <p:nvPr/>
-        </p:nvSpPr>
-        <p:spPr>
-          <a:xfrm>
-            <a:off x="365648" y="2272796"/>
-            <a:ext cx="8778144" cy="4247317"/>
-          </a:xfrm>
-          <a:prstGeom prst="rect">
-            <a:avLst/>
-          </a:prstGeom>
-        </p:spPr>
-        <p:txBody>
-          <a:bodyPr wrap="square">
-            <a:spAutoFit/>
-          </a:bodyPr>
-          <a:lstStyle/>
-          <a:p>
-            <a:r>
-              <a:rPr lang="en-US" dirty="0">
-                <a:solidFill>
-                  <a:srgbClr val="008000"/>
-                </a:solidFill>
-                <a:latin typeface="Consolas" panose="020B0609020204030204" pitchFamily="49" charset="0"/>
-              </a:rPr>
-              <a:t>// In Memory Database:</a:t>
-            </a:r>
-            <a:endParaRPr lang="en-US" dirty="0"/>
-          </a:p>
-          <a:p>
-            <a:r>
-              <a:rPr lang="en-US" dirty="0">
-                <a:solidFill>
-                  <a:srgbClr val="0000FF"/>
-                </a:solidFill>
-                <a:latin typeface="Consolas" panose="020B0609020204030204" pitchFamily="49" charset="0"/>
-              </a:rPr>
-              <a:t>var</a:t>
-            </a:r>
-            <a:r>
-              <a:rPr lang="en-US" dirty="0">
-                <a:solidFill>
-                  <a:srgbClr val="000000"/>
-                </a:solidFill>
-                <a:latin typeface="Consolas" panose="020B0609020204030204" pitchFamily="49" charset="0"/>
-              </a:rPr>
-              <a:t> builder = </a:t>
-            </a:r>
-            <a:r>
-              <a:rPr lang="en-US" dirty="0">
-                <a:solidFill>
-                  <a:srgbClr val="0000FF"/>
-                </a:solidFill>
-                <a:latin typeface="Consolas" panose="020B0609020204030204" pitchFamily="49" charset="0"/>
-              </a:rPr>
-              <a:t>new</a:t>
-            </a:r>
-            <a:r>
-              <a:rPr lang="en-US" dirty="0">
-                <a:solidFill>
-                  <a:srgbClr val="000000"/>
-                </a:solidFill>
-                <a:latin typeface="Consolas" panose="020B0609020204030204" pitchFamily="49" charset="0"/>
-              </a:rPr>
-              <a:t> </a:t>
-            </a:r>
-            <a:r>
-              <a:rPr lang="en-US" dirty="0" err="1">
-                <a:solidFill>
-                  <a:srgbClr val="2B91AF"/>
-                </a:solidFill>
-                <a:latin typeface="Consolas" panose="020B0609020204030204" pitchFamily="49" charset="0"/>
-              </a:rPr>
-              <a:t>DbContextOptionsBuilder</a:t>
-            </a:r>
-            <a:r>
-              <a:rPr lang="en-US" dirty="0">
-                <a:solidFill>
-                  <a:srgbClr val="000000"/>
-                </a:solidFill>
-                <a:latin typeface="Consolas" panose="020B0609020204030204" pitchFamily="49" charset="0"/>
-              </a:rPr>
-              <a:t>&lt;</a:t>
-            </a:r>
-            <a:r>
-              <a:rPr lang="en-US" dirty="0" err="1">
-                <a:solidFill>
-                  <a:srgbClr val="2B91AF"/>
-                </a:solidFill>
-                <a:latin typeface="Consolas" panose="020B0609020204030204" pitchFamily="49" charset="0"/>
-              </a:rPr>
-              <a:t>MyContext</a:t>
-            </a:r>
-            <a:r>
-              <a:rPr lang="en-US" dirty="0">
-                <a:solidFill>
-                  <a:srgbClr val="000000"/>
-                </a:solidFill>
-                <a:latin typeface="Consolas" panose="020B0609020204030204" pitchFamily="49" charset="0"/>
-              </a:rPr>
-              <a:t>&gt;()</a:t>
-            </a:r>
-          </a:p>
-          <a:p>
-            <a:r>
-              <a:rPr lang="en-US" dirty="0">
-                <a:solidFill>
-                  <a:srgbClr val="000000"/>
-                </a:solidFill>
-                <a:latin typeface="Consolas" panose="020B0609020204030204" pitchFamily="49" charset="0"/>
-              </a:rPr>
-              <a:t>              .</a:t>
-            </a:r>
-            <a:r>
-              <a:rPr lang="en-US" dirty="0" err="1">
-                <a:solidFill>
-                  <a:srgbClr val="000000"/>
-                </a:solidFill>
-                <a:latin typeface="Consolas" panose="020B0609020204030204" pitchFamily="49" charset="0"/>
-              </a:rPr>
-              <a:t>UseInMemoryDatabase</a:t>
-            </a:r>
-            <a:r>
-              <a:rPr lang="en-US" dirty="0">
-                <a:solidFill>
-                  <a:srgbClr val="000000"/>
-                </a:solidFill>
-                <a:latin typeface="Consolas" panose="020B0609020204030204" pitchFamily="49" charset="0"/>
-              </a:rPr>
-              <a:t>(</a:t>
-            </a:r>
-            <a:r>
-              <a:rPr lang="en-US" dirty="0" err="1">
-                <a:solidFill>
-                  <a:srgbClr val="000000"/>
-                </a:solidFill>
-                <a:latin typeface="Consolas" panose="020B0609020204030204" pitchFamily="49" charset="0"/>
-              </a:rPr>
-              <a:t>databaseName</a:t>
-            </a:r>
-            <a:r>
-              <a:rPr lang="en-US" dirty="0">
-                <a:solidFill>
-                  <a:srgbClr val="000000"/>
-                </a:solidFill>
-                <a:latin typeface="Consolas" panose="020B0609020204030204" pitchFamily="49" charset="0"/>
-              </a:rPr>
-              <a:t>: </a:t>
-            </a:r>
-            <a:r>
-              <a:rPr lang="en-US" dirty="0" err="1">
-                <a:solidFill>
-                  <a:srgbClr val="0000FF"/>
-                </a:solidFill>
-                <a:latin typeface="Consolas" panose="020B0609020204030204" pitchFamily="49" charset="0"/>
-              </a:rPr>
-              <a:t>nameof</a:t>
-            </a:r>
-            <a:r>
-              <a:rPr lang="en-US" dirty="0">
-                <a:solidFill>
-                  <a:srgbClr val="000000"/>
-                </a:solidFill>
-                <a:latin typeface="Consolas" panose="020B0609020204030204" pitchFamily="49" charset="0"/>
-              </a:rPr>
-              <a:t>(&lt;name&gt;));</a:t>
-            </a:r>
-          </a:p>
-          <a:p>
-            <a:endParaRPr lang="da-DK" dirty="0">
-              <a:solidFill>
-                <a:srgbClr val="000000"/>
-              </a:solidFill>
-              <a:latin typeface="Consolas" panose="020B0609020204030204" pitchFamily="49" charset="0"/>
-            </a:endParaRPr>
-          </a:p>
-          <a:p>
-            <a:endParaRPr lang="da-DK" dirty="0">
-              <a:solidFill>
-                <a:srgbClr val="000000"/>
-              </a:solidFill>
-              <a:latin typeface="Consolas" panose="020B0609020204030204" pitchFamily="49" charset="0"/>
-            </a:endParaRPr>
-          </a:p>
-          <a:p>
-            <a:endParaRPr lang="da-DK" dirty="0">
-              <a:solidFill>
-                <a:srgbClr val="000000"/>
-              </a:solidFill>
-              <a:latin typeface="Consolas" panose="020B0609020204030204" pitchFamily="49" charset="0"/>
-            </a:endParaRPr>
-          </a:p>
-          <a:p>
-            <a:r>
-              <a:rPr lang="en-US" dirty="0">
-                <a:solidFill>
-                  <a:srgbClr val="008000"/>
-                </a:solidFill>
-                <a:latin typeface="Consolas" panose="020B0609020204030204" pitchFamily="49" charset="0"/>
-              </a:rPr>
-              <a:t>// SQLite:</a:t>
-            </a:r>
-            <a:endParaRPr lang="en-US" dirty="0">
-              <a:solidFill>
-                <a:srgbClr val="000000"/>
-              </a:solidFill>
-              <a:latin typeface="Consolas" panose="020B0609020204030204" pitchFamily="49" charset="0"/>
-            </a:endParaRPr>
-          </a:p>
-          <a:p>
-            <a:r>
-              <a:rPr lang="en-US" dirty="0">
-                <a:solidFill>
-                  <a:srgbClr val="0000FF"/>
-                </a:solidFill>
-                <a:latin typeface="Consolas" panose="020B0609020204030204" pitchFamily="49" charset="0"/>
-              </a:rPr>
-              <a:t>var</a:t>
-            </a:r>
-            <a:r>
-              <a:rPr lang="en-US" dirty="0">
-                <a:solidFill>
-                  <a:srgbClr val="000000"/>
-                </a:solidFill>
-                <a:latin typeface="Consolas" panose="020B0609020204030204" pitchFamily="49" charset="0"/>
-              </a:rPr>
-              <a:t> connection = </a:t>
-            </a:r>
-            <a:r>
-              <a:rPr lang="en-US" dirty="0">
-                <a:solidFill>
-                  <a:srgbClr val="0000FF"/>
-                </a:solidFill>
-                <a:latin typeface="Consolas" panose="020B0609020204030204" pitchFamily="49" charset="0"/>
-              </a:rPr>
-              <a:t>new</a:t>
-            </a:r>
-            <a:r>
-              <a:rPr lang="en-US" dirty="0">
-                <a:solidFill>
-                  <a:srgbClr val="000000"/>
-                </a:solidFill>
-                <a:latin typeface="Consolas" panose="020B0609020204030204" pitchFamily="49" charset="0"/>
-              </a:rPr>
-              <a:t> </a:t>
-            </a:r>
-            <a:r>
-              <a:rPr lang="en-US" dirty="0" err="1">
-                <a:solidFill>
-                  <a:srgbClr val="2B91AF"/>
-                </a:solidFill>
-                <a:latin typeface="Consolas" panose="020B0609020204030204" pitchFamily="49" charset="0"/>
-              </a:rPr>
-              <a:t>SqliteConnection</a:t>
-            </a:r>
-            <a:r>
-              <a:rPr lang="en-US" dirty="0">
-                <a:solidFill>
-                  <a:srgbClr val="000000"/>
-                </a:solidFill>
-                <a:latin typeface="Consolas" panose="020B0609020204030204" pitchFamily="49" charset="0"/>
-              </a:rPr>
-              <a:t>(</a:t>
-            </a:r>
-            <a:r>
-              <a:rPr lang="en-US" dirty="0">
-                <a:solidFill>
-                  <a:srgbClr val="A31515"/>
-                </a:solidFill>
-                <a:latin typeface="Consolas" panose="020B0609020204030204" pitchFamily="49" charset="0"/>
-              </a:rPr>
-              <a:t>"</a:t>
-            </a:r>
-            <a:r>
-              <a:rPr lang="en-US" dirty="0" err="1">
-                <a:solidFill>
-                  <a:srgbClr val="A31515"/>
-                </a:solidFill>
-                <a:latin typeface="Consolas" panose="020B0609020204030204" pitchFamily="49" charset="0"/>
-              </a:rPr>
-              <a:t>DataSource</a:t>
-            </a:r>
-            <a:r>
-              <a:rPr lang="en-US" dirty="0">
-                <a:solidFill>
-                  <a:srgbClr val="A31515"/>
-                </a:solidFill>
-                <a:latin typeface="Consolas" panose="020B0609020204030204" pitchFamily="49" charset="0"/>
-              </a:rPr>
-              <a:t>=:memory:"</a:t>
-            </a:r>
-            <a:r>
-              <a:rPr lang="en-US" dirty="0">
-                <a:solidFill>
-                  <a:srgbClr val="000000"/>
-                </a:solidFill>
-                <a:latin typeface="Consolas" panose="020B0609020204030204" pitchFamily="49" charset="0"/>
-              </a:rPr>
-              <a:t>);</a:t>
-            </a:r>
-          </a:p>
-          <a:p>
-            <a:r>
-              <a:rPr lang="en-US" dirty="0" err="1">
-                <a:solidFill>
-                  <a:srgbClr val="000000"/>
-                </a:solidFill>
-                <a:latin typeface="Consolas" panose="020B0609020204030204" pitchFamily="49" charset="0"/>
-              </a:rPr>
-              <a:t>connection.Open</a:t>
-            </a:r>
-            <a:r>
-              <a:rPr lang="en-US" dirty="0">
-                <a:solidFill>
-                  <a:srgbClr val="000000"/>
-                </a:solidFill>
-                <a:latin typeface="Consolas" panose="020B0609020204030204" pitchFamily="49" charset="0"/>
-              </a:rPr>
-              <a:t>();</a:t>
-            </a:r>
-          </a:p>
-          <a:p>
-            <a:endParaRPr lang="en-US" dirty="0">
-              <a:solidFill>
-                <a:srgbClr val="000000"/>
-              </a:solidFill>
-              <a:latin typeface="Consolas" panose="020B0609020204030204" pitchFamily="49" charset="0"/>
-            </a:endParaRPr>
-          </a:p>
-          <a:p>
-            <a:r>
-              <a:rPr lang="en-US" dirty="0">
-                <a:solidFill>
-                  <a:srgbClr val="0000FF"/>
-                </a:solidFill>
-                <a:latin typeface="Consolas" panose="020B0609020204030204" pitchFamily="49" charset="0"/>
-              </a:rPr>
-              <a:t>var</a:t>
-            </a:r>
-            <a:r>
-              <a:rPr lang="en-US" dirty="0">
-                <a:solidFill>
-                  <a:srgbClr val="000000"/>
-                </a:solidFill>
-                <a:latin typeface="Consolas" panose="020B0609020204030204" pitchFamily="49" charset="0"/>
-              </a:rPr>
-              <a:t> builder = </a:t>
-            </a:r>
-            <a:r>
-              <a:rPr lang="en-US" dirty="0">
-                <a:solidFill>
-                  <a:srgbClr val="0000FF"/>
-                </a:solidFill>
-                <a:latin typeface="Consolas" panose="020B0609020204030204" pitchFamily="49" charset="0"/>
-              </a:rPr>
-              <a:t>new</a:t>
-            </a:r>
-            <a:r>
-              <a:rPr lang="en-US" dirty="0">
-                <a:solidFill>
-                  <a:srgbClr val="000000"/>
-                </a:solidFill>
-                <a:latin typeface="Consolas" panose="020B0609020204030204" pitchFamily="49" charset="0"/>
-              </a:rPr>
-              <a:t> </a:t>
-            </a:r>
-            <a:r>
-              <a:rPr lang="en-US" dirty="0" err="1">
-                <a:solidFill>
-                  <a:srgbClr val="2B91AF"/>
-                </a:solidFill>
-                <a:latin typeface="Consolas" panose="020B0609020204030204" pitchFamily="49" charset="0"/>
-              </a:rPr>
-              <a:t>DbContextOptionsBuilder</a:t>
-            </a:r>
-            <a:r>
-              <a:rPr lang="en-US" dirty="0">
-                <a:solidFill>
-                  <a:srgbClr val="000000"/>
-                </a:solidFill>
-                <a:latin typeface="Consolas" panose="020B0609020204030204" pitchFamily="49" charset="0"/>
-              </a:rPr>
-              <a:t>&lt;</a:t>
-            </a:r>
-            <a:r>
-              <a:rPr lang="en-US" dirty="0" err="1">
-                <a:solidFill>
-                  <a:srgbClr val="2B91AF"/>
-                </a:solidFill>
-                <a:latin typeface="Consolas" panose="020B0609020204030204" pitchFamily="49" charset="0"/>
-              </a:rPr>
-              <a:t>MyContext</a:t>
-            </a:r>
-            <a:r>
-              <a:rPr lang="en-US" dirty="0">
-                <a:solidFill>
-                  <a:srgbClr val="000000"/>
-                </a:solidFill>
-                <a:latin typeface="Consolas" panose="020B0609020204030204" pitchFamily="49" charset="0"/>
-              </a:rPr>
-              <a:t>&gt;()</a:t>
-            </a:r>
-          </a:p>
-          <a:p>
-            <a:r>
-              <a:rPr lang="en-US" dirty="0">
-                <a:solidFill>
-                  <a:srgbClr val="000000"/>
-                </a:solidFill>
-                <a:latin typeface="Consolas" panose="020B0609020204030204" pitchFamily="49" charset="0"/>
-              </a:rPr>
-              <a:t>              .</a:t>
-            </a:r>
-            <a:r>
-              <a:rPr lang="en-US" dirty="0" err="1">
-                <a:solidFill>
-                  <a:srgbClr val="000000"/>
-                </a:solidFill>
-                <a:latin typeface="Consolas" panose="020B0609020204030204" pitchFamily="49" charset="0"/>
-              </a:rPr>
-              <a:t>UseSqlite</a:t>
-            </a:r>
-            <a:r>
-              <a:rPr lang="en-US" dirty="0">
-                <a:solidFill>
-                  <a:srgbClr val="000000"/>
-                </a:solidFill>
-                <a:latin typeface="Consolas" panose="020B0609020204030204" pitchFamily="49" charset="0"/>
-              </a:rPr>
-              <a:t>(connection);</a:t>
-            </a:r>
-          </a:p>
-          <a:p>
-            <a:endParaRPr lang="en-US" dirty="0">
-              <a:solidFill>
-                <a:srgbClr val="000000"/>
-              </a:solidFill>
-              <a:latin typeface="Consolas" panose="020B0609020204030204" pitchFamily="49" charset="0"/>
-            </a:endParaRPr>
-          </a:p>
-          <a:p>
-            <a:r>
-              <a:rPr lang="en-US" dirty="0" err="1">
-                <a:solidFill>
-                  <a:srgbClr val="0000FF"/>
-                </a:solidFill>
-                <a:latin typeface="Consolas" panose="020B0609020204030204" pitchFamily="49" charset="0"/>
-              </a:rPr>
-              <a:t>var</a:t>
-            </a:r>
-            <a:r>
-              <a:rPr lang="en-US" dirty="0">
-                <a:solidFill>
-                  <a:srgbClr val="000000"/>
-                </a:solidFill>
-                <a:latin typeface="Consolas" panose="020B0609020204030204" pitchFamily="49" charset="0"/>
-              </a:rPr>
-              <a:t> context = </a:t>
-            </a:r>
-            <a:r>
-              <a:rPr lang="en-US" dirty="0">
-                <a:solidFill>
-                  <a:srgbClr val="0000FF"/>
-                </a:solidFill>
-                <a:latin typeface="Consolas" panose="020B0609020204030204" pitchFamily="49" charset="0"/>
-              </a:rPr>
-              <a:t>new</a:t>
-            </a:r>
-            <a:r>
-              <a:rPr lang="en-US" dirty="0">
-                <a:solidFill>
-                  <a:srgbClr val="000000"/>
-                </a:solidFill>
-                <a:latin typeface="Consolas" panose="020B0609020204030204" pitchFamily="49" charset="0"/>
-              </a:rPr>
-              <a:t> </a:t>
-            </a:r>
-            <a:r>
-              <a:rPr lang="en-US" dirty="0" err="1">
-                <a:solidFill>
-                  <a:srgbClr val="2B91AF"/>
-                </a:solidFill>
-                <a:latin typeface="Consolas" panose="020B0609020204030204" pitchFamily="49" charset="0"/>
-              </a:rPr>
-              <a:t>FuturamaContext</a:t>
-            </a:r>
-            <a:r>
-              <a:rPr lang="en-US" dirty="0">
-                <a:solidFill>
-                  <a:srgbClr val="000000"/>
-                </a:solidFill>
-                <a:latin typeface="Consolas" panose="020B0609020204030204" pitchFamily="49" charset="0"/>
-              </a:rPr>
-              <a:t>(</a:t>
-            </a:r>
-            <a:r>
-              <a:rPr lang="en-US" dirty="0" err="1">
-                <a:solidFill>
-                  <a:srgbClr val="000000"/>
-                </a:solidFill>
-                <a:latin typeface="Consolas" panose="020B0609020204030204" pitchFamily="49" charset="0"/>
-              </a:rPr>
-              <a:t>builder.Options</a:t>
-            </a:r>
-            <a:r>
-              <a:rPr lang="en-US" dirty="0">
-                <a:solidFill>
-                  <a:srgbClr val="000000"/>
-                </a:solidFill>
-                <a:latin typeface="Consolas" panose="020B0609020204030204" pitchFamily="49" charset="0"/>
-              </a:rPr>
-              <a:t>);</a:t>
-            </a:r>
-          </a:p>
-          <a:p>
-            <a:r>
-              <a:rPr lang="en-US" dirty="0" err="1">
-                <a:solidFill>
-                  <a:srgbClr val="000000"/>
-                </a:solidFill>
-                <a:latin typeface="Consolas" panose="020B0609020204030204" pitchFamily="49" charset="0"/>
-              </a:rPr>
-              <a:t>context.Database.EnsureCreated</a:t>
-            </a:r>
-            <a:r>
-              <a:rPr lang="en-US" dirty="0">
-                <a:solidFill>
-                  <a:srgbClr val="000000"/>
-                </a:solidFill>
-                <a:latin typeface="Consolas" panose="020B0609020204030204" pitchFamily="49" charset="0"/>
-              </a:rPr>
-              <a:t>();</a:t>
-            </a:r>
-            <a:endParaRPr lang="en-US" dirty="0"/>
-          </a:p>
-        </p:txBody>
-      </p:sp>
-      <p:sp>
-        <p:nvSpPr>
-          <p:cNvPr id="5" name="Title 1">
-            <a:extLst>
-              <a:ext uri="{FF2B5EF4-FFF2-40B4-BE49-F238E27FC236}">
-                <a16:creationId xmlns:a16="http://schemas.microsoft.com/office/drawing/2014/main" id="{E6DBCF4B-E1F6-4B8E-8370-48173BCC7950}"/>
-              </a:ext>
-            </a:extLst>
-          </p:cNvPr>
-          <p:cNvSpPr>
-            <a:spLocks noGrp="1"/>
-          </p:cNvSpPr>
-          <p:nvPr>
-            <p:ph type="title"/>
-          </p:nvPr>
-        </p:nvSpPr>
-        <p:spPr>
-          <a:xfrm>
-            <a:off x="273050" y="295275"/>
-            <a:ext cx="8778875" cy="917575"/>
-          </a:xfrm>
-        </p:spPr>
-        <p:txBody>
-          <a:bodyPr/>
-          <a:lstStyle/>
-          <a:p>
-            <a:r>
-              <a:rPr lang="da-DK" dirty="0">
-                <a:solidFill>
-                  <a:schemeClr val="bg1"/>
-                </a:solidFill>
-              </a:rPr>
-              <a:t>In Memory Database</a:t>
-            </a:r>
-          </a:p>
-        </p:txBody>
-      </p:sp>
-      <p:sp>
-        <p:nvSpPr>
-          <p:cNvPr id="3" name="Rectangle 2">
-            <a:extLst>
-              <a:ext uri="{FF2B5EF4-FFF2-40B4-BE49-F238E27FC236}">
-                <a16:creationId xmlns:a16="http://schemas.microsoft.com/office/drawing/2014/main" id="{73A13FC7-C9B9-4ACF-8DA1-C65CD06DB875}"/>
-              </a:ext>
-            </a:extLst>
-          </p:cNvPr>
-          <p:cNvSpPr/>
-          <p:nvPr/>
-        </p:nvSpPr>
-        <p:spPr>
-          <a:xfrm>
-            <a:off x="365648" y="1926593"/>
-            <a:ext cx="8412388" cy="369332"/>
-          </a:xfrm>
-          <a:prstGeom prst="rect">
-            <a:avLst/>
-          </a:prstGeom>
-        </p:spPr>
-        <p:txBody>
-          <a:bodyPr wrap="square">
-            <a:spAutoFit/>
-          </a:bodyPr>
-          <a:lstStyle/>
-          <a:p>
-            <a:r>
-              <a:rPr lang="da-DK" b="1" dirty="0">
-                <a:solidFill>
-                  <a:srgbClr val="000000"/>
-                </a:solidFill>
-                <a:latin typeface="Consolas" panose="020B0609020204030204" pitchFamily="49" charset="0"/>
-              </a:rPr>
-              <a:t>PM&gt; Install-Package Microsoft.EntityFrameworkCore.InMemory</a:t>
-            </a:r>
-            <a:endParaRPr lang="en-DK" b="1" dirty="0"/>
-          </a:p>
-        </p:txBody>
-      </p:sp>
-      <p:sp>
-        <p:nvSpPr>
-          <p:cNvPr id="6" name="Rectangle 5">
-            <a:extLst>
-              <a:ext uri="{FF2B5EF4-FFF2-40B4-BE49-F238E27FC236}">
-                <a16:creationId xmlns:a16="http://schemas.microsoft.com/office/drawing/2014/main" id="{74EBD5D9-E579-46BE-85E0-0FB529D9ECCF}"/>
-              </a:ext>
-            </a:extLst>
-          </p:cNvPr>
-          <p:cNvSpPr/>
-          <p:nvPr/>
-        </p:nvSpPr>
-        <p:spPr>
-          <a:xfrm>
-            <a:off x="365648" y="3585125"/>
-            <a:ext cx="8412388" cy="369332"/>
-          </a:xfrm>
-          <a:prstGeom prst="rect">
-            <a:avLst/>
-          </a:prstGeom>
-        </p:spPr>
-        <p:txBody>
-          <a:bodyPr wrap="square">
-            <a:spAutoFit/>
-          </a:bodyPr>
-          <a:lstStyle/>
-          <a:p>
-            <a:r>
-              <a:rPr lang="da-DK" b="1" dirty="0">
-                <a:solidFill>
-                  <a:srgbClr val="000000"/>
-                </a:solidFill>
-                <a:latin typeface="Consolas" panose="020B0609020204030204" pitchFamily="49" charset="0"/>
-              </a:rPr>
-              <a:t>PM&gt; Install-Package Microsoft.EntityFrameworkCore.SqlLite</a:t>
-            </a:r>
-            <a:endParaRPr lang="en-DK" b="1" dirty="0"/>
-          </a:p>
-        </p:txBody>
-      </p:sp>
-    </p:spTree>
-    <p:extLst>
-      <p:ext uri="{BB962C8B-B14F-4D97-AF65-F5344CB8AC3E}">
-        <p14:creationId xmlns:p14="http://schemas.microsoft.com/office/powerpoint/2010/main" val="1997631093"/>
-      </p:ext>
-    </p:extLst>
-  </p:cSld>
-  <p:clrMapOvr>
-    <a:masterClrMapping/>
-  </p:clrMapOvr>
-  <p:transition>
-    <p:fade/>
-  </p:transition>
-</p:sld>
-</file>
-
-<file path=ppt/slides/slide23.xml><?xml version="1.0" encoding="utf-8"?>
-<p:sld xmlns:a="http://schemas.openxmlformats.org/drawingml/2006/main" xmlns:r="http://schemas.openxmlformats.org/officeDocument/2006/relationships" xmlns:p="http://schemas.openxmlformats.org/presentationml/2006/main">
-  <p:cSld>
-    <p:bg>
-      <p:bgPr>
-        <a:solidFill>
-          <a:srgbClr val="505050"/>
-        </a:solidFill>
-        <a:effectLst/>
-      </p:bgPr>
-    </p:bg>
-    <p:spTree>
-      <p:nvGrpSpPr>
-        <p:cNvPr id="1" name=""/>
-        <p:cNvGrpSpPr/>
-        <p:nvPr/>
-      </p:nvGrpSpPr>
-      <p:grpSpPr>
-        <a:xfrm>
-          <a:off x="0" y="0"/>
-          <a:ext cx="0" cy="0"/>
-          <a:chOff x="0" y="0"/>
-          <a:chExt cx="0" cy="0"/>
-        </a:xfrm>
-      </p:grpSpPr>
-      <p:sp>
-        <p:nvSpPr>
-          <p:cNvPr id="2" name="Title 1"/>
-          <p:cNvSpPr>
-            <a:spLocks noGrp="1"/>
-          </p:cNvSpPr>
-          <p:nvPr>
-            <p:ph type="title"/>
-          </p:nvPr>
-        </p:nvSpPr>
-        <p:spPr/>
-        <p:txBody>
-          <a:bodyPr/>
-          <a:lstStyle/>
-          <a:p>
-            <a:r>
-              <a:rPr lang="da-DK" dirty="0">
-                <a:solidFill>
-                  <a:schemeClr val="bg1"/>
-                </a:solidFill>
-              </a:rPr>
-              <a:t>Best practices</a:t>
-            </a:r>
-          </a:p>
-        </p:txBody>
-      </p:sp>
-      <p:sp>
-        <p:nvSpPr>
-          <p:cNvPr id="8" name="Rectangle 7"/>
-          <p:cNvSpPr/>
-          <p:nvPr/>
-        </p:nvSpPr>
-        <p:spPr bwMode="auto">
-          <a:xfrm>
-            <a:off x="1737233" y="1851360"/>
-            <a:ext cx="3593167" cy="1554463"/>
-          </a:xfrm>
-          <a:prstGeom prst="rect">
-            <a:avLst/>
-          </a:prstGeom>
-          <a:solidFill>
-            <a:srgbClr val="68217A"/>
-          </a:solidFill>
-          <a:ln>
-            <a:noFill/>
-            <a:headEnd type="none" w="med" len="med"/>
-            <a:tailEnd type="none" w="med" len="med"/>
-          </a:ln>
-          <a:effectLst/>
-        </p:spPr>
-        <p:style>
-          <a:lnRef idx="1">
-            <a:schemeClr val="accent2"/>
-          </a:lnRef>
-          <a:fillRef idx="3">
-            <a:schemeClr val="accent2"/>
-          </a:fillRef>
-          <a:effectRef idx="2">
-            <a:schemeClr val="accent2"/>
-          </a:effectRef>
-          <a:fontRef idx="minor">
-            <a:schemeClr val="lt1"/>
-          </a:fontRef>
-        </p:style>
-        <p:txBody>
-          <a:bodyPr rot="0" spcFirstLastPara="0" vertOverflow="overflow" horzOverflow="overflow" vert="horz" wrap="square" lIns="182880" tIns="146304" rIns="182880" bIns="146304" numCol="1" spcCol="0" rtlCol="0" fromWordArt="0" anchor="t" anchorCtr="0" forceAA="0" compatLnSpc="1">
-            <a:prstTxWarp prst="textNoShape">
-              <a:avLst/>
-            </a:prstTxWarp>
-            <a:noAutofit/>
-          </a:bodyPr>
-          <a:lstStyle/>
-          <a:p>
-            <a:pPr algn="ctr" defTabSz="932472" fontAlgn="base">
-              <a:lnSpc>
-                <a:spcPct val="90000"/>
-              </a:lnSpc>
-              <a:spcBef>
-                <a:spcPct val="0"/>
-              </a:spcBef>
-              <a:spcAft>
-                <a:spcPct val="0"/>
-              </a:spcAft>
-            </a:pPr>
-            <a:r>
-              <a:rPr lang="da-DK" sz="2800" dirty="0" err="1">
-                <a:gradFill>
-                  <a:gsLst>
-                    <a:gs pos="0">
-                      <a:srgbClr val="FFFFFF"/>
-                    </a:gs>
-                    <a:gs pos="100000">
-                      <a:srgbClr val="FFFFFF"/>
-                    </a:gs>
-                  </a:gsLst>
-                  <a:lin ang="5400000" scaled="0"/>
-                </a:gradFill>
-                <a:ea typeface="Segoe UI" pitchFamily="34" charset="0"/>
-                <a:cs typeface="Segoe UI" pitchFamily="34" charset="0"/>
-              </a:rPr>
-              <a:t>Wrap</a:t>
-            </a:r>
-            <a:r>
-              <a:rPr lang="da-DK" sz="2800" dirty="0">
-                <a:gradFill>
-                  <a:gsLst>
-                    <a:gs pos="0">
-                      <a:srgbClr val="FFFFFF"/>
-                    </a:gs>
-                    <a:gs pos="100000">
-                      <a:srgbClr val="FFFFFF"/>
-                    </a:gs>
-                  </a:gsLst>
-                  <a:lin ang="5400000" scaled="0"/>
-                </a:gradFill>
-                <a:ea typeface="Segoe UI" pitchFamily="34" charset="0"/>
-                <a:cs typeface="Segoe UI" pitchFamily="34" charset="0"/>
-              </a:rPr>
-              <a:t> in </a:t>
-            </a:r>
-            <a:r>
-              <a:rPr lang="da-DK" sz="2800" dirty="0" err="1">
-                <a:gradFill>
-                  <a:gsLst>
-                    <a:gs pos="0">
-                      <a:srgbClr val="FFFFFF"/>
-                    </a:gs>
-                    <a:gs pos="100000">
-                      <a:srgbClr val="FFFFFF"/>
-                    </a:gs>
-                  </a:gsLst>
-                  <a:lin ang="5400000" scaled="0"/>
-                </a:gradFill>
-                <a:ea typeface="Segoe UI" pitchFamily="34" charset="0"/>
-                <a:cs typeface="Segoe UI" pitchFamily="34" charset="0"/>
-              </a:rPr>
-              <a:t>logical</a:t>
-            </a:r>
-            <a:r>
-              <a:rPr lang="da-DK" sz="2800" dirty="0">
-                <a:gradFill>
-                  <a:gsLst>
-                    <a:gs pos="0">
-                      <a:srgbClr val="FFFFFF"/>
-                    </a:gs>
-                    <a:gs pos="100000">
-                      <a:srgbClr val="FFFFFF"/>
-                    </a:gs>
-                  </a:gsLst>
-                  <a:lin ang="5400000" scaled="0"/>
-                </a:gradFill>
-                <a:ea typeface="Segoe UI" pitchFamily="34" charset="0"/>
-                <a:cs typeface="Segoe UI" pitchFamily="34" charset="0"/>
-              </a:rPr>
-              <a:t> units/service </a:t>
-            </a:r>
-            <a:r>
-              <a:rPr lang="da-DK" sz="2800" dirty="0" err="1">
-                <a:gradFill>
-                  <a:gsLst>
-                    <a:gs pos="0">
-                      <a:srgbClr val="FFFFFF"/>
-                    </a:gs>
-                    <a:gs pos="100000">
-                      <a:srgbClr val="FFFFFF"/>
-                    </a:gs>
-                  </a:gsLst>
-                  <a:lin ang="5400000" scaled="0"/>
-                </a:gradFill>
-                <a:ea typeface="Segoe UI" pitchFamily="34" charset="0"/>
-                <a:cs typeface="Segoe UI" pitchFamily="34" charset="0"/>
-              </a:rPr>
-              <a:t>classes</a:t>
-            </a:r>
-            <a:r>
-              <a:rPr lang="da-DK" sz="2800" dirty="0">
-                <a:gradFill>
-                  <a:gsLst>
-                    <a:gs pos="0">
-                      <a:srgbClr val="FFFFFF"/>
-                    </a:gs>
-                    <a:gs pos="100000">
-                      <a:srgbClr val="FFFFFF"/>
-                    </a:gs>
-                  </a:gsLst>
-                  <a:lin ang="5400000" scaled="0"/>
-                </a:gradFill>
-                <a:ea typeface="Segoe UI" pitchFamily="34" charset="0"/>
-                <a:cs typeface="Segoe UI" pitchFamily="34" charset="0"/>
-              </a:rPr>
-              <a:t>/</a:t>
-            </a:r>
-            <a:r>
-              <a:rPr lang="da-DK" sz="2800" dirty="0" err="1">
-                <a:gradFill>
-                  <a:gsLst>
-                    <a:gs pos="0">
-                      <a:srgbClr val="FFFFFF"/>
-                    </a:gs>
-                    <a:gs pos="100000">
-                      <a:srgbClr val="FFFFFF"/>
-                    </a:gs>
-                  </a:gsLst>
-                  <a:lin ang="5400000" scaled="0"/>
-                </a:gradFill>
-                <a:ea typeface="Segoe UI" pitchFamily="34" charset="0"/>
-                <a:cs typeface="Segoe UI" pitchFamily="34" charset="0"/>
-              </a:rPr>
-              <a:t>repositories</a:t>
-            </a:r>
-            <a:endParaRPr lang="da-DK" sz="2800" dirty="0">
-              <a:gradFill>
-                <a:gsLst>
-                  <a:gs pos="0">
-                    <a:srgbClr val="FFFFFF"/>
-                  </a:gs>
-                  <a:gs pos="100000">
-                    <a:srgbClr val="FFFFFF"/>
-                  </a:gs>
-                </a:gsLst>
-                <a:lin ang="5400000" scaled="0"/>
-              </a:gradFill>
-              <a:ea typeface="Segoe UI" pitchFamily="34" charset="0"/>
-              <a:cs typeface="Segoe UI" pitchFamily="34" charset="0"/>
-            </a:endParaRPr>
-          </a:p>
-        </p:txBody>
-      </p:sp>
-      <p:sp>
-        <p:nvSpPr>
-          <p:cNvPr id="11" name="Rectangle 10"/>
-          <p:cNvSpPr/>
-          <p:nvPr/>
-        </p:nvSpPr>
-        <p:spPr bwMode="auto">
-          <a:xfrm>
-            <a:off x="5486232" y="3954457"/>
-            <a:ext cx="2651731" cy="1097268"/>
-          </a:xfrm>
-          <a:prstGeom prst="rect">
-            <a:avLst/>
-          </a:prstGeom>
-          <a:solidFill>
-            <a:srgbClr val="FF8C00"/>
-          </a:solidFill>
-          <a:ln>
-            <a:noFill/>
-            <a:headEnd type="none" w="med" len="med"/>
-            <a:tailEnd type="none" w="med" len="med"/>
-          </a:ln>
-          <a:effectLst/>
-        </p:spPr>
-        <p:style>
-          <a:lnRef idx="1">
-            <a:schemeClr val="accent2"/>
-          </a:lnRef>
-          <a:fillRef idx="3">
-            <a:schemeClr val="accent2"/>
-          </a:fillRef>
-          <a:effectRef idx="2">
-            <a:schemeClr val="accent2"/>
-          </a:effectRef>
-          <a:fontRef idx="minor">
-            <a:schemeClr val="lt1"/>
-          </a:fontRef>
-        </p:style>
-        <p:txBody>
-          <a:bodyPr rot="0" spcFirstLastPara="0" vertOverflow="overflow" horzOverflow="overflow" vert="horz" wrap="square" lIns="182880" tIns="146304" rIns="182880" bIns="146304" numCol="1" spcCol="0" rtlCol="0" fromWordArt="0" anchor="t" anchorCtr="0" forceAA="0" compatLnSpc="1">
-            <a:prstTxWarp prst="textNoShape">
-              <a:avLst/>
-            </a:prstTxWarp>
-            <a:noAutofit/>
-          </a:bodyPr>
-          <a:lstStyle/>
-          <a:p>
-            <a:pPr algn="ctr" defTabSz="932472" fontAlgn="base">
-              <a:lnSpc>
-                <a:spcPct val="90000"/>
-              </a:lnSpc>
-              <a:spcBef>
-                <a:spcPct val="0"/>
-              </a:spcBef>
-              <a:spcAft>
-                <a:spcPct val="0"/>
-              </a:spcAft>
-            </a:pPr>
-            <a:r>
-              <a:rPr lang="da-DK" sz="2800" dirty="0">
-                <a:solidFill>
-                  <a:schemeClr val="tx1"/>
-                </a:solidFill>
-                <a:ea typeface="Segoe UI" pitchFamily="34" charset="0"/>
-                <a:cs typeface="Segoe UI" pitchFamily="34" charset="0"/>
-              </a:rPr>
-              <a:t>Don’t test built-in code…</a:t>
-            </a:r>
-          </a:p>
-        </p:txBody>
-      </p:sp>
-      <p:sp>
-        <p:nvSpPr>
-          <p:cNvPr id="12" name="Rectangle 11"/>
-          <p:cNvSpPr/>
-          <p:nvPr/>
-        </p:nvSpPr>
-        <p:spPr bwMode="auto">
-          <a:xfrm>
-            <a:off x="1462916" y="4868847"/>
-            <a:ext cx="2926048" cy="1097268"/>
-          </a:xfrm>
-          <a:prstGeom prst="rect">
-            <a:avLst/>
-          </a:prstGeom>
-          <a:solidFill>
-            <a:srgbClr val="007233"/>
-          </a:solidFill>
-          <a:ln>
-            <a:noFill/>
-            <a:headEnd type="none" w="med" len="med"/>
-            <a:tailEnd type="none" w="med" len="med"/>
-          </a:ln>
-          <a:effectLst/>
-        </p:spPr>
-        <p:style>
-          <a:lnRef idx="1">
-            <a:schemeClr val="accent2"/>
-          </a:lnRef>
-          <a:fillRef idx="3">
-            <a:schemeClr val="accent2"/>
-          </a:fillRef>
-          <a:effectRef idx="2">
-            <a:schemeClr val="accent2"/>
-          </a:effectRef>
-          <a:fontRef idx="minor">
-            <a:schemeClr val="lt1"/>
-          </a:fontRef>
-        </p:style>
-        <p:txBody>
-          <a:bodyPr rot="0" spcFirstLastPara="0" vertOverflow="overflow" horzOverflow="overflow" vert="horz" wrap="square" lIns="182880" tIns="146304" rIns="182880" bIns="146304" numCol="1" spcCol="0" rtlCol="0" fromWordArt="0" anchor="t" anchorCtr="0" forceAA="0" compatLnSpc="1">
-            <a:prstTxWarp prst="textNoShape">
-              <a:avLst/>
-            </a:prstTxWarp>
-            <a:noAutofit/>
-          </a:bodyPr>
-          <a:lstStyle/>
-          <a:p>
-            <a:pPr algn="ctr" defTabSz="932472" fontAlgn="base">
-              <a:lnSpc>
-                <a:spcPct val="90000"/>
-              </a:lnSpc>
-              <a:spcBef>
-                <a:spcPct val="0"/>
-              </a:spcBef>
-              <a:spcAft>
-                <a:spcPct val="0"/>
-              </a:spcAft>
-            </a:pPr>
-            <a:r>
-              <a:rPr lang="da-DK" sz="2800" dirty="0">
-                <a:solidFill>
-                  <a:schemeClr val="bg1"/>
-                </a:solidFill>
-                <a:ea typeface="Segoe UI" pitchFamily="34" charset="0"/>
-                <a:cs typeface="Segoe UI" pitchFamily="34" charset="0"/>
-              </a:rPr>
-              <a:t>Program to interface</a:t>
-            </a:r>
-          </a:p>
-        </p:txBody>
-      </p:sp>
-    </p:spTree>
-    <p:extLst>
-      <p:ext uri="{BB962C8B-B14F-4D97-AF65-F5344CB8AC3E}">
-        <p14:creationId xmlns:p14="http://schemas.microsoft.com/office/powerpoint/2010/main" val="226708572"/>
-      </p:ext>
-    </p:extLst>
-  </p:cSld>
-  <p:clrMapOvr>
-    <a:masterClrMapping/>
-  </p:clrMapOvr>
-  <p:transition>
-    <p:fade/>
-  </p:transition>
-</p:sld>
-</file>
-
-<file path=ppt/slides/slide24.xml><?xml version="1.0" encoding="utf-8"?>
-<p:sld xmlns:a="http://schemas.openxmlformats.org/drawingml/2006/main" xmlns:r="http://schemas.openxmlformats.org/officeDocument/2006/relationships" xmlns:p="http://schemas.openxmlformats.org/presentationml/2006/main">
-  <p:cSld>
-    <p:bg>
-      <p:bgPr>
-        <a:solidFill>
-          <a:srgbClr val="0072C6"/>
-        </a:solidFill>
-        <a:effectLst/>
-      </p:bgPr>
-    </p:bg>
-    <p:spTree>
-      <p:nvGrpSpPr>
-        <p:cNvPr id="1" name=""/>
-        <p:cNvGrpSpPr/>
-        <p:nvPr/>
-      </p:nvGrpSpPr>
-      <p:grpSpPr>
-        <a:xfrm>
-          <a:off x="0" y="0"/>
-          <a:ext cx="0" cy="0"/>
-          <a:chOff x="0" y="0"/>
-          <a:chExt cx="0" cy="0"/>
-        </a:xfrm>
-      </p:grpSpPr>
-      <p:sp>
-        <p:nvSpPr>
-          <p:cNvPr id="3" name="Title 2"/>
-          <p:cNvSpPr>
-            <a:spLocks noGrp="1"/>
-          </p:cNvSpPr>
-          <p:nvPr>
-            <p:ph type="title"/>
-          </p:nvPr>
-        </p:nvSpPr>
-        <p:spPr/>
-        <p:txBody>
-          <a:bodyPr/>
-          <a:lstStyle/>
-          <a:p>
-            <a:r>
-              <a:rPr lang="da-DK" dirty="0"/>
-              <a:t>Demo</a:t>
-            </a:r>
-          </a:p>
-        </p:txBody>
-      </p:sp>
-    </p:spTree>
-    <p:extLst>
-      <p:ext uri="{BB962C8B-B14F-4D97-AF65-F5344CB8AC3E}">
-        <p14:creationId xmlns:p14="http://schemas.microsoft.com/office/powerpoint/2010/main" val="217215911"/>
-      </p:ext>
-    </p:extLst>
-  </p:cSld>
-  <p:clrMapOvr>
-    <a:masterClrMapping/>
-  </p:clrMapOvr>
-  <p:transition>
-    <p:fade/>
-  </p:transition>
-</p:sld>
-</file>
-
-<file path=ppt/slides/slide3.xml><?xml version="1.0" encoding="utf-8"?>
+<file path=ppt/slides/slide5.xml><?xml version="1.0" encoding="utf-8"?>
 <p:sld xmlns:a="http://schemas.openxmlformats.org/drawingml/2006/main" xmlns:r="http://schemas.openxmlformats.org/officeDocument/2006/relationships" xmlns:p="http://schemas.openxmlformats.org/presentationml/2006/main">
   <p:cSld>
     <p:bg>
@@ -12124,7 +13738,7 @@
 </p:sld>
 </file>
 
-<file path=ppt/slides/slide4.xml><?xml version="1.0" encoding="utf-8"?>
+<file path=ppt/slides/slide6.xml><?xml version="1.0" encoding="utf-8"?>
 <p:sld xmlns:a="http://schemas.openxmlformats.org/drawingml/2006/main" xmlns:r="http://schemas.openxmlformats.org/officeDocument/2006/relationships" xmlns:p="http://schemas.openxmlformats.org/presentationml/2006/main">
   <p:cSld>
     <p:bg>
@@ -12580,7 +14194,7 @@
 </p:sld>
 </file>
 
-<file path=ppt/slides/slide5.xml><?xml version="1.0" encoding="utf-8"?>
+<file path=ppt/slides/slide7.xml><?xml version="1.0" encoding="utf-8"?>
 <p:sld xmlns:a="http://schemas.openxmlformats.org/drawingml/2006/main" xmlns:r="http://schemas.openxmlformats.org/officeDocument/2006/relationships" xmlns:p="http://schemas.openxmlformats.org/presentationml/2006/main">
   <p:cSld>
     <p:spTree>
@@ -12987,7 +14601,7 @@
 </p:sld>
 </file>
 
-<file path=ppt/slides/slide6.xml><?xml version="1.0" encoding="utf-8"?>
+<file path=ppt/slides/slide8.xml><?xml version="1.0" encoding="utf-8"?>
 <p:sld xmlns:a="http://schemas.openxmlformats.org/drawingml/2006/main" xmlns:r="http://schemas.openxmlformats.org/officeDocument/2006/relationships" xmlns:p="http://schemas.openxmlformats.org/presentationml/2006/main">
   <p:cSld>
     <p:spTree>
@@ -13602,7 +15216,7 @@
 </p:sld>
 </file>
 
-<file path=ppt/slides/slide7.xml><?xml version="1.0" encoding="utf-8"?>
+<file path=ppt/slides/slide9.xml><?xml version="1.0" encoding="utf-8"?>
 <p:sld xmlns:a="http://schemas.openxmlformats.org/drawingml/2006/main" xmlns:r="http://schemas.openxmlformats.org/officeDocument/2006/relationships" xmlns:p="http://schemas.openxmlformats.org/presentationml/2006/main">
   <p:cSld>
     <p:spTree>
@@ -14355,954 +15969,6 @@
     <p:extLst>
       <p:ext uri="{BB962C8B-B14F-4D97-AF65-F5344CB8AC3E}">
         <p14:creationId xmlns:p14="http://schemas.microsoft.com/office/powerpoint/2010/main" val="3705276214"/>
-      </p:ext>
-    </p:extLst>
-  </p:cSld>
-  <p:clrMapOvr>
-    <a:masterClrMapping/>
-  </p:clrMapOvr>
-  <p:transition>
-    <p:fade/>
-  </p:transition>
-</p:sld>
-</file>
-
-<file path=ppt/slides/slide8.xml><?xml version="1.0" encoding="utf-8"?>
-<p:sld xmlns:a="http://schemas.openxmlformats.org/drawingml/2006/main" xmlns:r="http://schemas.openxmlformats.org/officeDocument/2006/relationships" xmlns:p="http://schemas.openxmlformats.org/presentationml/2006/main">
-  <p:cSld>
-    <p:spTree>
-      <p:nvGrpSpPr>
-        <p:cNvPr id="1" name=""/>
-        <p:cNvGrpSpPr/>
-        <p:nvPr/>
-      </p:nvGrpSpPr>
-      <p:grpSpPr>
-        <a:xfrm>
-          <a:off x="0" y="0"/>
-          <a:ext cx="0" cy="0"/>
-          <a:chOff x="0" y="0"/>
-          <a:chExt cx="0" cy="0"/>
-        </a:xfrm>
-      </p:grpSpPr>
-      <p:sp>
-        <p:nvSpPr>
-          <p:cNvPr id="2" name="Title 1"/>
-          <p:cNvSpPr>
-            <a:spLocks noGrp="1"/>
-          </p:cNvSpPr>
-          <p:nvPr>
-            <p:ph type="title"/>
-          </p:nvPr>
-        </p:nvSpPr>
-        <p:spPr/>
-        <p:txBody>
-          <a:bodyPr/>
-          <a:lstStyle/>
-          <a:p>
-            <a:r>
-              <a:rPr lang="da-DK" dirty="0"/>
-              <a:t>Property Injection</a:t>
-            </a:r>
-          </a:p>
-        </p:txBody>
-      </p:sp>
-      <p:sp>
-        <p:nvSpPr>
-          <p:cNvPr id="4" name="Speech Bubble: Rectangle 3"/>
-          <p:cNvSpPr/>
-          <p:nvPr/>
-        </p:nvSpPr>
-        <p:spPr bwMode="auto">
-          <a:xfrm>
-            <a:off x="6034866" y="1212850"/>
-            <a:ext cx="2925620" cy="636870"/>
-          </a:xfrm>
-          <a:prstGeom prst="wedgeRectCallout">
-            <a:avLst>
-              <a:gd name="adj1" fmla="val -16361"/>
-              <a:gd name="adj2" fmla="val 147644"/>
-            </a:avLst>
-          </a:prstGeom>
-          <a:solidFill>
-            <a:srgbClr val="68217A"/>
-          </a:solidFill>
-          <a:ln>
-            <a:noFill/>
-            <a:headEnd type="none" w="med" len="med"/>
-            <a:tailEnd type="none" w="med" len="med"/>
-          </a:ln>
-          <a:effectLst/>
-        </p:spPr>
-        <p:style>
-          <a:lnRef idx="1">
-            <a:schemeClr val="accent2"/>
-          </a:lnRef>
-          <a:fillRef idx="3">
-            <a:schemeClr val="accent2"/>
-          </a:fillRef>
-          <a:effectRef idx="2">
-            <a:schemeClr val="accent2"/>
-          </a:effectRef>
-          <a:fontRef idx="minor">
-            <a:schemeClr val="lt1"/>
-          </a:fontRef>
-        </p:style>
-        <p:txBody>
-          <a:bodyPr rot="0" spcFirstLastPara="0" vertOverflow="overflow" horzOverflow="overflow" vert="horz" wrap="square" lIns="182880" tIns="146304" rIns="182880" bIns="146304" numCol="1" spcCol="0" rtlCol="0" fromWordArt="0" anchor="t" anchorCtr="0" forceAA="0" compatLnSpc="1">
-            <a:prstTxWarp prst="textNoShape">
-              <a:avLst/>
-            </a:prstTxWarp>
-            <a:noAutofit/>
-          </a:bodyPr>
-          <a:lstStyle/>
-          <a:p>
-            <a:pPr algn="ctr" defTabSz="932472" fontAlgn="base">
-              <a:lnSpc>
-                <a:spcPct val="90000"/>
-              </a:lnSpc>
-              <a:spcBef>
-                <a:spcPct val="0"/>
-              </a:spcBef>
-              <a:spcAft>
-                <a:spcPct val="0"/>
-              </a:spcAft>
-            </a:pPr>
-            <a:r>
-              <a:rPr lang="da-DK" sz="2400" dirty="0">
-                <a:gradFill>
-                  <a:gsLst>
-                    <a:gs pos="0">
-                      <a:srgbClr val="FFFFFF"/>
-                    </a:gs>
-                    <a:gs pos="100000">
-                      <a:srgbClr val="FFFFFF"/>
-                    </a:gs>
-                  </a:gsLst>
-                  <a:lin ang="5400000" scaled="0"/>
-                </a:gradFill>
-                <a:ea typeface="Segoe UI" pitchFamily="34" charset="0"/>
-                <a:cs typeface="Segoe UI" pitchFamily="34" charset="0"/>
-              </a:rPr>
-              <a:t>Public setter</a:t>
-            </a:r>
-          </a:p>
-        </p:txBody>
-      </p:sp>
-      <p:sp>
-        <p:nvSpPr>
-          <p:cNvPr id="5" name="Rectangle 4">
-            <a:extLst>
-              <a:ext uri="{FF2B5EF4-FFF2-40B4-BE49-F238E27FC236}">
-                <a16:creationId xmlns:a16="http://schemas.microsoft.com/office/drawing/2014/main" id="{027006C7-28EE-474B-A282-B2C93F6BEFF4}"/>
-              </a:ext>
-            </a:extLst>
-          </p:cNvPr>
-          <p:cNvSpPr/>
-          <p:nvPr/>
-        </p:nvSpPr>
-        <p:spPr>
-          <a:xfrm>
-            <a:off x="821257" y="2009207"/>
-            <a:ext cx="7682462" cy="2585323"/>
-          </a:xfrm>
-          <a:prstGeom prst="rect">
-            <a:avLst/>
-          </a:prstGeom>
-        </p:spPr>
-        <p:txBody>
-          <a:bodyPr wrap="square">
-            <a:spAutoFit/>
-          </a:bodyPr>
-          <a:lstStyle/>
-          <a:p>
-            <a:r>
-              <a:rPr lang="da-DK" dirty="0">
-                <a:solidFill>
-                  <a:srgbClr val="0000FF"/>
-                </a:solidFill>
-                <a:latin typeface="Consolas" panose="020B0609020204030204" pitchFamily="49" charset="0"/>
-              </a:rPr>
-              <a:t>public</a:t>
-            </a:r>
-            <a:r>
-              <a:rPr lang="da-DK" dirty="0">
-                <a:solidFill>
-                  <a:srgbClr val="000000"/>
-                </a:solidFill>
-                <a:latin typeface="Consolas" panose="020B0609020204030204" pitchFamily="49" charset="0"/>
-              </a:rPr>
-              <a:t> </a:t>
-            </a:r>
-            <a:r>
-              <a:rPr lang="da-DK" dirty="0">
-                <a:solidFill>
-                  <a:srgbClr val="0000FF"/>
-                </a:solidFill>
-                <a:latin typeface="Consolas" panose="020B0609020204030204" pitchFamily="49" charset="0"/>
-              </a:rPr>
-              <a:t>class</a:t>
-            </a:r>
-            <a:r>
-              <a:rPr lang="da-DK" dirty="0">
-                <a:solidFill>
-                  <a:srgbClr val="000000"/>
-                </a:solidFill>
-                <a:latin typeface="Consolas" panose="020B0609020204030204" pitchFamily="49" charset="0"/>
-              </a:rPr>
-              <a:t> </a:t>
-            </a:r>
-            <a:r>
-              <a:rPr lang="da-DK" dirty="0">
-                <a:solidFill>
-                  <a:srgbClr val="2B91AF"/>
-                </a:solidFill>
-                <a:latin typeface="Consolas" panose="020B0609020204030204" pitchFamily="49" charset="0"/>
-              </a:rPr>
-              <a:t>Worker</a:t>
-            </a:r>
-            <a:endParaRPr lang="da-DK" dirty="0">
-              <a:solidFill>
-                <a:srgbClr val="000000"/>
-              </a:solidFill>
-              <a:latin typeface="Consolas" panose="020B0609020204030204" pitchFamily="49" charset="0"/>
-            </a:endParaRPr>
-          </a:p>
-          <a:p>
-            <a:r>
-              <a:rPr lang="en-DK" dirty="0">
-                <a:solidFill>
-                  <a:srgbClr val="000000"/>
-                </a:solidFill>
-                <a:latin typeface="Consolas" panose="020B0609020204030204" pitchFamily="49" charset="0"/>
-              </a:rPr>
-              <a:t>{</a:t>
-            </a:r>
-          </a:p>
-          <a:p>
-            <a:r>
-              <a:rPr lang="en-US" dirty="0">
-                <a:solidFill>
-                  <a:srgbClr val="000000"/>
-                </a:solidFill>
-                <a:latin typeface="Consolas" panose="020B0609020204030204" pitchFamily="49" charset="0"/>
-              </a:rPr>
-              <a:t>    </a:t>
-            </a:r>
-            <a:r>
-              <a:rPr lang="en-US" dirty="0">
-                <a:solidFill>
-                  <a:srgbClr val="0000FF"/>
-                </a:solidFill>
-                <a:latin typeface="Consolas" panose="020B0609020204030204" pitchFamily="49" charset="0"/>
-              </a:rPr>
-              <a:t>public</a:t>
-            </a:r>
-            <a:r>
-              <a:rPr lang="en-US" dirty="0">
-                <a:solidFill>
-                  <a:srgbClr val="000000"/>
-                </a:solidFill>
-                <a:latin typeface="Consolas" panose="020B0609020204030204" pitchFamily="49" charset="0"/>
-              </a:rPr>
-              <a:t> </a:t>
-            </a:r>
-            <a:r>
-              <a:rPr lang="en-US" dirty="0" err="1">
-                <a:solidFill>
-                  <a:srgbClr val="2B91AF"/>
-                </a:solidFill>
-                <a:latin typeface="Consolas" panose="020B0609020204030204" pitchFamily="49" charset="0"/>
-              </a:rPr>
-              <a:t>IFooService</a:t>
-            </a:r>
-            <a:r>
-              <a:rPr lang="en-US" dirty="0">
-                <a:solidFill>
-                  <a:srgbClr val="000000"/>
-                </a:solidFill>
-                <a:latin typeface="Consolas" panose="020B0609020204030204" pitchFamily="49" charset="0"/>
-              </a:rPr>
-              <a:t> Service { </a:t>
-            </a:r>
-            <a:r>
-              <a:rPr lang="en-US" dirty="0">
-                <a:solidFill>
-                  <a:srgbClr val="0000FF"/>
-                </a:solidFill>
-                <a:latin typeface="Consolas" panose="020B0609020204030204" pitchFamily="49" charset="0"/>
-              </a:rPr>
-              <a:t>private</a:t>
-            </a:r>
-            <a:r>
-              <a:rPr lang="en-US" dirty="0">
-                <a:solidFill>
-                  <a:srgbClr val="000000"/>
-                </a:solidFill>
-                <a:latin typeface="Consolas" panose="020B0609020204030204" pitchFamily="49" charset="0"/>
-              </a:rPr>
-              <a:t> </a:t>
-            </a:r>
-            <a:r>
-              <a:rPr lang="en-US" dirty="0">
-                <a:solidFill>
-                  <a:srgbClr val="0000FF"/>
-                </a:solidFill>
-                <a:latin typeface="Consolas" panose="020B0609020204030204" pitchFamily="49" charset="0"/>
-              </a:rPr>
-              <a:t>get</a:t>
-            </a:r>
-            <a:r>
-              <a:rPr lang="en-US" dirty="0">
-                <a:solidFill>
-                  <a:srgbClr val="000000"/>
-                </a:solidFill>
-                <a:latin typeface="Consolas" panose="020B0609020204030204" pitchFamily="49" charset="0"/>
-              </a:rPr>
-              <a:t>; </a:t>
-            </a:r>
-            <a:r>
-              <a:rPr lang="en-US" dirty="0">
-                <a:solidFill>
-                  <a:srgbClr val="0000FF"/>
-                </a:solidFill>
-                <a:latin typeface="Consolas" panose="020B0609020204030204" pitchFamily="49" charset="0"/>
-              </a:rPr>
-              <a:t>set</a:t>
-            </a:r>
-            <a:r>
-              <a:rPr lang="en-US" dirty="0">
-                <a:solidFill>
-                  <a:srgbClr val="000000"/>
-                </a:solidFill>
-                <a:latin typeface="Consolas" panose="020B0609020204030204" pitchFamily="49" charset="0"/>
-              </a:rPr>
-              <a:t>; }</a:t>
-            </a:r>
-          </a:p>
-          <a:p>
-            <a:endParaRPr lang="en-DK" dirty="0">
-              <a:solidFill>
-                <a:srgbClr val="000000"/>
-              </a:solidFill>
-              <a:latin typeface="Consolas" panose="020B0609020204030204" pitchFamily="49" charset="0"/>
-            </a:endParaRPr>
-          </a:p>
-          <a:p>
-            <a:r>
-              <a:rPr lang="en-US" dirty="0">
-                <a:solidFill>
-                  <a:srgbClr val="000000"/>
-                </a:solidFill>
-                <a:latin typeface="Consolas" panose="020B0609020204030204" pitchFamily="49" charset="0"/>
-              </a:rPr>
-              <a:t>    </a:t>
-            </a:r>
-            <a:r>
-              <a:rPr lang="en-US" dirty="0">
-                <a:solidFill>
-                  <a:srgbClr val="0000FF"/>
-                </a:solidFill>
-                <a:latin typeface="Consolas" panose="020B0609020204030204" pitchFamily="49" charset="0"/>
-              </a:rPr>
-              <a:t>public</a:t>
-            </a:r>
-            <a:r>
-              <a:rPr lang="en-US" dirty="0">
-                <a:solidFill>
-                  <a:srgbClr val="000000"/>
-                </a:solidFill>
-                <a:latin typeface="Consolas" panose="020B0609020204030204" pitchFamily="49" charset="0"/>
-              </a:rPr>
-              <a:t> </a:t>
-            </a:r>
-            <a:r>
-              <a:rPr lang="en-US" dirty="0">
-                <a:solidFill>
-                  <a:srgbClr val="0000FF"/>
-                </a:solidFill>
-                <a:latin typeface="Consolas" panose="020B0609020204030204" pitchFamily="49" charset="0"/>
-              </a:rPr>
-              <a:t>void</a:t>
-            </a:r>
-            <a:r>
-              <a:rPr lang="en-US" dirty="0">
-                <a:solidFill>
-                  <a:srgbClr val="000000"/>
-                </a:solidFill>
-                <a:latin typeface="Consolas" panose="020B0609020204030204" pitchFamily="49" charset="0"/>
-              </a:rPr>
-              <a:t> </a:t>
-            </a:r>
-            <a:r>
-              <a:rPr lang="en-US" dirty="0" err="1">
-                <a:solidFill>
-                  <a:srgbClr val="000000"/>
-                </a:solidFill>
-                <a:latin typeface="Consolas" panose="020B0609020204030204" pitchFamily="49" charset="0"/>
-              </a:rPr>
-              <a:t>DoWork</a:t>
-            </a:r>
-            <a:r>
-              <a:rPr lang="en-US" dirty="0">
-                <a:solidFill>
-                  <a:srgbClr val="000000"/>
-                </a:solidFill>
-                <a:latin typeface="Consolas" panose="020B0609020204030204" pitchFamily="49" charset="0"/>
-              </a:rPr>
-              <a:t>(</a:t>
-            </a:r>
-            <a:r>
-              <a:rPr lang="en-US" dirty="0">
-                <a:solidFill>
-                  <a:srgbClr val="2B91AF"/>
-                </a:solidFill>
-                <a:latin typeface="Consolas" panose="020B0609020204030204" pitchFamily="49" charset="0"/>
-              </a:rPr>
-              <a:t>Foo</a:t>
-            </a:r>
-            <a:r>
-              <a:rPr lang="en-US" dirty="0">
-                <a:solidFill>
-                  <a:srgbClr val="000000"/>
-                </a:solidFill>
-                <a:latin typeface="Consolas" panose="020B0609020204030204" pitchFamily="49" charset="0"/>
-              </a:rPr>
-              <a:t> foo)</a:t>
-            </a:r>
-          </a:p>
-          <a:p>
-            <a:r>
-              <a:rPr lang="en-DK" dirty="0">
-                <a:solidFill>
-                  <a:srgbClr val="000000"/>
-                </a:solidFill>
-                <a:latin typeface="Consolas" panose="020B0609020204030204" pitchFamily="49" charset="0"/>
-              </a:rPr>
-              <a:t>    {</a:t>
-            </a:r>
-          </a:p>
-          <a:p>
-            <a:r>
-              <a:rPr lang="da-DK" dirty="0">
-                <a:solidFill>
-                  <a:srgbClr val="000000"/>
-                </a:solidFill>
-                <a:latin typeface="Consolas" panose="020B0609020204030204" pitchFamily="49" charset="0"/>
-              </a:rPr>
-              <a:t>        Service?.Update(foo);</a:t>
-            </a:r>
-          </a:p>
-          <a:p>
-            <a:r>
-              <a:rPr lang="en-DK" dirty="0">
-                <a:solidFill>
-                  <a:srgbClr val="000000"/>
-                </a:solidFill>
-                <a:latin typeface="Consolas" panose="020B0609020204030204" pitchFamily="49" charset="0"/>
-              </a:rPr>
-              <a:t>    }</a:t>
-            </a:r>
-          </a:p>
-          <a:p>
-            <a:r>
-              <a:rPr lang="en-DK" dirty="0">
-                <a:solidFill>
-                  <a:srgbClr val="000000"/>
-                </a:solidFill>
-                <a:latin typeface="Consolas" panose="020B0609020204030204" pitchFamily="49" charset="0"/>
-              </a:rPr>
-              <a:t>}</a:t>
-            </a:r>
-            <a:endParaRPr lang="en-DK" dirty="0"/>
-          </a:p>
-        </p:txBody>
-      </p:sp>
-      <p:sp>
-        <p:nvSpPr>
-          <p:cNvPr id="6" name="Speech Bubble: Rectangle 5">
-            <a:extLst>
-              <a:ext uri="{FF2B5EF4-FFF2-40B4-BE49-F238E27FC236}">
-                <a16:creationId xmlns:a16="http://schemas.microsoft.com/office/drawing/2014/main" id="{1B5353CC-4C7B-4A69-938F-FF3DDF1462DA}"/>
-              </a:ext>
-            </a:extLst>
-          </p:cNvPr>
-          <p:cNvSpPr/>
-          <p:nvPr/>
-        </p:nvSpPr>
-        <p:spPr bwMode="auto">
-          <a:xfrm>
-            <a:off x="5943427" y="4868847"/>
-            <a:ext cx="2925620" cy="636870"/>
-          </a:xfrm>
-          <a:prstGeom prst="wedgeRectCallout">
-            <a:avLst>
-              <a:gd name="adj1" fmla="val -153922"/>
-              <a:gd name="adj2" fmla="val -187979"/>
-            </a:avLst>
-          </a:prstGeom>
-          <a:solidFill>
-            <a:srgbClr val="68217A"/>
-          </a:solidFill>
-          <a:ln>
-            <a:noFill/>
-            <a:headEnd type="none" w="med" len="med"/>
-            <a:tailEnd type="none" w="med" len="med"/>
-          </a:ln>
-          <a:effectLst/>
-        </p:spPr>
-        <p:style>
-          <a:lnRef idx="1">
-            <a:schemeClr val="accent2"/>
-          </a:lnRef>
-          <a:fillRef idx="3">
-            <a:schemeClr val="accent2"/>
-          </a:fillRef>
-          <a:effectRef idx="2">
-            <a:schemeClr val="accent2"/>
-          </a:effectRef>
-          <a:fontRef idx="minor">
-            <a:schemeClr val="lt1"/>
-          </a:fontRef>
-        </p:style>
-        <p:txBody>
-          <a:bodyPr rot="0" spcFirstLastPara="0" vertOverflow="overflow" horzOverflow="overflow" vert="horz" wrap="square" lIns="182880" tIns="146304" rIns="182880" bIns="146304" numCol="1" spcCol="0" rtlCol="0" fromWordArt="0" anchor="t" anchorCtr="0" forceAA="0" compatLnSpc="1">
-            <a:prstTxWarp prst="textNoShape">
-              <a:avLst/>
-            </a:prstTxWarp>
-            <a:noAutofit/>
-          </a:bodyPr>
-          <a:lstStyle/>
-          <a:p>
-            <a:pPr algn="ctr" defTabSz="932472" fontAlgn="base">
-              <a:lnSpc>
-                <a:spcPct val="90000"/>
-              </a:lnSpc>
-              <a:spcBef>
-                <a:spcPct val="0"/>
-              </a:spcBef>
-              <a:spcAft>
-                <a:spcPct val="0"/>
-              </a:spcAft>
-            </a:pPr>
-            <a:r>
-              <a:rPr lang="da-DK" sz="2400" dirty="0">
-                <a:gradFill>
-                  <a:gsLst>
-                    <a:gs pos="0">
-                      <a:srgbClr val="FFFFFF"/>
-                    </a:gs>
-                    <a:gs pos="100000">
-                      <a:srgbClr val="FFFFFF"/>
-                    </a:gs>
-                  </a:gsLst>
-                  <a:lin ang="5400000" scaled="0"/>
-                </a:gradFill>
-                <a:ea typeface="Segoe UI" pitchFamily="34" charset="0"/>
-                <a:cs typeface="Segoe UI" pitchFamily="34" charset="0"/>
-              </a:rPr>
-              <a:t>Is this King?</a:t>
-            </a:r>
-          </a:p>
-        </p:txBody>
-      </p:sp>
-    </p:spTree>
-    <p:extLst>
-      <p:ext uri="{BB962C8B-B14F-4D97-AF65-F5344CB8AC3E}">
-        <p14:creationId xmlns:p14="http://schemas.microsoft.com/office/powerpoint/2010/main" val="548886773"/>
-      </p:ext>
-    </p:extLst>
-  </p:cSld>
-  <p:clrMapOvr>
-    <a:masterClrMapping/>
-  </p:clrMapOvr>
-  <p:transition>
-    <p:fade/>
-  </p:transition>
-</p:sld>
-</file>
-
-<file path=ppt/slides/slide9.xml><?xml version="1.0" encoding="utf-8"?>
-<p:sld xmlns:a="http://schemas.openxmlformats.org/drawingml/2006/main" xmlns:r="http://schemas.openxmlformats.org/officeDocument/2006/relationships" xmlns:p="http://schemas.openxmlformats.org/presentationml/2006/main">
-  <p:cSld>
-    <p:spTree>
-      <p:nvGrpSpPr>
-        <p:cNvPr id="1" name=""/>
-        <p:cNvGrpSpPr/>
-        <p:nvPr/>
-      </p:nvGrpSpPr>
-      <p:grpSpPr>
-        <a:xfrm>
-          <a:off x="0" y="0"/>
-          <a:ext cx="0" cy="0"/>
-          <a:chOff x="0" y="0"/>
-          <a:chExt cx="0" cy="0"/>
-        </a:xfrm>
-      </p:grpSpPr>
-      <p:sp>
-        <p:nvSpPr>
-          <p:cNvPr id="2" name="Title 1"/>
-          <p:cNvSpPr>
-            <a:spLocks noGrp="1"/>
-          </p:cNvSpPr>
-          <p:nvPr>
-            <p:ph type="title"/>
-          </p:nvPr>
-        </p:nvSpPr>
-        <p:spPr/>
-        <p:txBody>
-          <a:bodyPr/>
-          <a:lstStyle/>
-          <a:p>
-            <a:r>
-              <a:rPr lang="da-DK" dirty="0"/>
-              <a:t>Interface </a:t>
-            </a:r>
-            <a:r>
-              <a:rPr lang="da-DK" dirty="0" err="1"/>
-              <a:t>Injection</a:t>
-            </a:r>
-            <a:endParaRPr lang="da-DK" dirty="0"/>
-          </a:p>
-        </p:txBody>
-      </p:sp>
-      <p:sp>
-        <p:nvSpPr>
-          <p:cNvPr id="3" name="Rectangle 2"/>
-          <p:cNvSpPr/>
-          <p:nvPr/>
-        </p:nvSpPr>
-        <p:spPr>
-          <a:xfrm>
-            <a:off x="2468745" y="2204601"/>
-            <a:ext cx="4571950" cy="2585323"/>
-          </a:xfrm>
-          <a:prstGeom prst="rect">
-            <a:avLst/>
-          </a:prstGeom>
-        </p:spPr>
-        <p:txBody>
-          <a:bodyPr wrap="square">
-            <a:spAutoFit/>
-          </a:bodyPr>
-          <a:lstStyle/>
-          <a:p>
-            <a:r>
-              <a:rPr lang="da-DK" dirty="0">
-                <a:solidFill>
-                  <a:srgbClr val="0000FF"/>
-                </a:solidFill>
-                <a:latin typeface="Consolas" panose="020B0609020204030204" pitchFamily="49" charset="0"/>
-              </a:rPr>
-              <a:t>public</a:t>
-            </a:r>
-            <a:r>
-              <a:rPr lang="da-DK" dirty="0">
-                <a:solidFill>
-                  <a:srgbClr val="000000"/>
-                </a:solidFill>
-                <a:latin typeface="Consolas" panose="020B0609020204030204" pitchFamily="49" charset="0"/>
-              </a:rPr>
-              <a:t> </a:t>
-            </a:r>
-            <a:r>
-              <a:rPr lang="da-DK" dirty="0">
-                <a:solidFill>
-                  <a:srgbClr val="0000FF"/>
-                </a:solidFill>
-                <a:latin typeface="Consolas" panose="020B0609020204030204" pitchFamily="49" charset="0"/>
-              </a:rPr>
-              <a:t>interface</a:t>
-            </a:r>
-            <a:r>
-              <a:rPr lang="da-DK" dirty="0">
-                <a:solidFill>
-                  <a:srgbClr val="000000"/>
-                </a:solidFill>
-                <a:latin typeface="Consolas" panose="020B0609020204030204" pitchFamily="49" charset="0"/>
-              </a:rPr>
-              <a:t> </a:t>
-            </a:r>
-            <a:r>
-              <a:rPr lang="da-DK" dirty="0" err="1">
-                <a:solidFill>
-                  <a:srgbClr val="2B91AF"/>
-                </a:solidFill>
-                <a:latin typeface="Consolas" panose="020B0609020204030204" pitchFamily="49" charset="0"/>
-              </a:rPr>
-              <a:t>IServiceSetter</a:t>
-            </a:r>
-            <a:r>
-              <a:rPr lang="da-DK" dirty="0">
-                <a:solidFill>
-                  <a:srgbClr val="000000"/>
-                </a:solidFill>
-                <a:latin typeface="Consolas" panose="020B0609020204030204" pitchFamily="49" charset="0"/>
-              </a:rPr>
-              <a:t>&lt;</a:t>
-            </a:r>
-            <a:r>
-              <a:rPr lang="da-DK" dirty="0">
-                <a:solidFill>
-                  <a:srgbClr val="2B91AF"/>
-                </a:solidFill>
-                <a:latin typeface="Consolas" panose="020B0609020204030204" pitchFamily="49" charset="0"/>
-              </a:rPr>
-              <a:t>T</a:t>
-            </a:r>
-            <a:r>
-              <a:rPr lang="da-DK" dirty="0">
-                <a:solidFill>
-                  <a:srgbClr val="000000"/>
-                </a:solidFill>
-                <a:latin typeface="Consolas" panose="020B0609020204030204" pitchFamily="49" charset="0"/>
-              </a:rPr>
-              <a:t>&gt;</a:t>
-            </a:r>
-          </a:p>
-          <a:p>
-            <a:r>
-              <a:rPr lang="da-DK" dirty="0">
-                <a:solidFill>
-                  <a:srgbClr val="000000"/>
-                </a:solidFill>
-                <a:latin typeface="Consolas" panose="020B0609020204030204" pitchFamily="49" charset="0"/>
-              </a:rPr>
-              <a:t>{</a:t>
-            </a:r>
-          </a:p>
-          <a:p>
-            <a:r>
-              <a:rPr lang="da-DK" dirty="0">
-                <a:solidFill>
-                  <a:srgbClr val="000000"/>
-                </a:solidFill>
-                <a:latin typeface="Consolas" panose="020B0609020204030204" pitchFamily="49" charset="0"/>
-              </a:rPr>
-              <a:t>    </a:t>
-            </a:r>
-            <a:r>
-              <a:rPr lang="da-DK" dirty="0" err="1">
-                <a:solidFill>
-                  <a:srgbClr val="0000FF"/>
-                </a:solidFill>
-                <a:latin typeface="Consolas" panose="020B0609020204030204" pitchFamily="49" charset="0"/>
-              </a:rPr>
-              <a:t>void</a:t>
-            </a:r>
-            <a:r>
-              <a:rPr lang="da-DK" dirty="0">
-                <a:solidFill>
-                  <a:srgbClr val="000000"/>
-                </a:solidFill>
-                <a:latin typeface="Consolas" panose="020B0609020204030204" pitchFamily="49" charset="0"/>
-              </a:rPr>
-              <a:t> </a:t>
-            </a:r>
-            <a:r>
-              <a:rPr lang="da-DK" dirty="0" err="1">
-                <a:solidFill>
-                  <a:srgbClr val="000000"/>
-                </a:solidFill>
-                <a:latin typeface="Consolas" panose="020B0609020204030204" pitchFamily="49" charset="0"/>
-              </a:rPr>
-              <a:t>SetService</a:t>
-            </a:r>
-            <a:r>
-              <a:rPr lang="da-DK" dirty="0">
-                <a:solidFill>
-                  <a:srgbClr val="000000"/>
-                </a:solidFill>
-                <a:latin typeface="Consolas" panose="020B0609020204030204" pitchFamily="49" charset="0"/>
-              </a:rPr>
-              <a:t>(</a:t>
-            </a:r>
-            <a:r>
-              <a:rPr lang="da-DK" dirty="0">
-                <a:solidFill>
-                  <a:srgbClr val="2B91AF"/>
-                </a:solidFill>
-                <a:latin typeface="Consolas" panose="020B0609020204030204" pitchFamily="49" charset="0"/>
-              </a:rPr>
-              <a:t>T</a:t>
-            </a:r>
-            <a:r>
-              <a:rPr lang="da-DK" dirty="0">
-                <a:solidFill>
-                  <a:srgbClr val="000000"/>
-                </a:solidFill>
-                <a:latin typeface="Consolas" panose="020B0609020204030204" pitchFamily="49" charset="0"/>
-              </a:rPr>
-              <a:t> service);</a:t>
-            </a:r>
-          </a:p>
-          <a:p>
-            <a:r>
-              <a:rPr lang="da-DK" dirty="0">
-                <a:solidFill>
-                  <a:srgbClr val="000000"/>
-                </a:solidFill>
-                <a:latin typeface="Consolas" panose="020B0609020204030204" pitchFamily="49" charset="0"/>
-              </a:rPr>
-              <a:t>}</a:t>
-            </a:r>
-          </a:p>
-          <a:p>
-            <a:endParaRPr lang="da-DK" dirty="0">
-              <a:solidFill>
-                <a:srgbClr val="000000"/>
-              </a:solidFill>
-              <a:latin typeface="Consolas" panose="020B0609020204030204" pitchFamily="49" charset="0"/>
-            </a:endParaRPr>
-          </a:p>
-          <a:p>
-            <a:r>
-              <a:rPr lang="da-DK" dirty="0">
-                <a:solidFill>
-                  <a:srgbClr val="0000FF"/>
-                </a:solidFill>
-                <a:latin typeface="Consolas" panose="020B0609020204030204" pitchFamily="49" charset="0"/>
-              </a:rPr>
-              <a:t>public</a:t>
-            </a:r>
-            <a:r>
-              <a:rPr lang="da-DK" dirty="0">
-                <a:solidFill>
-                  <a:srgbClr val="000000"/>
-                </a:solidFill>
-                <a:latin typeface="Consolas" panose="020B0609020204030204" pitchFamily="49" charset="0"/>
-              </a:rPr>
-              <a:t> </a:t>
-            </a:r>
-            <a:r>
-              <a:rPr lang="da-DK" dirty="0">
-                <a:solidFill>
-                  <a:srgbClr val="0000FF"/>
-                </a:solidFill>
-                <a:latin typeface="Consolas" panose="020B0609020204030204" pitchFamily="49" charset="0"/>
-              </a:rPr>
-              <a:t>interface</a:t>
-            </a:r>
-            <a:r>
-              <a:rPr lang="da-DK" dirty="0">
-                <a:solidFill>
-                  <a:srgbClr val="000000"/>
-                </a:solidFill>
-                <a:latin typeface="Consolas" panose="020B0609020204030204" pitchFamily="49" charset="0"/>
-              </a:rPr>
-              <a:t> </a:t>
-            </a:r>
-            <a:r>
-              <a:rPr lang="da-DK" dirty="0">
-                <a:solidFill>
-                  <a:srgbClr val="2B91AF"/>
-                </a:solidFill>
-                <a:latin typeface="Consolas" panose="020B0609020204030204" pitchFamily="49" charset="0"/>
-              </a:rPr>
-              <a:t>IServiceSetter</a:t>
-            </a:r>
-            <a:r>
-              <a:rPr lang="da-DK" dirty="0">
-                <a:solidFill>
-                  <a:srgbClr val="000000"/>
-                </a:solidFill>
-                <a:latin typeface="Consolas" panose="020B0609020204030204" pitchFamily="49" charset="0"/>
-              </a:rPr>
-              <a:t>&lt;</a:t>
-            </a:r>
-            <a:r>
-              <a:rPr lang="da-DK" dirty="0">
-                <a:solidFill>
-                  <a:srgbClr val="2B91AF"/>
-                </a:solidFill>
-                <a:latin typeface="Consolas" panose="020B0609020204030204" pitchFamily="49" charset="0"/>
-              </a:rPr>
-              <a:t>T</a:t>
-            </a:r>
-            <a:r>
-              <a:rPr lang="da-DK" dirty="0">
-                <a:solidFill>
-                  <a:srgbClr val="000000"/>
-                </a:solidFill>
-                <a:latin typeface="Consolas" panose="020B0609020204030204" pitchFamily="49" charset="0"/>
-              </a:rPr>
-              <a:t>&gt;</a:t>
-            </a:r>
-          </a:p>
-          <a:p>
-            <a:r>
-              <a:rPr lang="da-DK" dirty="0">
-                <a:solidFill>
-                  <a:srgbClr val="000000"/>
-                </a:solidFill>
-                <a:latin typeface="Consolas" panose="020B0609020204030204" pitchFamily="49" charset="0"/>
-              </a:rPr>
-              <a:t>{</a:t>
-            </a:r>
-          </a:p>
-          <a:p>
-            <a:r>
-              <a:rPr lang="da-DK" dirty="0">
-                <a:solidFill>
-                  <a:srgbClr val="000000"/>
-                </a:solidFill>
-                <a:latin typeface="Consolas" panose="020B0609020204030204" pitchFamily="49" charset="0"/>
-              </a:rPr>
-              <a:t>    </a:t>
-            </a:r>
-            <a:r>
-              <a:rPr lang="da-DK" dirty="0">
-                <a:solidFill>
-                  <a:srgbClr val="2B91AF"/>
-                </a:solidFill>
-                <a:latin typeface="Consolas" panose="020B0609020204030204" pitchFamily="49" charset="0"/>
-              </a:rPr>
-              <a:t>T</a:t>
-            </a:r>
-            <a:r>
-              <a:rPr lang="da-DK" dirty="0">
-                <a:solidFill>
-                  <a:srgbClr val="000000"/>
-                </a:solidFill>
-                <a:latin typeface="Consolas" panose="020B0609020204030204" pitchFamily="49" charset="0"/>
-              </a:rPr>
-              <a:t> Service { </a:t>
-            </a:r>
-            <a:r>
-              <a:rPr lang="da-DK" dirty="0">
-                <a:solidFill>
-                  <a:srgbClr val="0000FF"/>
-                </a:solidFill>
-                <a:latin typeface="Consolas" panose="020B0609020204030204" pitchFamily="49" charset="0"/>
-              </a:rPr>
-              <a:t>set</a:t>
-            </a:r>
-            <a:r>
-              <a:rPr lang="da-DK" dirty="0">
-                <a:solidFill>
-                  <a:srgbClr val="000000"/>
-                </a:solidFill>
-                <a:latin typeface="Consolas" panose="020B0609020204030204" pitchFamily="49" charset="0"/>
-              </a:rPr>
-              <a:t>; }</a:t>
-            </a:r>
-          </a:p>
-          <a:p>
-            <a:r>
-              <a:rPr lang="da-DK" dirty="0">
-                <a:solidFill>
-                  <a:srgbClr val="000000"/>
-                </a:solidFill>
-                <a:latin typeface="Consolas" panose="020B0609020204030204" pitchFamily="49" charset="0"/>
-              </a:rPr>
-              <a:t>}</a:t>
-            </a:r>
-          </a:p>
-        </p:txBody>
-      </p:sp>
-    </p:spTree>
-    <p:extLst>
-      <p:ext uri="{BB962C8B-B14F-4D97-AF65-F5344CB8AC3E}">
-        <p14:creationId xmlns:p14="http://schemas.microsoft.com/office/powerpoint/2010/main" val="3839271333"/>
       </p:ext>
     </p:extLst>
   </p:cSld>
@@ -16176,15 +16842,6 @@
 </file>
 
 <file path=customXml/item1.xml><?xml version="1.0" encoding="utf-8"?>
-<?mso-contentType ?>
-<FormTemplates xmlns="http://schemas.microsoft.com/sharepoint/v3/contenttype/forms">
-  <Display>DocumentLibraryForm</Display>
-  <Edit>DocumentLibraryForm</Edit>
-  <New>DocumentLibraryForm</New>
-</FormTemplates>
-</file>
-
-<file path=customXml/item2.xml><?xml version="1.0" encoding="utf-8"?>
 <ct:contentTypeSchema xmlns:ct="http://schemas.microsoft.com/office/2006/metadata/contentType" xmlns:ma="http://schemas.microsoft.com/office/2006/metadata/properties/metaAttributes" ct:_="" ma:_="" ma:contentTypeName="PresentationsDoc" ma:contentTypeID="0x010100B88FC3ECA26D1C46B3C4C83281D2EB9C003BBE479AF4108146A616B6B5E7069DBC" ma:contentTypeVersion="61" ma:contentTypeDescription="" ma:contentTypeScope="" ma:versionID="72533711bacf991a4680f48ae6b725f9">
   <xsd:schema xmlns:xsd="http://www.w3.org/2001/XMLSchema" xmlns:xs="http://www.w3.org/2001/XMLSchema" xmlns:p="http://schemas.microsoft.com/office/2006/metadata/properties" xmlns:ns2="2295e2e7-0eeb-498e-8716-217bb2ee6ee3" xmlns:ns3="8b529f77-48ab-4581-b468-93f09345b8aa" targetNamespace="http://schemas.microsoft.com/office/2006/metadata/properties" ma:root="true" ma:fieldsID="dde17010d50e6e632f300eac8dfd378e" ns2:_="" ns3:_="">
     <xsd:import namespace="2295e2e7-0eeb-498e-8716-217bb2ee6ee3"/>
@@ -16463,7 +17120,7 @@
 </ct:contentTypeSchema>
 </file>
 
-<file path=customXml/item3.xml><?xml version="1.0" encoding="utf-8"?>
+<file path=customXml/item2.xml><?xml version="1.0" encoding="utf-8"?>
 <p:properties xmlns:p="http://schemas.microsoft.com/office/2006/metadata/properties" xmlns:xsi="http://www.w3.org/2001/XMLSchema-instance" xmlns:pc="http://schemas.microsoft.com/office/infopath/2007/PartnerControls">
   <documentManagement>
     <TrackTaxHTField0 xmlns="2295e2e7-0eeb-498e-8716-217bb2ee6ee3">
@@ -16518,15 +17175,16 @@
 </p:properties>
 </file>
 
-<file path=customXml/itemProps1.xml><?xml version="1.0" encoding="utf-8"?>
-<ds:datastoreItem xmlns:ds="http://schemas.openxmlformats.org/officeDocument/2006/customXml" ds:itemID="{758FDAC0-319D-4A54-8D8E-1D42CB1F8004}">
-  <ds:schemaRefs>
-    <ds:schemaRef ds:uri="http://schemas.microsoft.com/sharepoint/v3/contenttype/forms"/>
-  </ds:schemaRefs>
-</ds:datastoreItem>
+<file path=customXml/item3.xml><?xml version="1.0" encoding="utf-8"?>
+<?mso-contentType ?>
+<FormTemplates xmlns="http://schemas.microsoft.com/sharepoint/v3/contenttype/forms">
+  <Display>DocumentLibraryForm</Display>
+  <Edit>DocumentLibraryForm</Edit>
+  <New>DocumentLibraryForm</New>
+</FormTemplates>
 </file>
 
-<file path=customXml/itemProps2.xml><?xml version="1.0" encoding="utf-8"?>
+<file path=customXml/itemProps1.xml><?xml version="1.0" encoding="utf-8"?>
 <ds:datastoreItem xmlns:ds="http://schemas.openxmlformats.org/officeDocument/2006/customXml" ds:itemID="{A4A71FB1-3FB8-468F-9C64-2246CB74C7D9}">
   <ds:schemaRefs>
     <ds:schemaRef ds:uri="http://schemas.microsoft.com/office/2006/metadata/contentType"/>
@@ -16545,7 +17203,7 @@
 </ds:datastoreItem>
 </file>
 
-<file path=customXml/itemProps3.xml><?xml version="1.0" encoding="utf-8"?>
+<file path=customXml/itemProps2.xml><?xml version="1.0" encoding="utf-8"?>
 <ds:datastoreItem xmlns:ds="http://schemas.openxmlformats.org/officeDocument/2006/customXml" ds:itemID="{F990F116-B58F-4255-B05B-DA3808E0E5C6}">
   <ds:schemaRefs>
     <ds:schemaRef ds:uri="http://schemas.microsoft.com/office/2006/documentManagement/types"/>
@@ -16560,4 +17218,12 @@
     <ds:schemaRef ds:uri="http://purl.org/dc/terms/"/>
   </ds:schemaRefs>
 </ds:datastoreItem>
+</file>
+
+<file path=customXml/itemProps3.xml><?xml version="1.0" encoding="utf-8"?>
+<ds:datastoreItem xmlns:ds="http://schemas.openxmlformats.org/officeDocument/2006/customXml" ds:itemID="{758FDAC0-319D-4A54-8D8E-1D42CB1F8004}">
+  <ds:schemaRefs>
+    <ds:schemaRef ds:uri="http://schemas.microsoft.com/sharepoint/v3/contenttype/forms"/>
+  </ds:schemaRefs>
+</ds:datastoreItem>
 </file>